--- a/proposal_ai_agent/DB/rfp_to_proposal.pptx
+++ b/proposal_ai_agent/DB/rfp_to_proposal.pptx
@@ -10,7 +10,7 @@
   <p:sldIdLst>
     <p:sldId id="256" r:id="rId2"/>
     <p:sldId id="257" r:id="rId3"/>
-    <p:sldId id="263" r:id="rId4"/>
+    <p:sldId id="264" r:id="rId4"/>
     <p:sldId id="258" r:id="rId5"/>
     <p:sldId id="259" r:id="rId6"/>
     <p:sldId id="260" r:id="rId7"/>
@@ -757,7 +757,7 @@
         </p:nvSpPr>
         <p:spPr>
           <a:xfrm>
-            <a:off x="381300" y="685800"/>
+            <a:off x="381000" y="685800"/>
             <a:ext cx="6096000" cy="3429000"/>
           </a:xfrm>
           <a:custGeom>
@@ -944,7 +944,7 @@
         <p:cNvPr id="1" name="Shape 61">
           <a:extLst>
             <a:ext uri="{FF2B5EF4-FFF2-40B4-BE49-F238E27FC236}">
-              <a16:creationId xmlns:a16="http://schemas.microsoft.com/office/drawing/2014/main" id="{9D6AC48B-450B-A5CF-2D9D-94062EAD27A5}"/>
+              <a16:creationId xmlns:a16="http://schemas.microsoft.com/office/drawing/2014/main" id="{6F3D770E-8503-AA6A-FAFD-D818FB592D32}"/>
             </a:ext>
           </a:extLst>
         </p:cNvPr>
@@ -964,7 +964,7 @@
           <p:cNvPr id="62" name="Google Shape;62;p:notes">
             <a:extLst>
               <a:ext uri="{FF2B5EF4-FFF2-40B4-BE49-F238E27FC236}">
-                <a16:creationId xmlns:a16="http://schemas.microsoft.com/office/drawing/2014/main" id="{F6A18927-390D-F61F-DDF0-217011F98876}"/>
+                <a16:creationId xmlns:a16="http://schemas.microsoft.com/office/drawing/2014/main" id="{D5326674-7DAC-46B5-8930-A70C4583BD23}"/>
               </a:ext>
             </a:extLst>
           </p:cNvPr>
@@ -1011,7 +1011,7 @@
           <p:cNvPr id="63" name="Google Shape;63;p:notes">
             <a:extLst>
               <a:ext uri="{FF2B5EF4-FFF2-40B4-BE49-F238E27FC236}">
-                <a16:creationId xmlns:a16="http://schemas.microsoft.com/office/drawing/2014/main" id="{934D0496-E2AA-56BD-575F-E93368574130}"/>
+                <a16:creationId xmlns:a16="http://schemas.microsoft.com/office/drawing/2014/main" id="{66FC8E3D-3659-FD9A-5E17-8CC8B9FD64FF}"/>
               </a:ext>
             </a:extLst>
           </p:cNvPr>
@@ -1053,7 +1053,7 @@
     </p:spTree>
     <p:extLst>
       <p:ext uri="{BB962C8B-B14F-4D97-AF65-F5344CB8AC3E}">
-        <p14:creationId xmlns:p14="http://schemas.microsoft.com/office/powerpoint/2010/main" val="1165866476"/>
+        <p14:creationId xmlns:p14="http://schemas.microsoft.com/office/powerpoint/2010/main" val="2279123006"/>
       </p:ext>
     </p:extLst>
   </p:cSld>
@@ -1973,6 +1973,2497 @@
 </file>
 
 <file path=ppt/slideLayouts/slideLayout10.xml><?xml version="1.0" encoding="utf-8"?>
+<p:sldLayout xmlns:a="http://schemas.openxmlformats.org/drawingml/2006/main" xmlns:r="http://schemas.openxmlformats.org/officeDocument/2006/relationships" xmlns:p="http://schemas.openxmlformats.org/presentationml/2006/main" matchingName="Blank" type="blank">
+  <p:cSld name="BLANK">
+    <p:spTree>
+      <p:nvGrpSpPr>
+        <p:cNvPr id="1" name="Shape 48"/>
+        <p:cNvGrpSpPr/>
+        <p:nvPr/>
+      </p:nvGrpSpPr>
+      <p:grpSpPr>
+        <a:xfrm>
+          <a:off x="0" y="0"/>
+          <a:ext cx="0" cy="0"/>
+          <a:chOff x="0" y="0"/>
+          <a:chExt cx="0" cy="0"/>
+        </a:xfrm>
+      </p:grpSpPr>
+      <p:sp>
+        <p:nvSpPr>
+          <p:cNvPr id="49" name="Google Shape;49;p12"/>
+          <p:cNvSpPr txBox="1">
+            <a:spLocks noGrp="1"/>
+          </p:cNvSpPr>
+          <p:nvPr>
+            <p:ph type="sldNum" idx="12"/>
+          </p:nvPr>
+        </p:nvSpPr>
+        <p:spPr>
+          <a:xfrm>
+            <a:off x="8472458" y="4663217"/>
+            <a:ext cx="548700" cy="393600"/>
+          </a:xfrm>
+          <a:prstGeom prst="rect">
+            <a:avLst/>
+          </a:prstGeom>
+        </p:spPr>
+        <p:txBody>
+          <a:bodyPr spcFirstLastPara="1" wrap="square" lIns="91425" tIns="91425" rIns="91425" bIns="91425" anchor="ctr" anchorCtr="0">
+            <a:normAutofit/>
+          </a:bodyPr>
+          <a:lstStyle>
+            <a:lvl1pPr lvl="0">
+              <a:buNone/>
+              <a:defRPr/>
+            </a:lvl1pPr>
+            <a:lvl2pPr lvl="1">
+              <a:buNone/>
+              <a:defRPr/>
+            </a:lvl2pPr>
+            <a:lvl3pPr lvl="2">
+              <a:buNone/>
+              <a:defRPr/>
+            </a:lvl3pPr>
+            <a:lvl4pPr lvl="3">
+              <a:buNone/>
+              <a:defRPr/>
+            </a:lvl4pPr>
+            <a:lvl5pPr lvl="4">
+              <a:buNone/>
+              <a:defRPr/>
+            </a:lvl5pPr>
+            <a:lvl6pPr lvl="5">
+              <a:buNone/>
+              <a:defRPr/>
+            </a:lvl6pPr>
+            <a:lvl7pPr lvl="6">
+              <a:buNone/>
+              <a:defRPr/>
+            </a:lvl7pPr>
+            <a:lvl8pPr lvl="7">
+              <a:buNone/>
+              <a:defRPr/>
+            </a:lvl8pPr>
+            <a:lvl9pPr lvl="8">
+              <a:buNone/>
+              <a:defRPr/>
+            </a:lvl9pPr>
+          </a:lstStyle>
+          <a:p>
+            <a:pPr marL="0" lvl="0" indent="0" algn="r" rtl="0">
+              <a:spcBef>
+                <a:spcPts val="0"/>
+              </a:spcBef>
+              <a:spcAft>
+                <a:spcPts val="0"/>
+              </a:spcAft>
+              <a:buNone/>
+            </a:pPr>
+            <a:fld id="{00000000-1234-1234-1234-123412341234}" type="slidenum">
+              <a:rPr lang="en"/>
+              <a:t>‹#›</a:t>
+            </a:fld>
+            <a:endParaRPr/>
+          </a:p>
+        </p:txBody>
+      </p:sp>
+    </p:spTree>
+  </p:cSld>
+  <p:clrMapOvr>
+    <a:masterClrMapping/>
+  </p:clrMapOvr>
+</p:sldLayout>
+</file>
+
+<file path=ppt/slideLayouts/slideLayout2.xml><?xml version="1.0" encoding="utf-8"?>
+<p:sldLayout xmlns:a="http://schemas.openxmlformats.org/drawingml/2006/main" xmlns:r="http://schemas.openxmlformats.org/officeDocument/2006/relationships" xmlns:p="http://schemas.openxmlformats.org/presentationml/2006/main" matchingName="Title and body" type="tx">
+  <p:cSld name="TITLE_AND_BODY">
+    <p:spTree>
+      <p:nvGrpSpPr>
+        <p:cNvPr id="1" name="Shape 16"/>
+        <p:cNvGrpSpPr/>
+        <p:nvPr/>
+      </p:nvGrpSpPr>
+      <p:grpSpPr>
+        <a:xfrm>
+          <a:off x="0" y="0"/>
+          <a:ext cx="0" cy="0"/>
+          <a:chOff x="0" y="0"/>
+          <a:chExt cx="0" cy="0"/>
+        </a:xfrm>
+      </p:grpSpPr>
+      <p:sp>
+        <p:nvSpPr>
+          <p:cNvPr id="17" name="Google Shape;17;p4"/>
+          <p:cNvSpPr txBox="1">
+            <a:spLocks noGrp="1"/>
+          </p:cNvSpPr>
+          <p:nvPr>
+            <p:ph type="title"/>
+          </p:nvPr>
+        </p:nvSpPr>
+        <p:spPr>
+          <a:xfrm>
+            <a:off x="311700" y="445025"/>
+            <a:ext cx="8520600" cy="572700"/>
+          </a:xfrm>
+          <a:prstGeom prst="rect">
+            <a:avLst/>
+          </a:prstGeom>
+        </p:spPr>
+        <p:txBody>
+          <a:bodyPr spcFirstLastPara="1" wrap="square" lIns="91425" tIns="91425" rIns="91425" bIns="91425" anchor="t" anchorCtr="0">
+            <a:normAutofit/>
+          </a:bodyPr>
+          <a:lstStyle>
+            <a:lvl1pPr lvl="0">
+              <a:spcBef>
+                <a:spcPts val="0"/>
+              </a:spcBef>
+              <a:spcAft>
+                <a:spcPts val="0"/>
+              </a:spcAft>
+              <a:buSzPts val="2800"/>
+              <a:buNone/>
+              <a:defRPr/>
+            </a:lvl1pPr>
+            <a:lvl2pPr lvl="1">
+              <a:spcBef>
+                <a:spcPts val="0"/>
+              </a:spcBef>
+              <a:spcAft>
+                <a:spcPts val="0"/>
+              </a:spcAft>
+              <a:buSzPts val="2800"/>
+              <a:buNone/>
+              <a:defRPr/>
+            </a:lvl2pPr>
+            <a:lvl3pPr lvl="2">
+              <a:spcBef>
+                <a:spcPts val="0"/>
+              </a:spcBef>
+              <a:spcAft>
+                <a:spcPts val="0"/>
+              </a:spcAft>
+              <a:buSzPts val="2800"/>
+              <a:buNone/>
+              <a:defRPr/>
+            </a:lvl3pPr>
+            <a:lvl4pPr lvl="3">
+              <a:spcBef>
+                <a:spcPts val="0"/>
+              </a:spcBef>
+              <a:spcAft>
+                <a:spcPts val="0"/>
+              </a:spcAft>
+              <a:buSzPts val="2800"/>
+              <a:buNone/>
+              <a:defRPr/>
+            </a:lvl4pPr>
+            <a:lvl5pPr lvl="4">
+              <a:spcBef>
+                <a:spcPts val="0"/>
+              </a:spcBef>
+              <a:spcAft>
+                <a:spcPts val="0"/>
+              </a:spcAft>
+              <a:buSzPts val="2800"/>
+              <a:buNone/>
+              <a:defRPr/>
+            </a:lvl5pPr>
+            <a:lvl6pPr lvl="5">
+              <a:spcBef>
+                <a:spcPts val="0"/>
+              </a:spcBef>
+              <a:spcAft>
+                <a:spcPts val="0"/>
+              </a:spcAft>
+              <a:buSzPts val="2800"/>
+              <a:buNone/>
+              <a:defRPr/>
+            </a:lvl6pPr>
+            <a:lvl7pPr lvl="6">
+              <a:spcBef>
+                <a:spcPts val="0"/>
+              </a:spcBef>
+              <a:spcAft>
+                <a:spcPts val="0"/>
+              </a:spcAft>
+              <a:buSzPts val="2800"/>
+              <a:buNone/>
+              <a:defRPr/>
+            </a:lvl7pPr>
+            <a:lvl8pPr lvl="7">
+              <a:spcBef>
+                <a:spcPts val="0"/>
+              </a:spcBef>
+              <a:spcAft>
+                <a:spcPts val="0"/>
+              </a:spcAft>
+              <a:buSzPts val="2800"/>
+              <a:buNone/>
+              <a:defRPr/>
+            </a:lvl8pPr>
+            <a:lvl9pPr lvl="8">
+              <a:spcBef>
+                <a:spcPts val="0"/>
+              </a:spcBef>
+              <a:spcAft>
+                <a:spcPts val="0"/>
+              </a:spcAft>
+              <a:buSzPts val="2800"/>
+              <a:buNone/>
+              <a:defRPr/>
+            </a:lvl9pPr>
+          </a:lstStyle>
+          <a:p>
+            <a:endParaRPr/>
+          </a:p>
+        </p:txBody>
+      </p:sp>
+      <p:sp>
+        <p:nvSpPr>
+          <p:cNvPr id="18" name="Google Shape;18;p4"/>
+          <p:cNvSpPr txBox="1">
+            <a:spLocks noGrp="1"/>
+          </p:cNvSpPr>
+          <p:nvPr>
+            <p:ph type="body" idx="1"/>
+          </p:nvPr>
+        </p:nvSpPr>
+        <p:spPr>
+          <a:xfrm>
+            <a:off x="311700" y="1152475"/>
+            <a:ext cx="8520600" cy="3416400"/>
+          </a:xfrm>
+          <a:prstGeom prst="rect">
+            <a:avLst/>
+          </a:prstGeom>
+        </p:spPr>
+        <p:txBody>
+          <a:bodyPr spcFirstLastPara="1" wrap="square" lIns="91425" tIns="91425" rIns="91425" bIns="91425" anchor="t" anchorCtr="0">
+            <a:normAutofit/>
+          </a:bodyPr>
+          <a:lstStyle>
+            <a:lvl1pPr marL="457200" lvl="0" indent="-342900">
+              <a:spcBef>
+                <a:spcPts val="0"/>
+              </a:spcBef>
+              <a:spcAft>
+                <a:spcPts val="0"/>
+              </a:spcAft>
+              <a:buSzPts val="1800"/>
+              <a:buChar char="●"/>
+              <a:defRPr/>
+            </a:lvl1pPr>
+            <a:lvl2pPr marL="914400" lvl="1" indent="-317500">
+              <a:spcBef>
+                <a:spcPts val="0"/>
+              </a:spcBef>
+              <a:spcAft>
+                <a:spcPts val="0"/>
+              </a:spcAft>
+              <a:buSzPts val="1400"/>
+              <a:buChar char="○"/>
+              <a:defRPr/>
+            </a:lvl2pPr>
+            <a:lvl3pPr marL="1371600" lvl="2" indent="-317500">
+              <a:spcBef>
+                <a:spcPts val="0"/>
+              </a:spcBef>
+              <a:spcAft>
+                <a:spcPts val="0"/>
+              </a:spcAft>
+              <a:buSzPts val="1400"/>
+              <a:buChar char="■"/>
+              <a:defRPr/>
+            </a:lvl3pPr>
+            <a:lvl4pPr marL="1828800" lvl="3" indent="-317500">
+              <a:spcBef>
+                <a:spcPts val="0"/>
+              </a:spcBef>
+              <a:spcAft>
+                <a:spcPts val="0"/>
+              </a:spcAft>
+              <a:buSzPts val="1400"/>
+              <a:buChar char="●"/>
+              <a:defRPr/>
+            </a:lvl4pPr>
+            <a:lvl5pPr marL="2286000" lvl="4" indent="-317500">
+              <a:spcBef>
+                <a:spcPts val="0"/>
+              </a:spcBef>
+              <a:spcAft>
+                <a:spcPts val="0"/>
+              </a:spcAft>
+              <a:buSzPts val="1400"/>
+              <a:buChar char="○"/>
+              <a:defRPr/>
+            </a:lvl5pPr>
+            <a:lvl6pPr marL="2743200" lvl="5" indent="-317500">
+              <a:spcBef>
+                <a:spcPts val="0"/>
+              </a:spcBef>
+              <a:spcAft>
+                <a:spcPts val="0"/>
+              </a:spcAft>
+              <a:buSzPts val="1400"/>
+              <a:buChar char="■"/>
+              <a:defRPr/>
+            </a:lvl6pPr>
+            <a:lvl7pPr marL="3200400" lvl="6" indent="-317500">
+              <a:spcBef>
+                <a:spcPts val="0"/>
+              </a:spcBef>
+              <a:spcAft>
+                <a:spcPts val="0"/>
+              </a:spcAft>
+              <a:buSzPts val="1400"/>
+              <a:buChar char="●"/>
+              <a:defRPr/>
+            </a:lvl7pPr>
+            <a:lvl8pPr marL="3657600" lvl="7" indent="-317500">
+              <a:spcBef>
+                <a:spcPts val="0"/>
+              </a:spcBef>
+              <a:spcAft>
+                <a:spcPts val="0"/>
+              </a:spcAft>
+              <a:buSzPts val="1400"/>
+              <a:buChar char="○"/>
+              <a:defRPr/>
+            </a:lvl8pPr>
+            <a:lvl9pPr marL="4114800" lvl="8" indent="-317500">
+              <a:spcBef>
+                <a:spcPts val="0"/>
+              </a:spcBef>
+              <a:spcAft>
+                <a:spcPts val="0"/>
+              </a:spcAft>
+              <a:buSzPts val="1400"/>
+              <a:buChar char="■"/>
+              <a:defRPr/>
+            </a:lvl9pPr>
+          </a:lstStyle>
+          <a:p>
+            <a:endParaRPr/>
+          </a:p>
+        </p:txBody>
+      </p:sp>
+      <p:sp>
+        <p:nvSpPr>
+          <p:cNvPr id="19" name="Google Shape;19;p4"/>
+          <p:cNvSpPr txBox="1">
+            <a:spLocks noGrp="1"/>
+          </p:cNvSpPr>
+          <p:nvPr>
+            <p:ph type="sldNum" idx="12"/>
+          </p:nvPr>
+        </p:nvSpPr>
+        <p:spPr>
+          <a:xfrm>
+            <a:off x="8472458" y="4663217"/>
+            <a:ext cx="548700" cy="393600"/>
+          </a:xfrm>
+          <a:prstGeom prst="rect">
+            <a:avLst/>
+          </a:prstGeom>
+        </p:spPr>
+        <p:txBody>
+          <a:bodyPr spcFirstLastPara="1" wrap="square" lIns="91425" tIns="91425" rIns="91425" bIns="91425" anchor="ctr" anchorCtr="0">
+            <a:normAutofit/>
+          </a:bodyPr>
+          <a:lstStyle>
+            <a:lvl1pPr lvl="0">
+              <a:buNone/>
+              <a:defRPr/>
+            </a:lvl1pPr>
+            <a:lvl2pPr lvl="1">
+              <a:buNone/>
+              <a:defRPr/>
+            </a:lvl2pPr>
+            <a:lvl3pPr lvl="2">
+              <a:buNone/>
+              <a:defRPr/>
+            </a:lvl3pPr>
+            <a:lvl4pPr lvl="3">
+              <a:buNone/>
+              <a:defRPr/>
+            </a:lvl4pPr>
+            <a:lvl5pPr lvl="4">
+              <a:buNone/>
+              <a:defRPr/>
+            </a:lvl5pPr>
+            <a:lvl6pPr lvl="5">
+              <a:buNone/>
+              <a:defRPr/>
+            </a:lvl6pPr>
+            <a:lvl7pPr lvl="6">
+              <a:buNone/>
+              <a:defRPr/>
+            </a:lvl7pPr>
+            <a:lvl8pPr lvl="7">
+              <a:buNone/>
+              <a:defRPr/>
+            </a:lvl8pPr>
+            <a:lvl9pPr lvl="8">
+              <a:buNone/>
+              <a:defRPr/>
+            </a:lvl9pPr>
+          </a:lstStyle>
+          <a:p>
+            <a:pPr marL="0" lvl="0" indent="0" algn="r" rtl="0">
+              <a:spcBef>
+                <a:spcPts val="0"/>
+              </a:spcBef>
+              <a:spcAft>
+                <a:spcPts val="0"/>
+              </a:spcAft>
+              <a:buNone/>
+            </a:pPr>
+            <a:fld id="{00000000-1234-1234-1234-123412341234}" type="slidenum">
+              <a:rPr lang="en"/>
+              <a:t>‹#›</a:t>
+            </a:fld>
+            <a:endParaRPr/>
+          </a:p>
+        </p:txBody>
+      </p:sp>
+    </p:spTree>
+  </p:cSld>
+  <p:clrMapOvr>
+    <a:masterClrMapping/>
+  </p:clrMapOvr>
+</p:sldLayout>
+</file>
+
+<file path=ppt/slideLayouts/slideLayout3.xml><?xml version="1.0" encoding="utf-8"?>
+<p:sldLayout xmlns:a="http://schemas.openxmlformats.org/drawingml/2006/main" xmlns:r="http://schemas.openxmlformats.org/officeDocument/2006/relationships" xmlns:p="http://schemas.openxmlformats.org/presentationml/2006/main" matchingName="Title and two columns" type="twoColTx">
+  <p:cSld name="TITLE_AND_TWO_COLUMNS">
+    <p:spTree>
+      <p:nvGrpSpPr>
+        <p:cNvPr id="1" name="Shape 20"/>
+        <p:cNvGrpSpPr/>
+        <p:nvPr/>
+      </p:nvGrpSpPr>
+      <p:grpSpPr>
+        <a:xfrm>
+          <a:off x="0" y="0"/>
+          <a:ext cx="0" cy="0"/>
+          <a:chOff x="0" y="0"/>
+          <a:chExt cx="0" cy="0"/>
+        </a:xfrm>
+      </p:grpSpPr>
+      <p:sp>
+        <p:nvSpPr>
+          <p:cNvPr id="21" name="Google Shape;21;p5"/>
+          <p:cNvSpPr txBox="1">
+            <a:spLocks noGrp="1"/>
+          </p:cNvSpPr>
+          <p:nvPr>
+            <p:ph type="title"/>
+          </p:nvPr>
+        </p:nvSpPr>
+        <p:spPr>
+          <a:xfrm>
+            <a:off x="311700" y="445025"/>
+            <a:ext cx="8520600" cy="572700"/>
+          </a:xfrm>
+          <a:prstGeom prst="rect">
+            <a:avLst/>
+          </a:prstGeom>
+        </p:spPr>
+        <p:txBody>
+          <a:bodyPr spcFirstLastPara="1" wrap="square" lIns="91425" tIns="91425" rIns="91425" bIns="91425" anchor="t" anchorCtr="0">
+            <a:normAutofit/>
+          </a:bodyPr>
+          <a:lstStyle>
+            <a:lvl1pPr lvl="0">
+              <a:spcBef>
+                <a:spcPts val="0"/>
+              </a:spcBef>
+              <a:spcAft>
+                <a:spcPts val="0"/>
+              </a:spcAft>
+              <a:buSzPts val="2800"/>
+              <a:buNone/>
+              <a:defRPr/>
+            </a:lvl1pPr>
+            <a:lvl2pPr lvl="1">
+              <a:spcBef>
+                <a:spcPts val="0"/>
+              </a:spcBef>
+              <a:spcAft>
+                <a:spcPts val="0"/>
+              </a:spcAft>
+              <a:buSzPts val="2800"/>
+              <a:buNone/>
+              <a:defRPr/>
+            </a:lvl2pPr>
+            <a:lvl3pPr lvl="2">
+              <a:spcBef>
+                <a:spcPts val="0"/>
+              </a:spcBef>
+              <a:spcAft>
+                <a:spcPts val="0"/>
+              </a:spcAft>
+              <a:buSzPts val="2800"/>
+              <a:buNone/>
+              <a:defRPr/>
+            </a:lvl3pPr>
+            <a:lvl4pPr lvl="3">
+              <a:spcBef>
+                <a:spcPts val="0"/>
+              </a:spcBef>
+              <a:spcAft>
+                <a:spcPts val="0"/>
+              </a:spcAft>
+              <a:buSzPts val="2800"/>
+              <a:buNone/>
+              <a:defRPr/>
+            </a:lvl4pPr>
+            <a:lvl5pPr lvl="4">
+              <a:spcBef>
+                <a:spcPts val="0"/>
+              </a:spcBef>
+              <a:spcAft>
+                <a:spcPts val="0"/>
+              </a:spcAft>
+              <a:buSzPts val="2800"/>
+              <a:buNone/>
+              <a:defRPr/>
+            </a:lvl5pPr>
+            <a:lvl6pPr lvl="5">
+              <a:spcBef>
+                <a:spcPts val="0"/>
+              </a:spcBef>
+              <a:spcAft>
+                <a:spcPts val="0"/>
+              </a:spcAft>
+              <a:buSzPts val="2800"/>
+              <a:buNone/>
+              <a:defRPr/>
+            </a:lvl6pPr>
+            <a:lvl7pPr lvl="6">
+              <a:spcBef>
+                <a:spcPts val="0"/>
+              </a:spcBef>
+              <a:spcAft>
+                <a:spcPts val="0"/>
+              </a:spcAft>
+              <a:buSzPts val="2800"/>
+              <a:buNone/>
+              <a:defRPr/>
+            </a:lvl7pPr>
+            <a:lvl8pPr lvl="7">
+              <a:spcBef>
+                <a:spcPts val="0"/>
+              </a:spcBef>
+              <a:spcAft>
+                <a:spcPts val="0"/>
+              </a:spcAft>
+              <a:buSzPts val="2800"/>
+              <a:buNone/>
+              <a:defRPr/>
+            </a:lvl8pPr>
+            <a:lvl9pPr lvl="8">
+              <a:spcBef>
+                <a:spcPts val="0"/>
+              </a:spcBef>
+              <a:spcAft>
+                <a:spcPts val="0"/>
+              </a:spcAft>
+              <a:buSzPts val="2800"/>
+              <a:buNone/>
+              <a:defRPr/>
+            </a:lvl9pPr>
+          </a:lstStyle>
+          <a:p>
+            <a:endParaRPr/>
+          </a:p>
+        </p:txBody>
+      </p:sp>
+      <p:sp>
+        <p:nvSpPr>
+          <p:cNvPr id="22" name="Google Shape;22;p5"/>
+          <p:cNvSpPr txBox="1">
+            <a:spLocks noGrp="1"/>
+          </p:cNvSpPr>
+          <p:nvPr>
+            <p:ph type="body" idx="1"/>
+          </p:nvPr>
+        </p:nvSpPr>
+        <p:spPr>
+          <a:xfrm>
+            <a:off x="311700" y="1152475"/>
+            <a:ext cx="3999900" cy="3416400"/>
+          </a:xfrm>
+          <a:prstGeom prst="rect">
+            <a:avLst/>
+          </a:prstGeom>
+        </p:spPr>
+        <p:txBody>
+          <a:bodyPr spcFirstLastPara="1" wrap="square" lIns="91425" tIns="91425" rIns="91425" bIns="91425" anchor="t" anchorCtr="0">
+            <a:normAutofit/>
+          </a:bodyPr>
+          <a:lstStyle>
+            <a:lvl1pPr marL="457200" lvl="0" indent="-317500">
+              <a:spcBef>
+                <a:spcPts val="0"/>
+              </a:spcBef>
+              <a:spcAft>
+                <a:spcPts val="0"/>
+              </a:spcAft>
+              <a:buSzPts val="1400"/>
+              <a:buChar char="●"/>
+              <a:defRPr sz="1400"/>
+            </a:lvl1pPr>
+            <a:lvl2pPr marL="914400" lvl="1" indent="-304800">
+              <a:spcBef>
+                <a:spcPts val="0"/>
+              </a:spcBef>
+              <a:spcAft>
+                <a:spcPts val="0"/>
+              </a:spcAft>
+              <a:buSzPts val="1200"/>
+              <a:buChar char="○"/>
+              <a:defRPr sz="1200"/>
+            </a:lvl2pPr>
+            <a:lvl3pPr marL="1371600" lvl="2" indent="-304800">
+              <a:spcBef>
+                <a:spcPts val="0"/>
+              </a:spcBef>
+              <a:spcAft>
+                <a:spcPts val="0"/>
+              </a:spcAft>
+              <a:buSzPts val="1200"/>
+              <a:buChar char="■"/>
+              <a:defRPr sz="1200"/>
+            </a:lvl3pPr>
+            <a:lvl4pPr marL="1828800" lvl="3" indent="-304800">
+              <a:spcBef>
+                <a:spcPts val="0"/>
+              </a:spcBef>
+              <a:spcAft>
+                <a:spcPts val="0"/>
+              </a:spcAft>
+              <a:buSzPts val="1200"/>
+              <a:buChar char="●"/>
+              <a:defRPr sz="1200"/>
+            </a:lvl4pPr>
+            <a:lvl5pPr marL="2286000" lvl="4" indent="-304800">
+              <a:spcBef>
+                <a:spcPts val="0"/>
+              </a:spcBef>
+              <a:spcAft>
+                <a:spcPts val="0"/>
+              </a:spcAft>
+              <a:buSzPts val="1200"/>
+              <a:buChar char="○"/>
+              <a:defRPr sz="1200"/>
+            </a:lvl5pPr>
+            <a:lvl6pPr marL="2743200" lvl="5" indent="-304800">
+              <a:spcBef>
+                <a:spcPts val="0"/>
+              </a:spcBef>
+              <a:spcAft>
+                <a:spcPts val="0"/>
+              </a:spcAft>
+              <a:buSzPts val="1200"/>
+              <a:buChar char="■"/>
+              <a:defRPr sz="1200"/>
+            </a:lvl6pPr>
+            <a:lvl7pPr marL="3200400" lvl="6" indent="-304800">
+              <a:spcBef>
+                <a:spcPts val="0"/>
+              </a:spcBef>
+              <a:spcAft>
+                <a:spcPts val="0"/>
+              </a:spcAft>
+              <a:buSzPts val="1200"/>
+              <a:buChar char="●"/>
+              <a:defRPr sz="1200"/>
+            </a:lvl7pPr>
+            <a:lvl8pPr marL="3657600" lvl="7" indent="-304800">
+              <a:spcBef>
+                <a:spcPts val="0"/>
+              </a:spcBef>
+              <a:spcAft>
+                <a:spcPts val="0"/>
+              </a:spcAft>
+              <a:buSzPts val="1200"/>
+              <a:buChar char="○"/>
+              <a:defRPr sz="1200"/>
+            </a:lvl8pPr>
+            <a:lvl9pPr marL="4114800" lvl="8" indent="-304800">
+              <a:spcBef>
+                <a:spcPts val="0"/>
+              </a:spcBef>
+              <a:spcAft>
+                <a:spcPts val="0"/>
+              </a:spcAft>
+              <a:buSzPts val="1200"/>
+              <a:buChar char="■"/>
+              <a:defRPr sz="1200"/>
+            </a:lvl9pPr>
+          </a:lstStyle>
+          <a:p>
+            <a:endParaRPr/>
+          </a:p>
+        </p:txBody>
+      </p:sp>
+      <p:sp>
+        <p:nvSpPr>
+          <p:cNvPr id="23" name="Google Shape;23;p5"/>
+          <p:cNvSpPr txBox="1">
+            <a:spLocks noGrp="1"/>
+          </p:cNvSpPr>
+          <p:nvPr>
+            <p:ph type="body" idx="2"/>
+          </p:nvPr>
+        </p:nvSpPr>
+        <p:spPr>
+          <a:xfrm>
+            <a:off x="4832400" y="1152475"/>
+            <a:ext cx="3999900" cy="3416400"/>
+          </a:xfrm>
+          <a:prstGeom prst="rect">
+            <a:avLst/>
+          </a:prstGeom>
+        </p:spPr>
+        <p:txBody>
+          <a:bodyPr spcFirstLastPara="1" wrap="square" lIns="91425" tIns="91425" rIns="91425" bIns="91425" anchor="t" anchorCtr="0">
+            <a:normAutofit/>
+          </a:bodyPr>
+          <a:lstStyle>
+            <a:lvl1pPr marL="457200" lvl="0" indent="-317500">
+              <a:spcBef>
+                <a:spcPts val="0"/>
+              </a:spcBef>
+              <a:spcAft>
+                <a:spcPts val="0"/>
+              </a:spcAft>
+              <a:buSzPts val="1400"/>
+              <a:buChar char="●"/>
+              <a:defRPr sz="1400"/>
+            </a:lvl1pPr>
+            <a:lvl2pPr marL="914400" lvl="1" indent="-304800">
+              <a:spcBef>
+                <a:spcPts val="0"/>
+              </a:spcBef>
+              <a:spcAft>
+                <a:spcPts val="0"/>
+              </a:spcAft>
+              <a:buSzPts val="1200"/>
+              <a:buChar char="○"/>
+              <a:defRPr sz="1200"/>
+            </a:lvl2pPr>
+            <a:lvl3pPr marL="1371600" lvl="2" indent="-304800">
+              <a:spcBef>
+                <a:spcPts val="0"/>
+              </a:spcBef>
+              <a:spcAft>
+                <a:spcPts val="0"/>
+              </a:spcAft>
+              <a:buSzPts val="1200"/>
+              <a:buChar char="■"/>
+              <a:defRPr sz="1200"/>
+            </a:lvl3pPr>
+            <a:lvl4pPr marL="1828800" lvl="3" indent="-304800">
+              <a:spcBef>
+                <a:spcPts val="0"/>
+              </a:spcBef>
+              <a:spcAft>
+                <a:spcPts val="0"/>
+              </a:spcAft>
+              <a:buSzPts val="1200"/>
+              <a:buChar char="●"/>
+              <a:defRPr sz="1200"/>
+            </a:lvl4pPr>
+            <a:lvl5pPr marL="2286000" lvl="4" indent="-304800">
+              <a:spcBef>
+                <a:spcPts val="0"/>
+              </a:spcBef>
+              <a:spcAft>
+                <a:spcPts val="0"/>
+              </a:spcAft>
+              <a:buSzPts val="1200"/>
+              <a:buChar char="○"/>
+              <a:defRPr sz="1200"/>
+            </a:lvl5pPr>
+            <a:lvl6pPr marL="2743200" lvl="5" indent="-304800">
+              <a:spcBef>
+                <a:spcPts val="0"/>
+              </a:spcBef>
+              <a:spcAft>
+                <a:spcPts val="0"/>
+              </a:spcAft>
+              <a:buSzPts val="1200"/>
+              <a:buChar char="■"/>
+              <a:defRPr sz="1200"/>
+            </a:lvl6pPr>
+            <a:lvl7pPr marL="3200400" lvl="6" indent="-304800">
+              <a:spcBef>
+                <a:spcPts val="0"/>
+              </a:spcBef>
+              <a:spcAft>
+                <a:spcPts val="0"/>
+              </a:spcAft>
+              <a:buSzPts val="1200"/>
+              <a:buChar char="●"/>
+              <a:defRPr sz="1200"/>
+            </a:lvl7pPr>
+            <a:lvl8pPr marL="3657600" lvl="7" indent="-304800">
+              <a:spcBef>
+                <a:spcPts val="0"/>
+              </a:spcBef>
+              <a:spcAft>
+                <a:spcPts val="0"/>
+              </a:spcAft>
+              <a:buSzPts val="1200"/>
+              <a:buChar char="○"/>
+              <a:defRPr sz="1200"/>
+            </a:lvl8pPr>
+            <a:lvl9pPr marL="4114800" lvl="8" indent="-304800">
+              <a:spcBef>
+                <a:spcPts val="0"/>
+              </a:spcBef>
+              <a:spcAft>
+                <a:spcPts val="0"/>
+              </a:spcAft>
+              <a:buSzPts val="1200"/>
+              <a:buChar char="■"/>
+              <a:defRPr sz="1200"/>
+            </a:lvl9pPr>
+          </a:lstStyle>
+          <a:p>
+            <a:endParaRPr/>
+          </a:p>
+        </p:txBody>
+      </p:sp>
+      <p:sp>
+        <p:nvSpPr>
+          <p:cNvPr id="24" name="Google Shape;24;p5"/>
+          <p:cNvSpPr txBox="1">
+            <a:spLocks noGrp="1"/>
+          </p:cNvSpPr>
+          <p:nvPr>
+            <p:ph type="sldNum" idx="12"/>
+          </p:nvPr>
+        </p:nvSpPr>
+        <p:spPr>
+          <a:xfrm>
+            <a:off x="8472458" y="4663217"/>
+            <a:ext cx="548700" cy="393600"/>
+          </a:xfrm>
+          <a:prstGeom prst="rect">
+            <a:avLst/>
+          </a:prstGeom>
+        </p:spPr>
+        <p:txBody>
+          <a:bodyPr spcFirstLastPara="1" wrap="square" lIns="91425" tIns="91425" rIns="91425" bIns="91425" anchor="ctr" anchorCtr="0">
+            <a:normAutofit/>
+          </a:bodyPr>
+          <a:lstStyle>
+            <a:lvl1pPr lvl="0">
+              <a:buNone/>
+              <a:defRPr/>
+            </a:lvl1pPr>
+            <a:lvl2pPr lvl="1">
+              <a:buNone/>
+              <a:defRPr/>
+            </a:lvl2pPr>
+            <a:lvl3pPr lvl="2">
+              <a:buNone/>
+              <a:defRPr/>
+            </a:lvl3pPr>
+            <a:lvl4pPr lvl="3">
+              <a:buNone/>
+              <a:defRPr/>
+            </a:lvl4pPr>
+            <a:lvl5pPr lvl="4">
+              <a:buNone/>
+              <a:defRPr/>
+            </a:lvl5pPr>
+            <a:lvl6pPr lvl="5">
+              <a:buNone/>
+              <a:defRPr/>
+            </a:lvl6pPr>
+            <a:lvl7pPr lvl="6">
+              <a:buNone/>
+              <a:defRPr/>
+            </a:lvl7pPr>
+            <a:lvl8pPr lvl="7">
+              <a:buNone/>
+              <a:defRPr/>
+            </a:lvl8pPr>
+            <a:lvl9pPr lvl="8">
+              <a:buNone/>
+              <a:defRPr/>
+            </a:lvl9pPr>
+          </a:lstStyle>
+          <a:p>
+            <a:pPr marL="0" lvl="0" indent="0" algn="r" rtl="0">
+              <a:spcBef>
+                <a:spcPts val="0"/>
+              </a:spcBef>
+              <a:spcAft>
+                <a:spcPts val="0"/>
+              </a:spcAft>
+              <a:buNone/>
+            </a:pPr>
+            <a:fld id="{00000000-1234-1234-1234-123412341234}" type="slidenum">
+              <a:rPr lang="en"/>
+              <a:t>‹#›</a:t>
+            </a:fld>
+            <a:endParaRPr/>
+          </a:p>
+        </p:txBody>
+      </p:sp>
+    </p:spTree>
+  </p:cSld>
+  <p:clrMapOvr>
+    <a:masterClrMapping/>
+  </p:clrMapOvr>
+</p:sldLayout>
+</file>
+
+<file path=ppt/slideLayouts/slideLayout4.xml><?xml version="1.0" encoding="utf-8"?>
+<p:sldLayout xmlns:a="http://schemas.openxmlformats.org/drawingml/2006/main" xmlns:r="http://schemas.openxmlformats.org/officeDocument/2006/relationships" xmlns:p="http://schemas.openxmlformats.org/presentationml/2006/main" matchingName="Title only" type="titleOnly">
+  <p:cSld name="TITLE_ONLY">
+    <p:spTree>
+      <p:nvGrpSpPr>
+        <p:cNvPr id="1" name="Shape 25"/>
+        <p:cNvGrpSpPr/>
+        <p:nvPr/>
+      </p:nvGrpSpPr>
+      <p:grpSpPr>
+        <a:xfrm>
+          <a:off x="0" y="0"/>
+          <a:ext cx="0" cy="0"/>
+          <a:chOff x="0" y="0"/>
+          <a:chExt cx="0" cy="0"/>
+        </a:xfrm>
+      </p:grpSpPr>
+      <p:sp>
+        <p:nvSpPr>
+          <p:cNvPr id="26" name="Google Shape;26;p6"/>
+          <p:cNvSpPr txBox="1">
+            <a:spLocks noGrp="1"/>
+          </p:cNvSpPr>
+          <p:nvPr>
+            <p:ph type="title"/>
+          </p:nvPr>
+        </p:nvSpPr>
+        <p:spPr>
+          <a:xfrm>
+            <a:off x="311700" y="445025"/>
+            <a:ext cx="8520600" cy="572700"/>
+          </a:xfrm>
+          <a:prstGeom prst="rect">
+            <a:avLst/>
+          </a:prstGeom>
+        </p:spPr>
+        <p:txBody>
+          <a:bodyPr spcFirstLastPara="1" wrap="square" lIns="91425" tIns="91425" rIns="91425" bIns="91425" anchor="t" anchorCtr="0">
+            <a:normAutofit/>
+          </a:bodyPr>
+          <a:lstStyle>
+            <a:lvl1pPr lvl="0">
+              <a:spcBef>
+                <a:spcPts val="0"/>
+              </a:spcBef>
+              <a:spcAft>
+                <a:spcPts val="0"/>
+              </a:spcAft>
+              <a:buSzPts val="2800"/>
+              <a:buNone/>
+              <a:defRPr/>
+            </a:lvl1pPr>
+            <a:lvl2pPr lvl="1">
+              <a:spcBef>
+                <a:spcPts val="0"/>
+              </a:spcBef>
+              <a:spcAft>
+                <a:spcPts val="0"/>
+              </a:spcAft>
+              <a:buSzPts val="2800"/>
+              <a:buNone/>
+              <a:defRPr/>
+            </a:lvl2pPr>
+            <a:lvl3pPr lvl="2">
+              <a:spcBef>
+                <a:spcPts val="0"/>
+              </a:spcBef>
+              <a:spcAft>
+                <a:spcPts val="0"/>
+              </a:spcAft>
+              <a:buSzPts val="2800"/>
+              <a:buNone/>
+              <a:defRPr/>
+            </a:lvl3pPr>
+            <a:lvl4pPr lvl="3">
+              <a:spcBef>
+                <a:spcPts val="0"/>
+              </a:spcBef>
+              <a:spcAft>
+                <a:spcPts val="0"/>
+              </a:spcAft>
+              <a:buSzPts val="2800"/>
+              <a:buNone/>
+              <a:defRPr/>
+            </a:lvl4pPr>
+            <a:lvl5pPr lvl="4">
+              <a:spcBef>
+                <a:spcPts val="0"/>
+              </a:spcBef>
+              <a:spcAft>
+                <a:spcPts val="0"/>
+              </a:spcAft>
+              <a:buSzPts val="2800"/>
+              <a:buNone/>
+              <a:defRPr/>
+            </a:lvl5pPr>
+            <a:lvl6pPr lvl="5">
+              <a:spcBef>
+                <a:spcPts val="0"/>
+              </a:spcBef>
+              <a:spcAft>
+                <a:spcPts val="0"/>
+              </a:spcAft>
+              <a:buSzPts val="2800"/>
+              <a:buNone/>
+              <a:defRPr/>
+            </a:lvl6pPr>
+            <a:lvl7pPr lvl="6">
+              <a:spcBef>
+                <a:spcPts val="0"/>
+              </a:spcBef>
+              <a:spcAft>
+                <a:spcPts val="0"/>
+              </a:spcAft>
+              <a:buSzPts val="2800"/>
+              <a:buNone/>
+              <a:defRPr/>
+            </a:lvl7pPr>
+            <a:lvl8pPr lvl="7">
+              <a:spcBef>
+                <a:spcPts val="0"/>
+              </a:spcBef>
+              <a:spcAft>
+                <a:spcPts val="0"/>
+              </a:spcAft>
+              <a:buSzPts val="2800"/>
+              <a:buNone/>
+              <a:defRPr/>
+            </a:lvl8pPr>
+            <a:lvl9pPr lvl="8">
+              <a:spcBef>
+                <a:spcPts val="0"/>
+              </a:spcBef>
+              <a:spcAft>
+                <a:spcPts val="0"/>
+              </a:spcAft>
+              <a:buSzPts val="2800"/>
+              <a:buNone/>
+              <a:defRPr/>
+            </a:lvl9pPr>
+          </a:lstStyle>
+          <a:p>
+            <a:endParaRPr/>
+          </a:p>
+        </p:txBody>
+      </p:sp>
+      <p:sp>
+        <p:nvSpPr>
+          <p:cNvPr id="27" name="Google Shape;27;p6"/>
+          <p:cNvSpPr txBox="1">
+            <a:spLocks noGrp="1"/>
+          </p:cNvSpPr>
+          <p:nvPr>
+            <p:ph type="sldNum" idx="12"/>
+          </p:nvPr>
+        </p:nvSpPr>
+        <p:spPr>
+          <a:xfrm>
+            <a:off x="8472458" y="4663217"/>
+            <a:ext cx="548700" cy="393600"/>
+          </a:xfrm>
+          <a:prstGeom prst="rect">
+            <a:avLst/>
+          </a:prstGeom>
+        </p:spPr>
+        <p:txBody>
+          <a:bodyPr spcFirstLastPara="1" wrap="square" lIns="91425" tIns="91425" rIns="91425" bIns="91425" anchor="ctr" anchorCtr="0">
+            <a:normAutofit/>
+          </a:bodyPr>
+          <a:lstStyle>
+            <a:lvl1pPr lvl="0">
+              <a:buNone/>
+              <a:defRPr/>
+            </a:lvl1pPr>
+            <a:lvl2pPr lvl="1">
+              <a:buNone/>
+              <a:defRPr/>
+            </a:lvl2pPr>
+            <a:lvl3pPr lvl="2">
+              <a:buNone/>
+              <a:defRPr/>
+            </a:lvl3pPr>
+            <a:lvl4pPr lvl="3">
+              <a:buNone/>
+              <a:defRPr/>
+            </a:lvl4pPr>
+            <a:lvl5pPr lvl="4">
+              <a:buNone/>
+              <a:defRPr/>
+            </a:lvl5pPr>
+            <a:lvl6pPr lvl="5">
+              <a:buNone/>
+              <a:defRPr/>
+            </a:lvl6pPr>
+            <a:lvl7pPr lvl="6">
+              <a:buNone/>
+              <a:defRPr/>
+            </a:lvl7pPr>
+            <a:lvl8pPr lvl="7">
+              <a:buNone/>
+              <a:defRPr/>
+            </a:lvl8pPr>
+            <a:lvl9pPr lvl="8">
+              <a:buNone/>
+              <a:defRPr/>
+            </a:lvl9pPr>
+          </a:lstStyle>
+          <a:p>
+            <a:pPr marL="0" lvl="0" indent="0" algn="r" rtl="0">
+              <a:spcBef>
+                <a:spcPts val="0"/>
+              </a:spcBef>
+              <a:spcAft>
+                <a:spcPts val="0"/>
+              </a:spcAft>
+              <a:buNone/>
+            </a:pPr>
+            <a:fld id="{00000000-1234-1234-1234-123412341234}" type="slidenum">
+              <a:rPr lang="en"/>
+              <a:t>‹#›</a:t>
+            </a:fld>
+            <a:endParaRPr/>
+          </a:p>
+        </p:txBody>
+      </p:sp>
+    </p:spTree>
+  </p:cSld>
+  <p:clrMapOvr>
+    <a:masterClrMapping/>
+  </p:clrMapOvr>
+</p:sldLayout>
+</file>
+
+<file path=ppt/slideLayouts/slideLayout5.xml><?xml version="1.0" encoding="utf-8"?>
+<p:sldLayout xmlns:a="http://schemas.openxmlformats.org/drawingml/2006/main" xmlns:r="http://schemas.openxmlformats.org/officeDocument/2006/relationships" xmlns:p="http://schemas.openxmlformats.org/presentationml/2006/main" matchingName="One column text">
+  <p:cSld name="ONE_COLUMN_TEXT">
+    <p:spTree>
+      <p:nvGrpSpPr>
+        <p:cNvPr id="1" name="Shape 28"/>
+        <p:cNvGrpSpPr/>
+        <p:nvPr/>
+      </p:nvGrpSpPr>
+      <p:grpSpPr>
+        <a:xfrm>
+          <a:off x="0" y="0"/>
+          <a:ext cx="0" cy="0"/>
+          <a:chOff x="0" y="0"/>
+          <a:chExt cx="0" cy="0"/>
+        </a:xfrm>
+      </p:grpSpPr>
+      <p:sp>
+        <p:nvSpPr>
+          <p:cNvPr id="29" name="Google Shape;29;p7"/>
+          <p:cNvSpPr txBox="1">
+            <a:spLocks noGrp="1"/>
+          </p:cNvSpPr>
+          <p:nvPr>
+            <p:ph type="title"/>
+          </p:nvPr>
+        </p:nvSpPr>
+        <p:spPr>
+          <a:xfrm>
+            <a:off x="311700" y="555600"/>
+            <a:ext cx="2808000" cy="755700"/>
+          </a:xfrm>
+          <a:prstGeom prst="rect">
+            <a:avLst/>
+          </a:prstGeom>
+        </p:spPr>
+        <p:txBody>
+          <a:bodyPr spcFirstLastPara="1" wrap="square" lIns="91425" tIns="91425" rIns="91425" bIns="91425" anchor="b" anchorCtr="0">
+            <a:normAutofit/>
+          </a:bodyPr>
+          <a:lstStyle>
+            <a:lvl1pPr lvl="0">
+              <a:spcBef>
+                <a:spcPts val="0"/>
+              </a:spcBef>
+              <a:spcAft>
+                <a:spcPts val="0"/>
+              </a:spcAft>
+              <a:buSzPts val="2400"/>
+              <a:buNone/>
+              <a:defRPr sz="2400"/>
+            </a:lvl1pPr>
+            <a:lvl2pPr lvl="1">
+              <a:spcBef>
+                <a:spcPts val="0"/>
+              </a:spcBef>
+              <a:spcAft>
+                <a:spcPts val="0"/>
+              </a:spcAft>
+              <a:buSzPts val="2400"/>
+              <a:buNone/>
+              <a:defRPr sz="2400"/>
+            </a:lvl2pPr>
+            <a:lvl3pPr lvl="2">
+              <a:spcBef>
+                <a:spcPts val="0"/>
+              </a:spcBef>
+              <a:spcAft>
+                <a:spcPts val="0"/>
+              </a:spcAft>
+              <a:buSzPts val="2400"/>
+              <a:buNone/>
+              <a:defRPr sz="2400"/>
+            </a:lvl3pPr>
+            <a:lvl4pPr lvl="3">
+              <a:spcBef>
+                <a:spcPts val="0"/>
+              </a:spcBef>
+              <a:spcAft>
+                <a:spcPts val="0"/>
+              </a:spcAft>
+              <a:buSzPts val="2400"/>
+              <a:buNone/>
+              <a:defRPr sz="2400"/>
+            </a:lvl4pPr>
+            <a:lvl5pPr lvl="4">
+              <a:spcBef>
+                <a:spcPts val="0"/>
+              </a:spcBef>
+              <a:spcAft>
+                <a:spcPts val="0"/>
+              </a:spcAft>
+              <a:buSzPts val="2400"/>
+              <a:buNone/>
+              <a:defRPr sz="2400"/>
+            </a:lvl5pPr>
+            <a:lvl6pPr lvl="5">
+              <a:spcBef>
+                <a:spcPts val="0"/>
+              </a:spcBef>
+              <a:spcAft>
+                <a:spcPts val="0"/>
+              </a:spcAft>
+              <a:buSzPts val="2400"/>
+              <a:buNone/>
+              <a:defRPr sz="2400"/>
+            </a:lvl6pPr>
+            <a:lvl7pPr lvl="6">
+              <a:spcBef>
+                <a:spcPts val="0"/>
+              </a:spcBef>
+              <a:spcAft>
+                <a:spcPts val="0"/>
+              </a:spcAft>
+              <a:buSzPts val="2400"/>
+              <a:buNone/>
+              <a:defRPr sz="2400"/>
+            </a:lvl7pPr>
+            <a:lvl8pPr lvl="7">
+              <a:spcBef>
+                <a:spcPts val="0"/>
+              </a:spcBef>
+              <a:spcAft>
+                <a:spcPts val="0"/>
+              </a:spcAft>
+              <a:buSzPts val="2400"/>
+              <a:buNone/>
+              <a:defRPr sz="2400"/>
+            </a:lvl8pPr>
+            <a:lvl9pPr lvl="8">
+              <a:spcBef>
+                <a:spcPts val="0"/>
+              </a:spcBef>
+              <a:spcAft>
+                <a:spcPts val="0"/>
+              </a:spcAft>
+              <a:buSzPts val="2400"/>
+              <a:buNone/>
+              <a:defRPr sz="2400"/>
+            </a:lvl9pPr>
+          </a:lstStyle>
+          <a:p>
+            <a:endParaRPr/>
+          </a:p>
+        </p:txBody>
+      </p:sp>
+      <p:sp>
+        <p:nvSpPr>
+          <p:cNvPr id="30" name="Google Shape;30;p7"/>
+          <p:cNvSpPr txBox="1">
+            <a:spLocks noGrp="1"/>
+          </p:cNvSpPr>
+          <p:nvPr>
+            <p:ph type="body" idx="1"/>
+          </p:nvPr>
+        </p:nvSpPr>
+        <p:spPr>
+          <a:xfrm>
+            <a:off x="311700" y="1389600"/>
+            <a:ext cx="2808000" cy="3179400"/>
+          </a:xfrm>
+          <a:prstGeom prst="rect">
+            <a:avLst/>
+          </a:prstGeom>
+        </p:spPr>
+        <p:txBody>
+          <a:bodyPr spcFirstLastPara="1" wrap="square" lIns="91425" tIns="91425" rIns="91425" bIns="91425" anchor="t" anchorCtr="0">
+            <a:normAutofit/>
+          </a:bodyPr>
+          <a:lstStyle>
+            <a:lvl1pPr marL="457200" lvl="0" indent="-304800">
+              <a:spcBef>
+                <a:spcPts val="0"/>
+              </a:spcBef>
+              <a:spcAft>
+                <a:spcPts val="0"/>
+              </a:spcAft>
+              <a:buSzPts val="1200"/>
+              <a:buChar char="●"/>
+              <a:defRPr sz="1200"/>
+            </a:lvl1pPr>
+            <a:lvl2pPr marL="914400" lvl="1" indent="-304800">
+              <a:spcBef>
+                <a:spcPts val="0"/>
+              </a:spcBef>
+              <a:spcAft>
+                <a:spcPts val="0"/>
+              </a:spcAft>
+              <a:buSzPts val="1200"/>
+              <a:buChar char="○"/>
+              <a:defRPr sz="1200"/>
+            </a:lvl2pPr>
+            <a:lvl3pPr marL="1371600" lvl="2" indent="-304800">
+              <a:spcBef>
+                <a:spcPts val="0"/>
+              </a:spcBef>
+              <a:spcAft>
+                <a:spcPts val="0"/>
+              </a:spcAft>
+              <a:buSzPts val="1200"/>
+              <a:buChar char="■"/>
+              <a:defRPr sz="1200"/>
+            </a:lvl3pPr>
+            <a:lvl4pPr marL="1828800" lvl="3" indent="-304800">
+              <a:spcBef>
+                <a:spcPts val="0"/>
+              </a:spcBef>
+              <a:spcAft>
+                <a:spcPts val="0"/>
+              </a:spcAft>
+              <a:buSzPts val="1200"/>
+              <a:buChar char="●"/>
+              <a:defRPr sz="1200"/>
+            </a:lvl4pPr>
+            <a:lvl5pPr marL="2286000" lvl="4" indent="-304800">
+              <a:spcBef>
+                <a:spcPts val="0"/>
+              </a:spcBef>
+              <a:spcAft>
+                <a:spcPts val="0"/>
+              </a:spcAft>
+              <a:buSzPts val="1200"/>
+              <a:buChar char="○"/>
+              <a:defRPr sz="1200"/>
+            </a:lvl5pPr>
+            <a:lvl6pPr marL="2743200" lvl="5" indent="-304800">
+              <a:spcBef>
+                <a:spcPts val="0"/>
+              </a:spcBef>
+              <a:spcAft>
+                <a:spcPts val="0"/>
+              </a:spcAft>
+              <a:buSzPts val="1200"/>
+              <a:buChar char="■"/>
+              <a:defRPr sz="1200"/>
+            </a:lvl6pPr>
+            <a:lvl7pPr marL="3200400" lvl="6" indent="-304800">
+              <a:spcBef>
+                <a:spcPts val="0"/>
+              </a:spcBef>
+              <a:spcAft>
+                <a:spcPts val="0"/>
+              </a:spcAft>
+              <a:buSzPts val="1200"/>
+              <a:buChar char="●"/>
+              <a:defRPr sz="1200"/>
+            </a:lvl7pPr>
+            <a:lvl8pPr marL="3657600" lvl="7" indent="-304800">
+              <a:spcBef>
+                <a:spcPts val="0"/>
+              </a:spcBef>
+              <a:spcAft>
+                <a:spcPts val="0"/>
+              </a:spcAft>
+              <a:buSzPts val="1200"/>
+              <a:buChar char="○"/>
+              <a:defRPr sz="1200"/>
+            </a:lvl8pPr>
+            <a:lvl9pPr marL="4114800" lvl="8" indent="-304800">
+              <a:spcBef>
+                <a:spcPts val="0"/>
+              </a:spcBef>
+              <a:spcAft>
+                <a:spcPts val="0"/>
+              </a:spcAft>
+              <a:buSzPts val="1200"/>
+              <a:buChar char="■"/>
+              <a:defRPr sz="1200"/>
+            </a:lvl9pPr>
+          </a:lstStyle>
+          <a:p>
+            <a:endParaRPr/>
+          </a:p>
+        </p:txBody>
+      </p:sp>
+      <p:sp>
+        <p:nvSpPr>
+          <p:cNvPr id="31" name="Google Shape;31;p7"/>
+          <p:cNvSpPr txBox="1">
+            <a:spLocks noGrp="1"/>
+          </p:cNvSpPr>
+          <p:nvPr>
+            <p:ph type="sldNum" idx="12"/>
+          </p:nvPr>
+        </p:nvSpPr>
+        <p:spPr>
+          <a:xfrm>
+            <a:off x="8472458" y="4663217"/>
+            <a:ext cx="548700" cy="393600"/>
+          </a:xfrm>
+          <a:prstGeom prst="rect">
+            <a:avLst/>
+          </a:prstGeom>
+        </p:spPr>
+        <p:txBody>
+          <a:bodyPr spcFirstLastPara="1" wrap="square" lIns="91425" tIns="91425" rIns="91425" bIns="91425" anchor="ctr" anchorCtr="0">
+            <a:normAutofit/>
+          </a:bodyPr>
+          <a:lstStyle>
+            <a:lvl1pPr lvl="0">
+              <a:buNone/>
+              <a:defRPr/>
+            </a:lvl1pPr>
+            <a:lvl2pPr lvl="1">
+              <a:buNone/>
+              <a:defRPr/>
+            </a:lvl2pPr>
+            <a:lvl3pPr lvl="2">
+              <a:buNone/>
+              <a:defRPr/>
+            </a:lvl3pPr>
+            <a:lvl4pPr lvl="3">
+              <a:buNone/>
+              <a:defRPr/>
+            </a:lvl4pPr>
+            <a:lvl5pPr lvl="4">
+              <a:buNone/>
+              <a:defRPr/>
+            </a:lvl5pPr>
+            <a:lvl6pPr lvl="5">
+              <a:buNone/>
+              <a:defRPr/>
+            </a:lvl6pPr>
+            <a:lvl7pPr lvl="6">
+              <a:buNone/>
+              <a:defRPr/>
+            </a:lvl7pPr>
+            <a:lvl8pPr lvl="7">
+              <a:buNone/>
+              <a:defRPr/>
+            </a:lvl8pPr>
+            <a:lvl9pPr lvl="8">
+              <a:buNone/>
+              <a:defRPr/>
+            </a:lvl9pPr>
+          </a:lstStyle>
+          <a:p>
+            <a:pPr marL="0" lvl="0" indent="0" algn="r" rtl="0">
+              <a:spcBef>
+                <a:spcPts val="0"/>
+              </a:spcBef>
+              <a:spcAft>
+                <a:spcPts val="0"/>
+              </a:spcAft>
+              <a:buNone/>
+            </a:pPr>
+            <a:fld id="{00000000-1234-1234-1234-123412341234}" type="slidenum">
+              <a:rPr lang="en"/>
+              <a:t>‹#›</a:t>
+            </a:fld>
+            <a:endParaRPr/>
+          </a:p>
+        </p:txBody>
+      </p:sp>
+    </p:spTree>
+  </p:cSld>
+  <p:clrMapOvr>
+    <a:masterClrMapping/>
+  </p:clrMapOvr>
+</p:sldLayout>
+</file>
+
+<file path=ppt/slideLayouts/slideLayout6.xml><?xml version="1.0" encoding="utf-8"?>
+<p:sldLayout xmlns:a="http://schemas.openxmlformats.org/drawingml/2006/main" xmlns:r="http://schemas.openxmlformats.org/officeDocument/2006/relationships" xmlns:p="http://schemas.openxmlformats.org/presentationml/2006/main" matchingName="Main point">
+  <p:cSld name="MAIN_POINT">
+    <p:spTree>
+      <p:nvGrpSpPr>
+        <p:cNvPr id="1" name="Shape 32"/>
+        <p:cNvGrpSpPr/>
+        <p:nvPr/>
+      </p:nvGrpSpPr>
+      <p:grpSpPr>
+        <a:xfrm>
+          <a:off x="0" y="0"/>
+          <a:ext cx="0" cy="0"/>
+          <a:chOff x="0" y="0"/>
+          <a:chExt cx="0" cy="0"/>
+        </a:xfrm>
+      </p:grpSpPr>
+      <p:sp>
+        <p:nvSpPr>
+          <p:cNvPr id="33" name="Google Shape;33;p8"/>
+          <p:cNvSpPr txBox="1">
+            <a:spLocks noGrp="1"/>
+          </p:cNvSpPr>
+          <p:nvPr>
+            <p:ph type="title"/>
+          </p:nvPr>
+        </p:nvSpPr>
+        <p:spPr>
+          <a:xfrm>
+            <a:off x="490250" y="450150"/>
+            <a:ext cx="6367800" cy="4090800"/>
+          </a:xfrm>
+          <a:prstGeom prst="rect">
+            <a:avLst/>
+          </a:prstGeom>
+        </p:spPr>
+        <p:txBody>
+          <a:bodyPr spcFirstLastPara="1" wrap="square" lIns="91425" tIns="91425" rIns="91425" bIns="91425" anchor="ctr" anchorCtr="0">
+            <a:normAutofit/>
+          </a:bodyPr>
+          <a:lstStyle>
+            <a:lvl1pPr lvl="0">
+              <a:spcBef>
+                <a:spcPts val="0"/>
+              </a:spcBef>
+              <a:spcAft>
+                <a:spcPts val="0"/>
+              </a:spcAft>
+              <a:buSzPts val="4800"/>
+              <a:buNone/>
+              <a:defRPr sz="4800"/>
+            </a:lvl1pPr>
+            <a:lvl2pPr lvl="1">
+              <a:spcBef>
+                <a:spcPts val="0"/>
+              </a:spcBef>
+              <a:spcAft>
+                <a:spcPts val="0"/>
+              </a:spcAft>
+              <a:buSzPts val="4800"/>
+              <a:buNone/>
+              <a:defRPr sz="4800"/>
+            </a:lvl2pPr>
+            <a:lvl3pPr lvl="2">
+              <a:spcBef>
+                <a:spcPts val="0"/>
+              </a:spcBef>
+              <a:spcAft>
+                <a:spcPts val="0"/>
+              </a:spcAft>
+              <a:buSzPts val="4800"/>
+              <a:buNone/>
+              <a:defRPr sz="4800"/>
+            </a:lvl3pPr>
+            <a:lvl4pPr lvl="3">
+              <a:spcBef>
+                <a:spcPts val="0"/>
+              </a:spcBef>
+              <a:spcAft>
+                <a:spcPts val="0"/>
+              </a:spcAft>
+              <a:buSzPts val="4800"/>
+              <a:buNone/>
+              <a:defRPr sz="4800"/>
+            </a:lvl4pPr>
+            <a:lvl5pPr lvl="4">
+              <a:spcBef>
+                <a:spcPts val="0"/>
+              </a:spcBef>
+              <a:spcAft>
+                <a:spcPts val="0"/>
+              </a:spcAft>
+              <a:buSzPts val="4800"/>
+              <a:buNone/>
+              <a:defRPr sz="4800"/>
+            </a:lvl5pPr>
+            <a:lvl6pPr lvl="5">
+              <a:spcBef>
+                <a:spcPts val="0"/>
+              </a:spcBef>
+              <a:spcAft>
+                <a:spcPts val="0"/>
+              </a:spcAft>
+              <a:buSzPts val="4800"/>
+              <a:buNone/>
+              <a:defRPr sz="4800"/>
+            </a:lvl6pPr>
+            <a:lvl7pPr lvl="6">
+              <a:spcBef>
+                <a:spcPts val="0"/>
+              </a:spcBef>
+              <a:spcAft>
+                <a:spcPts val="0"/>
+              </a:spcAft>
+              <a:buSzPts val="4800"/>
+              <a:buNone/>
+              <a:defRPr sz="4800"/>
+            </a:lvl7pPr>
+            <a:lvl8pPr lvl="7">
+              <a:spcBef>
+                <a:spcPts val="0"/>
+              </a:spcBef>
+              <a:spcAft>
+                <a:spcPts val="0"/>
+              </a:spcAft>
+              <a:buSzPts val="4800"/>
+              <a:buNone/>
+              <a:defRPr sz="4800"/>
+            </a:lvl8pPr>
+            <a:lvl9pPr lvl="8">
+              <a:spcBef>
+                <a:spcPts val="0"/>
+              </a:spcBef>
+              <a:spcAft>
+                <a:spcPts val="0"/>
+              </a:spcAft>
+              <a:buSzPts val="4800"/>
+              <a:buNone/>
+              <a:defRPr sz="4800"/>
+            </a:lvl9pPr>
+          </a:lstStyle>
+          <a:p>
+            <a:endParaRPr/>
+          </a:p>
+        </p:txBody>
+      </p:sp>
+      <p:sp>
+        <p:nvSpPr>
+          <p:cNvPr id="34" name="Google Shape;34;p8"/>
+          <p:cNvSpPr txBox="1">
+            <a:spLocks noGrp="1"/>
+          </p:cNvSpPr>
+          <p:nvPr>
+            <p:ph type="sldNum" idx="12"/>
+          </p:nvPr>
+        </p:nvSpPr>
+        <p:spPr>
+          <a:xfrm>
+            <a:off x="8472458" y="4663217"/>
+            <a:ext cx="548700" cy="393600"/>
+          </a:xfrm>
+          <a:prstGeom prst="rect">
+            <a:avLst/>
+          </a:prstGeom>
+        </p:spPr>
+        <p:txBody>
+          <a:bodyPr spcFirstLastPara="1" wrap="square" lIns="91425" tIns="91425" rIns="91425" bIns="91425" anchor="ctr" anchorCtr="0">
+            <a:normAutofit/>
+          </a:bodyPr>
+          <a:lstStyle>
+            <a:lvl1pPr lvl="0">
+              <a:buNone/>
+              <a:defRPr/>
+            </a:lvl1pPr>
+            <a:lvl2pPr lvl="1">
+              <a:buNone/>
+              <a:defRPr/>
+            </a:lvl2pPr>
+            <a:lvl3pPr lvl="2">
+              <a:buNone/>
+              <a:defRPr/>
+            </a:lvl3pPr>
+            <a:lvl4pPr lvl="3">
+              <a:buNone/>
+              <a:defRPr/>
+            </a:lvl4pPr>
+            <a:lvl5pPr lvl="4">
+              <a:buNone/>
+              <a:defRPr/>
+            </a:lvl5pPr>
+            <a:lvl6pPr lvl="5">
+              <a:buNone/>
+              <a:defRPr/>
+            </a:lvl6pPr>
+            <a:lvl7pPr lvl="6">
+              <a:buNone/>
+              <a:defRPr/>
+            </a:lvl7pPr>
+            <a:lvl8pPr lvl="7">
+              <a:buNone/>
+              <a:defRPr/>
+            </a:lvl8pPr>
+            <a:lvl9pPr lvl="8">
+              <a:buNone/>
+              <a:defRPr/>
+            </a:lvl9pPr>
+          </a:lstStyle>
+          <a:p>
+            <a:pPr marL="0" lvl="0" indent="0" algn="r" rtl="0">
+              <a:spcBef>
+                <a:spcPts val="0"/>
+              </a:spcBef>
+              <a:spcAft>
+                <a:spcPts val="0"/>
+              </a:spcAft>
+              <a:buNone/>
+            </a:pPr>
+            <a:fld id="{00000000-1234-1234-1234-123412341234}" type="slidenum">
+              <a:rPr lang="en"/>
+              <a:t>‹#›</a:t>
+            </a:fld>
+            <a:endParaRPr/>
+          </a:p>
+        </p:txBody>
+      </p:sp>
+    </p:spTree>
+  </p:cSld>
+  <p:clrMapOvr>
+    <a:masterClrMapping/>
+  </p:clrMapOvr>
+</p:sldLayout>
+</file>
+
+<file path=ppt/slideLayouts/slideLayout7.xml><?xml version="1.0" encoding="utf-8"?>
+<p:sldLayout xmlns:a="http://schemas.openxmlformats.org/drawingml/2006/main" xmlns:r="http://schemas.openxmlformats.org/officeDocument/2006/relationships" xmlns:p="http://schemas.openxmlformats.org/presentationml/2006/main" matchingName="Section title and description">
+  <p:cSld name="SECTION_TITLE_AND_DESCRIPTION">
+    <p:spTree>
+      <p:nvGrpSpPr>
+        <p:cNvPr id="1" name="Shape 35"/>
+        <p:cNvGrpSpPr/>
+        <p:nvPr/>
+      </p:nvGrpSpPr>
+      <p:grpSpPr>
+        <a:xfrm>
+          <a:off x="0" y="0"/>
+          <a:ext cx="0" cy="0"/>
+          <a:chOff x="0" y="0"/>
+          <a:chExt cx="0" cy="0"/>
+        </a:xfrm>
+      </p:grpSpPr>
+      <p:sp>
+        <p:nvSpPr>
+          <p:cNvPr id="36" name="Google Shape;36;p9"/>
+          <p:cNvSpPr/>
+          <p:nvPr/>
+        </p:nvSpPr>
+        <p:spPr>
+          <a:xfrm>
+            <a:off x="4572000" y="-125"/>
+            <a:ext cx="4572000" cy="5143500"/>
+          </a:xfrm>
+          <a:prstGeom prst="rect">
+            <a:avLst/>
+          </a:prstGeom>
+          <a:solidFill>
+            <a:schemeClr val="lt2"/>
+          </a:solidFill>
+          <a:ln>
+            <a:noFill/>
+          </a:ln>
+        </p:spPr>
+        <p:txBody>
+          <a:bodyPr spcFirstLastPara="1" wrap="square" lIns="91425" tIns="91425" rIns="91425" bIns="91425" anchor="ctr" anchorCtr="0">
+            <a:noAutofit/>
+          </a:bodyPr>
+          <a:lstStyle/>
+          <a:p>
+            <a:pPr marL="0" lvl="0" indent="0" algn="l" rtl="0">
+              <a:spcBef>
+                <a:spcPts val="0"/>
+              </a:spcBef>
+              <a:spcAft>
+                <a:spcPts val="0"/>
+              </a:spcAft>
+              <a:buNone/>
+            </a:pPr>
+            <a:endParaRPr/>
+          </a:p>
+        </p:txBody>
+      </p:sp>
+      <p:sp>
+        <p:nvSpPr>
+          <p:cNvPr id="37" name="Google Shape;37;p9"/>
+          <p:cNvSpPr txBox="1">
+            <a:spLocks noGrp="1"/>
+          </p:cNvSpPr>
+          <p:nvPr>
+            <p:ph type="title"/>
+          </p:nvPr>
+        </p:nvSpPr>
+        <p:spPr>
+          <a:xfrm>
+            <a:off x="265500" y="1233175"/>
+            <a:ext cx="4045200" cy="1482300"/>
+          </a:xfrm>
+          <a:prstGeom prst="rect">
+            <a:avLst/>
+          </a:prstGeom>
+        </p:spPr>
+        <p:txBody>
+          <a:bodyPr spcFirstLastPara="1" wrap="square" lIns="91425" tIns="91425" rIns="91425" bIns="91425" anchor="b" anchorCtr="0">
+            <a:normAutofit/>
+          </a:bodyPr>
+          <a:lstStyle>
+            <a:lvl1pPr lvl="0" algn="ctr">
+              <a:spcBef>
+                <a:spcPts val="0"/>
+              </a:spcBef>
+              <a:spcAft>
+                <a:spcPts val="0"/>
+              </a:spcAft>
+              <a:buSzPts val="4200"/>
+              <a:buNone/>
+              <a:defRPr sz="4200"/>
+            </a:lvl1pPr>
+            <a:lvl2pPr lvl="1" algn="ctr">
+              <a:spcBef>
+                <a:spcPts val="0"/>
+              </a:spcBef>
+              <a:spcAft>
+                <a:spcPts val="0"/>
+              </a:spcAft>
+              <a:buSzPts val="4200"/>
+              <a:buNone/>
+              <a:defRPr sz="4200"/>
+            </a:lvl2pPr>
+            <a:lvl3pPr lvl="2" algn="ctr">
+              <a:spcBef>
+                <a:spcPts val="0"/>
+              </a:spcBef>
+              <a:spcAft>
+                <a:spcPts val="0"/>
+              </a:spcAft>
+              <a:buSzPts val="4200"/>
+              <a:buNone/>
+              <a:defRPr sz="4200"/>
+            </a:lvl3pPr>
+            <a:lvl4pPr lvl="3" algn="ctr">
+              <a:spcBef>
+                <a:spcPts val="0"/>
+              </a:spcBef>
+              <a:spcAft>
+                <a:spcPts val="0"/>
+              </a:spcAft>
+              <a:buSzPts val="4200"/>
+              <a:buNone/>
+              <a:defRPr sz="4200"/>
+            </a:lvl4pPr>
+            <a:lvl5pPr lvl="4" algn="ctr">
+              <a:spcBef>
+                <a:spcPts val="0"/>
+              </a:spcBef>
+              <a:spcAft>
+                <a:spcPts val="0"/>
+              </a:spcAft>
+              <a:buSzPts val="4200"/>
+              <a:buNone/>
+              <a:defRPr sz="4200"/>
+            </a:lvl5pPr>
+            <a:lvl6pPr lvl="5" algn="ctr">
+              <a:spcBef>
+                <a:spcPts val="0"/>
+              </a:spcBef>
+              <a:spcAft>
+                <a:spcPts val="0"/>
+              </a:spcAft>
+              <a:buSzPts val="4200"/>
+              <a:buNone/>
+              <a:defRPr sz="4200"/>
+            </a:lvl6pPr>
+            <a:lvl7pPr lvl="6" algn="ctr">
+              <a:spcBef>
+                <a:spcPts val="0"/>
+              </a:spcBef>
+              <a:spcAft>
+                <a:spcPts val="0"/>
+              </a:spcAft>
+              <a:buSzPts val="4200"/>
+              <a:buNone/>
+              <a:defRPr sz="4200"/>
+            </a:lvl7pPr>
+            <a:lvl8pPr lvl="7" algn="ctr">
+              <a:spcBef>
+                <a:spcPts val="0"/>
+              </a:spcBef>
+              <a:spcAft>
+                <a:spcPts val="0"/>
+              </a:spcAft>
+              <a:buSzPts val="4200"/>
+              <a:buNone/>
+              <a:defRPr sz="4200"/>
+            </a:lvl8pPr>
+            <a:lvl9pPr lvl="8" algn="ctr">
+              <a:spcBef>
+                <a:spcPts val="0"/>
+              </a:spcBef>
+              <a:spcAft>
+                <a:spcPts val="0"/>
+              </a:spcAft>
+              <a:buSzPts val="4200"/>
+              <a:buNone/>
+              <a:defRPr sz="4200"/>
+            </a:lvl9pPr>
+          </a:lstStyle>
+          <a:p>
+            <a:endParaRPr/>
+          </a:p>
+        </p:txBody>
+      </p:sp>
+      <p:sp>
+        <p:nvSpPr>
+          <p:cNvPr id="38" name="Google Shape;38;p9"/>
+          <p:cNvSpPr txBox="1">
+            <a:spLocks noGrp="1"/>
+          </p:cNvSpPr>
+          <p:nvPr>
+            <p:ph type="subTitle" idx="1"/>
+          </p:nvPr>
+        </p:nvSpPr>
+        <p:spPr>
+          <a:xfrm>
+            <a:off x="265500" y="2803075"/>
+            <a:ext cx="4045200" cy="1235100"/>
+          </a:xfrm>
+          <a:prstGeom prst="rect">
+            <a:avLst/>
+          </a:prstGeom>
+        </p:spPr>
+        <p:txBody>
+          <a:bodyPr spcFirstLastPara="1" wrap="square" lIns="91425" tIns="91425" rIns="91425" bIns="91425" anchor="t" anchorCtr="0">
+            <a:normAutofit/>
+          </a:bodyPr>
+          <a:lstStyle>
+            <a:lvl1pPr lvl="0" algn="ctr">
+              <a:lnSpc>
+                <a:spcPct val="100000"/>
+              </a:lnSpc>
+              <a:spcBef>
+                <a:spcPts val="0"/>
+              </a:spcBef>
+              <a:spcAft>
+                <a:spcPts val="0"/>
+              </a:spcAft>
+              <a:buSzPts val="2100"/>
+              <a:buNone/>
+              <a:defRPr sz="2100"/>
+            </a:lvl1pPr>
+            <a:lvl2pPr lvl="1" algn="ctr">
+              <a:lnSpc>
+                <a:spcPct val="100000"/>
+              </a:lnSpc>
+              <a:spcBef>
+                <a:spcPts val="0"/>
+              </a:spcBef>
+              <a:spcAft>
+                <a:spcPts val="0"/>
+              </a:spcAft>
+              <a:buSzPts val="2100"/>
+              <a:buNone/>
+              <a:defRPr sz="2100"/>
+            </a:lvl2pPr>
+            <a:lvl3pPr lvl="2" algn="ctr">
+              <a:lnSpc>
+                <a:spcPct val="100000"/>
+              </a:lnSpc>
+              <a:spcBef>
+                <a:spcPts val="0"/>
+              </a:spcBef>
+              <a:spcAft>
+                <a:spcPts val="0"/>
+              </a:spcAft>
+              <a:buSzPts val="2100"/>
+              <a:buNone/>
+              <a:defRPr sz="2100"/>
+            </a:lvl3pPr>
+            <a:lvl4pPr lvl="3" algn="ctr">
+              <a:lnSpc>
+                <a:spcPct val="100000"/>
+              </a:lnSpc>
+              <a:spcBef>
+                <a:spcPts val="0"/>
+              </a:spcBef>
+              <a:spcAft>
+                <a:spcPts val="0"/>
+              </a:spcAft>
+              <a:buSzPts val="2100"/>
+              <a:buNone/>
+              <a:defRPr sz="2100"/>
+            </a:lvl4pPr>
+            <a:lvl5pPr lvl="4" algn="ctr">
+              <a:lnSpc>
+                <a:spcPct val="100000"/>
+              </a:lnSpc>
+              <a:spcBef>
+                <a:spcPts val="0"/>
+              </a:spcBef>
+              <a:spcAft>
+                <a:spcPts val="0"/>
+              </a:spcAft>
+              <a:buSzPts val="2100"/>
+              <a:buNone/>
+              <a:defRPr sz="2100"/>
+            </a:lvl5pPr>
+            <a:lvl6pPr lvl="5" algn="ctr">
+              <a:lnSpc>
+                <a:spcPct val="100000"/>
+              </a:lnSpc>
+              <a:spcBef>
+                <a:spcPts val="0"/>
+              </a:spcBef>
+              <a:spcAft>
+                <a:spcPts val="0"/>
+              </a:spcAft>
+              <a:buSzPts val="2100"/>
+              <a:buNone/>
+              <a:defRPr sz="2100"/>
+            </a:lvl6pPr>
+            <a:lvl7pPr lvl="6" algn="ctr">
+              <a:lnSpc>
+                <a:spcPct val="100000"/>
+              </a:lnSpc>
+              <a:spcBef>
+                <a:spcPts val="0"/>
+              </a:spcBef>
+              <a:spcAft>
+                <a:spcPts val="0"/>
+              </a:spcAft>
+              <a:buSzPts val="2100"/>
+              <a:buNone/>
+              <a:defRPr sz="2100"/>
+            </a:lvl7pPr>
+            <a:lvl8pPr lvl="7" algn="ctr">
+              <a:lnSpc>
+                <a:spcPct val="100000"/>
+              </a:lnSpc>
+              <a:spcBef>
+                <a:spcPts val="0"/>
+              </a:spcBef>
+              <a:spcAft>
+                <a:spcPts val="0"/>
+              </a:spcAft>
+              <a:buSzPts val="2100"/>
+              <a:buNone/>
+              <a:defRPr sz="2100"/>
+            </a:lvl8pPr>
+            <a:lvl9pPr lvl="8" algn="ctr">
+              <a:lnSpc>
+                <a:spcPct val="100000"/>
+              </a:lnSpc>
+              <a:spcBef>
+                <a:spcPts val="0"/>
+              </a:spcBef>
+              <a:spcAft>
+                <a:spcPts val="0"/>
+              </a:spcAft>
+              <a:buSzPts val="2100"/>
+              <a:buNone/>
+              <a:defRPr sz="2100"/>
+            </a:lvl9pPr>
+          </a:lstStyle>
+          <a:p>
+            <a:endParaRPr/>
+          </a:p>
+        </p:txBody>
+      </p:sp>
+      <p:sp>
+        <p:nvSpPr>
+          <p:cNvPr id="39" name="Google Shape;39;p9"/>
+          <p:cNvSpPr txBox="1">
+            <a:spLocks noGrp="1"/>
+          </p:cNvSpPr>
+          <p:nvPr>
+            <p:ph type="body" idx="2"/>
+          </p:nvPr>
+        </p:nvSpPr>
+        <p:spPr>
+          <a:xfrm>
+            <a:off x="4939500" y="724075"/>
+            <a:ext cx="3837000" cy="3695100"/>
+          </a:xfrm>
+          <a:prstGeom prst="rect">
+            <a:avLst/>
+          </a:prstGeom>
+        </p:spPr>
+        <p:txBody>
+          <a:bodyPr spcFirstLastPara="1" wrap="square" lIns="91425" tIns="91425" rIns="91425" bIns="91425" anchor="ctr" anchorCtr="0">
+            <a:normAutofit/>
+          </a:bodyPr>
+          <a:lstStyle>
+            <a:lvl1pPr marL="457200" lvl="0" indent="-342900">
+              <a:spcBef>
+                <a:spcPts val="0"/>
+              </a:spcBef>
+              <a:spcAft>
+                <a:spcPts val="0"/>
+              </a:spcAft>
+              <a:buSzPts val="1800"/>
+              <a:buChar char="●"/>
+              <a:defRPr/>
+            </a:lvl1pPr>
+            <a:lvl2pPr marL="914400" lvl="1" indent="-317500">
+              <a:spcBef>
+                <a:spcPts val="0"/>
+              </a:spcBef>
+              <a:spcAft>
+                <a:spcPts val="0"/>
+              </a:spcAft>
+              <a:buSzPts val="1400"/>
+              <a:buChar char="○"/>
+              <a:defRPr/>
+            </a:lvl2pPr>
+            <a:lvl3pPr marL="1371600" lvl="2" indent="-317500">
+              <a:spcBef>
+                <a:spcPts val="0"/>
+              </a:spcBef>
+              <a:spcAft>
+                <a:spcPts val="0"/>
+              </a:spcAft>
+              <a:buSzPts val="1400"/>
+              <a:buChar char="■"/>
+              <a:defRPr/>
+            </a:lvl3pPr>
+            <a:lvl4pPr marL="1828800" lvl="3" indent="-317500">
+              <a:spcBef>
+                <a:spcPts val="0"/>
+              </a:spcBef>
+              <a:spcAft>
+                <a:spcPts val="0"/>
+              </a:spcAft>
+              <a:buSzPts val="1400"/>
+              <a:buChar char="●"/>
+              <a:defRPr/>
+            </a:lvl4pPr>
+            <a:lvl5pPr marL="2286000" lvl="4" indent="-317500">
+              <a:spcBef>
+                <a:spcPts val="0"/>
+              </a:spcBef>
+              <a:spcAft>
+                <a:spcPts val="0"/>
+              </a:spcAft>
+              <a:buSzPts val="1400"/>
+              <a:buChar char="○"/>
+              <a:defRPr/>
+            </a:lvl5pPr>
+            <a:lvl6pPr marL="2743200" lvl="5" indent="-317500">
+              <a:spcBef>
+                <a:spcPts val="0"/>
+              </a:spcBef>
+              <a:spcAft>
+                <a:spcPts val="0"/>
+              </a:spcAft>
+              <a:buSzPts val="1400"/>
+              <a:buChar char="■"/>
+              <a:defRPr/>
+            </a:lvl6pPr>
+            <a:lvl7pPr marL="3200400" lvl="6" indent="-317500">
+              <a:spcBef>
+                <a:spcPts val="0"/>
+              </a:spcBef>
+              <a:spcAft>
+                <a:spcPts val="0"/>
+              </a:spcAft>
+              <a:buSzPts val="1400"/>
+              <a:buChar char="●"/>
+              <a:defRPr/>
+            </a:lvl7pPr>
+            <a:lvl8pPr marL="3657600" lvl="7" indent="-317500">
+              <a:spcBef>
+                <a:spcPts val="0"/>
+              </a:spcBef>
+              <a:spcAft>
+                <a:spcPts val="0"/>
+              </a:spcAft>
+              <a:buSzPts val="1400"/>
+              <a:buChar char="○"/>
+              <a:defRPr/>
+            </a:lvl8pPr>
+            <a:lvl9pPr marL="4114800" lvl="8" indent="-317500">
+              <a:spcBef>
+                <a:spcPts val="0"/>
+              </a:spcBef>
+              <a:spcAft>
+                <a:spcPts val="0"/>
+              </a:spcAft>
+              <a:buSzPts val="1400"/>
+              <a:buChar char="■"/>
+              <a:defRPr/>
+            </a:lvl9pPr>
+          </a:lstStyle>
+          <a:p>
+            <a:endParaRPr/>
+          </a:p>
+        </p:txBody>
+      </p:sp>
+      <p:sp>
+        <p:nvSpPr>
+          <p:cNvPr id="40" name="Google Shape;40;p9"/>
+          <p:cNvSpPr txBox="1">
+            <a:spLocks noGrp="1"/>
+          </p:cNvSpPr>
+          <p:nvPr>
+            <p:ph type="sldNum" idx="12"/>
+          </p:nvPr>
+        </p:nvSpPr>
+        <p:spPr>
+          <a:xfrm>
+            <a:off x="8472458" y="4663217"/>
+            <a:ext cx="548700" cy="393600"/>
+          </a:xfrm>
+          <a:prstGeom prst="rect">
+            <a:avLst/>
+          </a:prstGeom>
+        </p:spPr>
+        <p:txBody>
+          <a:bodyPr spcFirstLastPara="1" wrap="square" lIns="91425" tIns="91425" rIns="91425" bIns="91425" anchor="ctr" anchorCtr="0">
+            <a:normAutofit/>
+          </a:bodyPr>
+          <a:lstStyle>
+            <a:lvl1pPr lvl="0">
+              <a:buNone/>
+              <a:defRPr/>
+            </a:lvl1pPr>
+            <a:lvl2pPr lvl="1">
+              <a:buNone/>
+              <a:defRPr/>
+            </a:lvl2pPr>
+            <a:lvl3pPr lvl="2">
+              <a:buNone/>
+              <a:defRPr/>
+            </a:lvl3pPr>
+            <a:lvl4pPr lvl="3">
+              <a:buNone/>
+              <a:defRPr/>
+            </a:lvl4pPr>
+            <a:lvl5pPr lvl="4">
+              <a:buNone/>
+              <a:defRPr/>
+            </a:lvl5pPr>
+            <a:lvl6pPr lvl="5">
+              <a:buNone/>
+              <a:defRPr/>
+            </a:lvl6pPr>
+            <a:lvl7pPr lvl="6">
+              <a:buNone/>
+              <a:defRPr/>
+            </a:lvl7pPr>
+            <a:lvl8pPr lvl="7">
+              <a:buNone/>
+              <a:defRPr/>
+            </a:lvl8pPr>
+            <a:lvl9pPr lvl="8">
+              <a:buNone/>
+              <a:defRPr/>
+            </a:lvl9pPr>
+          </a:lstStyle>
+          <a:p>
+            <a:pPr marL="0" lvl="0" indent="0" algn="r" rtl="0">
+              <a:spcBef>
+                <a:spcPts val="0"/>
+              </a:spcBef>
+              <a:spcAft>
+                <a:spcPts val="0"/>
+              </a:spcAft>
+              <a:buNone/>
+            </a:pPr>
+            <a:fld id="{00000000-1234-1234-1234-123412341234}" type="slidenum">
+              <a:rPr lang="en"/>
+              <a:t>‹#›</a:t>
+            </a:fld>
+            <a:endParaRPr/>
+          </a:p>
+        </p:txBody>
+      </p:sp>
+    </p:spTree>
+  </p:cSld>
+  <p:clrMapOvr>
+    <a:masterClrMapping/>
+  </p:clrMapOvr>
+</p:sldLayout>
+</file>
+
+<file path=ppt/slideLayouts/slideLayout8.xml><?xml version="1.0" encoding="utf-8"?>
+<p:sldLayout xmlns:a="http://schemas.openxmlformats.org/drawingml/2006/main" xmlns:r="http://schemas.openxmlformats.org/officeDocument/2006/relationships" xmlns:p="http://schemas.openxmlformats.org/presentationml/2006/main" matchingName="Caption">
+  <p:cSld name="CAPTION_ONLY">
+    <p:spTree>
+      <p:nvGrpSpPr>
+        <p:cNvPr id="1" name="Shape 41"/>
+        <p:cNvGrpSpPr/>
+        <p:nvPr/>
+      </p:nvGrpSpPr>
+      <p:grpSpPr>
+        <a:xfrm>
+          <a:off x="0" y="0"/>
+          <a:ext cx="0" cy="0"/>
+          <a:chOff x="0" y="0"/>
+          <a:chExt cx="0" cy="0"/>
+        </a:xfrm>
+      </p:grpSpPr>
+      <p:sp>
+        <p:nvSpPr>
+          <p:cNvPr id="42" name="Google Shape;42;p10"/>
+          <p:cNvSpPr txBox="1">
+            <a:spLocks noGrp="1"/>
+          </p:cNvSpPr>
+          <p:nvPr>
+            <p:ph type="body" idx="1"/>
+          </p:nvPr>
+        </p:nvSpPr>
+        <p:spPr>
+          <a:xfrm>
+            <a:off x="311700" y="4230575"/>
+            <a:ext cx="5998800" cy="605100"/>
+          </a:xfrm>
+          <a:prstGeom prst="rect">
+            <a:avLst/>
+          </a:prstGeom>
+        </p:spPr>
+        <p:txBody>
+          <a:bodyPr spcFirstLastPara="1" wrap="square" lIns="91425" tIns="91425" rIns="91425" bIns="91425" anchor="ctr" anchorCtr="0">
+            <a:normAutofit/>
+          </a:bodyPr>
+          <a:lstStyle>
+            <a:lvl1pPr marL="457200" lvl="0" indent="-228600">
+              <a:lnSpc>
+                <a:spcPct val="100000"/>
+              </a:lnSpc>
+              <a:spcBef>
+                <a:spcPts val="0"/>
+              </a:spcBef>
+              <a:spcAft>
+                <a:spcPts val="0"/>
+              </a:spcAft>
+              <a:buSzPts val="1800"/>
+              <a:buNone/>
+              <a:defRPr/>
+            </a:lvl1pPr>
+          </a:lstStyle>
+          <a:p>
+            <a:endParaRPr/>
+          </a:p>
+        </p:txBody>
+      </p:sp>
+      <p:sp>
+        <p:nvSpPr>
+          <p:cNvPr id="43" name="Google Shape;43;p10"/>
+          <p:cNvSpPr txBox="1">
+            <a:spLocks noGrp="1"/>
+          </p:cNvSpPr>
+          <p:nvPr>
+            <p:ph type="sldNum" idx="12"/>
+          </p:nvPr>
+        </p:nvSpPr>
+        <p:spPr>
+          <a:xfrm>
+            <a:off x="8472458" y="4663217"/>
+            <a:ext cx="548700" cy="393600"/>
+          </a:xfrm>
+          <a:prstGeom prst="rect">
+            <a:avLst/>
+          </a:prstGeom>
+        </p:spPr>
+        <p:txBody>
+          <a:bodyPr spcFirstLastPara="1" wrap="square" lIns="91425" tIns="91425" rIns="91425" bIns="91425" anchor="ctr" anchorCtr="0">
+            <a:normAutofit/>
+          </a:bodyPr>
+          <a:lstStyle>
+            <a:lvl1pPr lvl="0">
+              <a:buNone/>
+              <a:defRPr/>
+            </a:lvl1pPr>
+            <a:lvl2pPr lvl="1">
+              <a:buNone/>
+              <a:defRPr/>
+            </a:lvl2pPr>
+            <a:lvl3pPr lvl="2">
+              <a:buNone/>
+              <a:defRPr/>
+            </a:lvl3pPr>
+            <a:lvl4pPr lvl="3">
+              <a:buNone/>
+              <a:defRPr/>
+            </a:lvl4pPr>
+            <a:lvl5pPr lvl="4">
+              <a:buNone/>
+              <a:defRPr/>
+            </a:lvl5pPr>
+            <a:lvl6pPr lvl="5">
+              <a:buNone/>
+              <a:defRPr/>
+            </a:lvl6pPr>
+            <a:lvl7pPr lvl="6">
+              <a:buNone/>
+              <a:defRPr/>
+            </a:lvl7pPr>
+            <a:lvl8pPr lvl="7">
+              <a:buNone/>
+              <a:defRPr/>
+            </a:lvl8pPr>
+            <a:lvl9pPr lvl="8">
+              <a:buNone/>
+              <a:defRPr/>
+            </a:lvl9pPr>
+          </a:lstStyle>
+          <a:p>
+            <a:pPr marL="0" lvl="0" indent="0" algn="r" rtl="0">
+              <a:spcBef>
+                <a:spcPts val="0"/>
+              </a:spcBef>
+              <a:spcAft>
+                <a:spcPts val="0"/>
+              </a:spcAft>
+              <a:buNone/>
+            </a:pPr>
+            <a:fld id="{00000000-1234-1234-1234-123412341234}" type="slidenum">
+              <a:rPr lang="en"/>
+              <a:t>‹#›</a:t>
+            </a:fld>
+            <a:endParaRPr/>
+          </a:p>
+        </p:txBody>
+      </p:sp>
+    </p:spTree>
+  </p:cSld>
+  <p:clrMapOvr>
+    <a:masterClrMapping/>
+  </p:clrMapOvr>
+</p:sldLayout>
+</file>
+
+<file path=ppt/slideLayouts/slideLayout9.xml><?xml version="1.0" encoding="utf-8"?>
 <p:sldLayout xmlns:a="http://schemas.openxmlformats.org/drawingml/2006/main" xmlns:r="http://schemas.openxmlformats.org/officeDocument/2006/relationships" xmlns:p="http://schemas.openxmlformats.org/presentationml/2006/main" matchingName="Big number">
   <p:cSld name="BIG_NUMBER">
     <p:spTree>
@@ -2252,2730 +4743,6 @@
       <p:sp>
         <p:nvSpPr>
           <p:cNvPr id="47" name="Google Shape;47;p11"/>
-          <p:cNvSpPr txBox="1">
-            <a:spLocks noGrp="1"/>
-          </p:cNvSpPr>
-          <p:nvPr>
-            <p:ph type="sldNum" idx="12"/>
-          </p:nvPr>
-        </p:nvSpPr>
-        <p:spPr>
-          <a:xfrm>
-            <a:off x="8472458" y="4663217"/>
-            <a:ext cx="548700" cy="393600"/>
-          </a:xfrm>
-          <a:prstGeom prst="rect">
-            <a:avLst/>
-          </a:prstGeom>
-        </p:spPr>
-        <p:txBody>
-          <a:bodyPr spcFirstLastPara="1" wrap="square" lIns="91425" tIns="91425" rIns="91425" bIns="91425" anchor="ctr" anchorCtr="0">
-            <a:normAutofit/>
-          </a:bodyPr>
-          <a:lstStyle>
-            <a:lvl1pPr lvl="0">
-              <a:buNone/>
-              <a:defRPr/>
-            </a:lvl1pPr>
-            <a:lvl2pPr lvl="1">
-              <a:buNone/>
-              <a:defRPr/>
-            </a:lvl2pPr>
-            <a:lvl3pPr lvl="2">
-              <a:buNone/>
-              <a:defRPr/>
-            </a:lvl3pPr>
-            <a:lvl4pPr lvl="3">
-              <a:buNone/>
-              <a:defRPr/>
-            </a:lvl4pPr>
-            <a:lvl5pPr lvl="4">
-              <a:buNone/>
-              <a:defRPr/>
-            </a:lvl5pPr>
-            <a:lvl6pPr lvl="5">
-              <a:buNone/>
-              <a:defRPr/>
-            </a:lvl6pPr>
-            <a:lvl7pPr lvl="6">
-              <a:buNone/>
-              <a:defRPr/>
-            </a:lvl7pPr>
-            <a:lvl8pPr lvl="7">
-              <a:buNone/>
-              <a:defRPr/>
-            </a:lvl8pPr>
-            <a:lvl9pPr lvl="8">
-              <a:buNone/>
-              <a:defRPr/>
-            </a:lvl9pPr>
-          </a:lstStyle>
-          <a:p>
-            <a:pPr marL="0" lvl="0" indent="0" algn="r" rtl="0">
-              <a:spcBef>
-                <a:spcPts val="0"/>
-              </a:spcBef>
-              <a:spcAft>
-                <a:spcPts val="0"/>
-              </a:spcAft>
-              <a:buNone/>
-            </a:pPr>
-            <a:fld id="{00000000-1234-1234-1234-123412341234}" type="slidenum">
-              <a:rPr lang="en"/>
-              <a:t>‹#›</a:t>
-            </a:fld>
-            <a:endParaRPr/>
-          </a:p>
-        </p:txBody>
-      </p:sp>
-    </p:spTree>
-  </p:cSld>
-  <p:clrMapOvr>
-    <a:masterClrMapping/>
-  </p:clrMapOvr>
-</p:sldLayout>
-</file>
-
-<file path=ppt/slideLayouts/slideLayout11.xml><?xml version="1.0" encoding="utf-8"?>
-<p:sldLayout xmlns:a="http://schemas.openxmlformats.org/drawingml/2006/main" xmlns:r="http://schemas.openxmlformats.org/officeDocument/2006/relationships" xmlns:p="http://schemas.openxmlformats.org/presentationml/2006/main" matchingName="Blank" type="blank">
-  <p:cSld name="BLANK">
-    <p:spTree>
-      <p:nvGrpSpPr>
-        <p:cNvPr id="1" name="Shape 48"/>
-        <p:cNvGrpSpPr/>
-        <p:nvPr/>
-      </p:nvGrpSpPr>
-      <p:grpSpPr>
-        <a:xfrm>
-          <a:off x="0" y="0"/>
-          <a:ext cx="0" cy="0"/>
-          <a:chOff x="0" y="0"/>
-          <a:chExt cx="0" cy="0"/>
-        </a:xfrm>
-      </p:grpSpPr>
-      <p:sp>
-        <p:nvSpPr>
-          <p:cNvPr id="49" name="Google Shape;49;p12"/>
-          <p:cNvSpPr txBox="1">
-            <a:spLocks noGrp="1"/>
-          </p:cNvSpPr>
-          <p:nvPr>
-            <p:ph type="sldNum" idx="12"/>
-          </p:nvPr>
-        </p:nvSpPr>
-        <p:spPr>
-          <a:xfrm>
-            <a:off x="8472458" y="4663217"/>
-            <a:ext cx="548700" cy="393600"/>
-          </a:xfrm>
-          <a:prstGeom prst="rect">
-            <a:avLst/>
-          </a:prstGeom>
-        </p:spPr>
-        <p:txBody>
-          <a:bodyPr spcFirstLastPara="1" wrap="square" lIns="91425" tIns="91425" rIns="91425" bIns="91425" anchor="ctr" anchorCtr="0">
-            <a:normAutofit/>
-          </a:bodyPr>
-          <a:lstStyle>
-            <a:lvl1pPr lvl="0">
-              <a:buNone/>
-              <a:defRPr/>
-            </a:lvl1pPr>
-            <a:lvl2pPr lvl="1">
-              <a:buNone/>
-              <a:defRPr/>
-            </a:lvl2pPr>
-            <a:lvl3pPr lvl="2">
-              <a:buNone/>
-              <a:defRPr/>
-            </a:lvl3pPr>
-            <a:lvl4pPr lvl="3">
-              <a:buNone/>
-              <a:defRPr/>
-            </a:lvl4pPr>
-            <a:lvl5pPr lvl="4">
-              <a:buNone/>
-              <a:defRPr/>
-            </a:lvl5pPr>
-            <a:lvl6pPr lvl="5">
-              <a:buNone/>
-              <a:defRPr/>
-            </a:lvl6pPr>
-            <a:lvl7pPr lvl="6">
-              <a:buNone/>
-              <a:defRPr/>
-            </a:lvl7pPr>
-            <a:lvl8pPr lvl="7">
-              <a:buNone/>
-              <a:defRPr/>
-            </a:lvl8pPr>
-            <a:lvl9pPr lvl="8">
-              <a:buNone/>
-              <a:defRPr/>
-            </a:lvl9pPr>
-          </a:lstStyle>
-          <a:p>
-            <a:pPr marL="0" lvl="0" indent="0" algn="r" rtl="0">
-              <a:spcBef>
-                <a:spcPts val="0"/>
-              </a:spcBef>
-              <a:spcAft>
-                <a:spcPts val="0"/>
-              </a:spcAft>
-              <a:buNone/>
-            </a:pPr>
-            <a:fld id="{00000000-1234-1234-1234-123412341234}" type="slidenum">
-              <a:rPr lang="en"/>
-              <a:t>‹#›</a:t>
-            </a:fld>
-            <a:endParaRPr/>
-          </a:p>
-        </p:txBody>
-      </p:sp>
-    </p:spTree>
-  </p:cSld>
-  <p:clrMapOvr>
-    <a:masterClrMapping/>
-  </p:clrMapOvr>
-</p:sldLayout>
-</file>
-
-<file path=ppt/slideLayouts/slideLayout2.xml><?xml version="1.0" encoding="utf-8"?>
-<p:sldLayout xmlns:a="http://schemas.openxmlformats.org/drawingml/2006/main" xmlns:r="http://schemas.openxmlformats.org/officeDocument/2006/relationships" xmlns:p="http://schemas.openxmlformats.org/presentationml/2006/main" matchingName="Section header" type="secHead">
-  <p:cSld name="SECTION_HEADER">
-    <p:spTree>
-      <p:nvGrpSpPr>
-        <p:cNvPr id="1" name="Shape 13"/>
-        <p:cNvGrpSpPr/>
-        <p:nvPr/>
-      </p:nvGrpSpPr>
-      <p:grpSpPr>
-        <a:xfrm>
-          <a:off x="0" y="0"/>
-          <a:ext cx="0" cy="0"/>
-          <a:chOff x="0" y="0"/>
-          <a:chExt cx="0" cy="0"/>
-        </a:xfrm>
-      </p:grpSpPr>
-      <p:sp>
-        <p:nvSpPr>
-          <p:cNvPr id="14" name="Google Shape;14;p3"/>
-          <p:cNvSpPr txBox="1">
-            <a:spLocks noGrp="1"/>
-          </p:cNvSpPr>
-          <p:nvPr>
-            <p:ph type="title"/>
-          </p:nvPr>
-        </p:nvSpPr>
-        <p:spPr>
-          <a:xfrm>
-            <a:off x="311700" y="2150850"/>
-            <a:ext cx="8520600" cy="841800"/>
-          </a:xfrm>
-          <a:prstGeom prst="rect">
-            <a:avLst/>
-          </a:prstGeom>
-        </p:spPr>
-        <p:txBody>
-          <a:bodyPr spcFirstLastPara="1" wrap="square" lIns="91425" tIns="91425" rIns="91425" bIns="91425" anchor="ctr" anchorCtr="0">
-            <a:normAutofit/>
-          </a:bodyPr>
-          <a:lstStyle>
-            <a:lvl1pPr lvl="0" algn="ctr">
-              <a:spcBef>
-                <a:spcPts val="0"/>
-              </a:spcBef>
-              <a:spcAft>
-                <a:spcPts val="0"/>
-              </a:spcAft>
-              <a:buSzPts val="3600"/>
-              <a:buNone/>
-              <a:defRPr sz="3600"/>
-            </a:lvl1pPr>
-            <a:lvl2pPr lvl="1" algn="ctr">
-              <a:spcBef>
-                <a:spcPts val="0"/>
-              </a:spcBef>
-              <a:spcAft>
-                <a:spcPts val="0"/>
-              </a:spcAft>
-              <a:buSzPts val="3600"/>
-              <a:buNone/>
-              <a:defRPr sz="3600"/>
-            </a:lvl2pPr>
-            <a:lvl3pPr lvl="2" algn="ctr">
-              <a:spcBef>
-                <a:spcPts val="0"/>
-              </a:spcBef>
-              <a:spcAft>
-                <a:spcPts val="0"/>
-              </a:spcAft>
-              <a:buSzPts val="3600"/>
-              <a:buNone/>
-              <a:defRPr sz="3600"/>
-            </a:lvl3pPr>
-            <a:lvl4pPr lvl="3" algn="ctr">
-              <a:spcBef>
-                <a:spcPts val="0"/>
-              </a:spcBef>
-              <a:spcAft>
-                <a:spcPts val="0"/>
-              </a:spcAft>
-              <a:buSzPts val="3600"/>
-              <a:buNone/>
-              <a:defRPr sz="3600"/>
-            </a:lvl4pPr>
-            <a:lvl5pPr lvl="4" algn="ctr">
-              <a:spcBef>
-                <a:spcPts val="0"/>
-              </a:spcBef>
-              <a:spcAft>
-                <a:spcPts val="0"/>
-              </a:spcAft>
-              <a:buSzPts val="3600"/>
-              <a:buNone/>
-              <a:defRPr sz="3600"/>
-            </a:lvl5pPr>
-            <a:lvl6pPr lvl="5" algn="ctr">
-              <a:spcBef>
-                <a:spcPts val="0"/>
-              </a:spcBef>
-              <a:spcAft>
-                <a:spcPts val="0"/>
-              </a:spcAft>
-              <a:buSzPts val="3600"/>
-              <a:buNone/>
-              <a:defRPr sz="3600"/>
-            </a:lvl6pPr>
-            <a:lvl7pPr lvl="6" algn="ctr">
-              <a:spcBef>
-                <a:spcPts val="0"/>
-              </a:spcBef>
-              <a:spcAft>
-                <a:spcPts val="0"/>
-              </a:spcAft>
-              <a:buSzPts val="3600"/>
-              <a:buNone/>
-              <a:defRPr sz="3600"/>
-            </a:lvl7pPr>
-            <a:lvl8pPr lvl="7" algn="ctr">
-              <a:spcBef>
-                <a:spcPts val="0"/>
-              </a:spcBef>
-              <a:spcAft>
-                <a:spcPts val="0"/>
-              </a:spcAft>
-              <a:buSzPts val="3600"/>
-              <a:buNone/>
-              <a:defRPr sz="3600"/>
-            </a:lvl8pPr>
-            <a:lvl9pPr lvl="8" algn="ctr">
-              <a:spcBef>
-                <a:spcPts val="0"/>
-              </a:spcBef>
-              <a:spcAft>
-                <a:spcPts val="0"/>
-              </a:spcAft>
-              <a:buSzPts val="3600"/>
-              <a:buNone/>
-              <a:defRPr sz="3600"/>
-            </a:lvl9pPr>
-          </a:lstStyle>
-          <a:p>
-            <a:endParaRPr/>
-          </a:p>
-        </p:txBody>
-      </p:sp>
-      <p:sp>
-        <p:nvSpPr>
-          <p:cNvPr id="15" name="Google Shape;15;p3"/>
-          <p:cNvSpPr txBox="1">
-            <a:spLocks noGrp="1"/>
-          </p:cNvSpPr>
-          <p:nvPr>
-            <p:ph type="sldNum" idx="12"/>
-          </p:nvPr>
-        </p:nvSpPr>
-        <p:spPr>
-          <a:xfrm>
-            <a:off x="8472458" y="4663217"/>
-            <a:ext cx="548700" cy="393600"/>
-          </a:xfrm>
-          <a:prstGeom prst="rect">
-            <a:avLst/>
-          </a:prstGeom>
-        </p:spPr>
-        <p:txBody>
-          <a:bodyPr spcFirstLastPara="1" wrap="square" lIns="91425" tIns="91425" rIns="91425" bIns="91425" anchor="ctr" anchorCtr="0">
-            <a:normAutofit/>
-          </a:bodyPr>
-          <a:lstStyle>
-            <a:lvl1pPr lvl="0">
-              <a:buNone/>
-              <a:defRPr/>
-            </a:lvl1pPr>
-            <a:lvl2pPr lvl="1">
-              <a:buNone/>
-              <a:defRPr/>
-            </a:lvl2pPr>
-            <a:lvl3pPr lvl="2">
-              <a:buNone/>
-              <a:defRPr/>
-            </a:lvl3pPr>
-            <a:lvl4pPr lvl="3">
-              <a:buNone/>
-              <a:defRPr/>
-            </a:lvl4pPr>
-            <a:lvl5pPr lvl="4">
-              <a:buNone/>
-              <a:defRPr/>
-            </a:lvl5pPr>
-            <a:lvl6pPr lvl="5">
-              <a:buNone/>
-              <a:defRPr/>
-            </a:lvl6pPr>
-            <a:lvl7pPr lvl="6">
-              <a:buNone/>
-              <a:defRPr/>
-            </a:lvl7pPr>
-            <a:lvl8pPr lvl="7">
-              <a:buNone/>
-              <a:defRPr/>
-            </a:lvl8pPr>
-            <a:lvl9pPr lvl="8">
-              <a:buNone/>
-              <a:defRPr/>
-            </a:lvl9pPr>
-          </a:lstStyle>
-          <a:p>
-            <a:pPr marL="0" lvl="0" indent="0" algn="r" rtl="0">
-              <a:spcBef>
-                <a:spcPts val="0"/>
-              </a:spcBef>
-              <a:spcAft>
-                <a:spcPts val="0"/>
-              </a:spcAft>
-              <a:buNone/>
-            </a:pPr>
-            <a:fld id="{00000000-1234-1234-1234-123412341234}" type="slidenum">
-              <a:rPr lang="en"/>
-              <a:t>‹#›</a:t>
-            </a:fld>
-            <a:endParaRPr/>
-          </a:p>
-        </p:txBody>
-      </p:sp>
-    </p:spTree>
-  </p:cSld>
-  <p:clrMapOvr>
-    <a:masterClrMapping/>
-  </p:clrMapOvr>
-</p:sldLayout>
-</file>
-
-<file path=ppt/slideLayouts/slideLayout3.xml><?xml version="1.0" encoding="utf-8"?>
-<p:sldLayout xmlns:a="http://schemas.openxmlformats.org/drawingml/2006/main" xmlns:r="http://schemas.openxmlformats.org/officeDocument/2006/relationships" xmlns:p="http://schemas.openxmlformats.org/presentationml/2006/main" matchingName="Title and body" type="tx">
-  <p:cSld name="TITLE_AND_BODY">
-    <p:spTree>
-      <p:nvGrpSpPr>
-        <p:cNvPr id="1" name="Shape 16"/>
-        <p:cNvGrpSpPr/>
-        <p:nvPr/>
-      </p:nvGrpSpPr>
-      <p:grpSpPr>
-        <a:xfrm>
-          <a:off x="0" y="0"/>
-          <a:ext cx="0" cy="0"/>
-          <a:chOff x="0" y="0"/>
-          <a:chExt cx="0" cy="0"/>
-        </a:xfrm>
-      </p:grpSpPr>
-      <p:sp>
-        <p:nvSpPr>
-          <p:cNvPr id="17" name="Google Shape;17;p4"/>
-          <p:cNvSpPr txBox="1">
-            <a:spLocks noGrp="1"/>
-          </p:cNvSpPr>
-          <p:nvPr>
-            <p:ph type="title"/>
-          </p:nvPr>
-        </p:nvSpPr>
-        <p:spPr>
-          <a:xfrm>
-            <a:off x="311700" y="445025"/>
-            <a:ext cx="8520600" cy="572700"/>
-          </a:xfrm>
-          <a:prstGeom prst="rect">
-            <a:avLst/>
-          </a:prstGeom>
-        </p:spPr>
-        <p:txBody>
-          <a:bodyPr spcFirstLastPara="1" wrap="square" lIns="91425" tIns="91425" rIns="91425" bIns="91425" anchor="t" anchorCtr="0">
-            <a:normAutofit/>
-          </a:bodyPr>
-          <a:lstStyle>
-            <a:lvl1pPr lvl="0">
-              <a:spcBef>
-                <a:spcPts val="0"/>
-              </a:spcBef>
-              <a:spcAft>
-                <a:spcPts val="0"/>
-              </a:spcAft>
-              <a:buSzPts val="2800"/>
-              <a:buNone/>
-              <a:defRPr/>
-            </a:lvl1pPr>
-            <a:lvl2pPr lvl="1">
-              <a:spcBef>
-                <a:spcPts val="0"/>
-              </a:spcBef>
-              <a:spcAft>
-                <a:spcPts val="0"/>
-              </a:spcAft>
-              <a:buSzPts val="2800"/>
-              <a:buNone/>
-              <a:defRPr/>
-            </a:lvl2pPr>
-            <a:lvl3pPr lvl="2">
-              <a:spcBef>
-                <a:spcPts val="0"/>
-              </a:spcBef>
-              <a:spcAft>
-                <a:spcPts val="0"/>
-              </a:spcAft>
-              <a:buSzPts val="2800"/>
-              <a:buNone/>
-              <a:defRPr/>
-            </a:lvl3pPr>
-            <a:lvl4pPr lvl="3">
-              <a:spcBef>
-                <a:spcPts val="0"/>
-              </a:spcBef>
-              <a:spcAft>
-                <a:spcPts val="0"/>
-              </a:spcAft>
-              <a:buSzPts val="2800"/>
-              <a:buNone/>
-              <a:defRPr/>
-            </a:lvl4pPr>
-            <a:lvl5pPr lvl="4">
-              <a:spcBef>
-                <a:spcPts val="0"/>
-              </a:spcBef>
-              <a:spcAft>
-                <a:spcPts val="0"/>
-              </a:spcAft>
-              <a:buSzPts val="2800"/>
-              <a:buNone/>
-              <a:defRPr/>
-            </a:lvl5pPr>
-            <a:lvl6pPr lvl="5">
-              <a:spcBef>
-                <a:spcPts val="0"/>
-              </a:spcBef>
-              <a:spcAft>
-                <a:spcPts val="0"/>
-              </a:spcAft>
-              <a:buSzPts val="2800"/>
-              <a:buNone/>
-              <a:defRPr/>
-            </a:lvl6pPr>
-            <a:lvl7pPr lvl="6">
-              <a:spcBef>
-                <a:spcPts val="0"/>
-              </a:spcBef>
-              <a:spcAft>
-                <a:spcPts val="0"/>
-              </a:spcAft>
-              <a:buSzPts val="2800"/>
-              <a:buNone/>
-              <a:defRPr/>
-            </a:lvl7pPr>
-            <a:lvl8pPr lvl="7">
-              <a:spcBef>
-                <a:spcPts val="0"/>
-              </a:spcBef>
-              <a:spcAft>
-                <a:spcPts val="0"/>
-              </a:spcAft>
-              <a:buSzPts val="2800"/>
-              <a:buNone/>
-              <a:defRPr/>
-            </a:lvl8pPr>
-            <a:lvl9pPr lvl="8">
-              <a:spcBef>
-                <a:spcPts val="0"/>
-              </a:spcBef>
-              <a:spcAft>
-                <a:spcPts val="0"/>
-              </a:spcAft>
-              <a:buSzPts val="2800"/>
-              <a:buNone/>
-              <a:defRPr/>
-            </a:lvl9pPr>
-          </a:lstStyle>
-          <a:p>
-            <a:endParaRPr/>
-          </a:p>
-        </p:txBody>
-      </p:sp>
-      <p:sp>
-        <p:nvSpPr>
-          <p:cNvPr id="18" name="Google Shape;18;p4"/>
-          <p:cNvSpPr txBox="1">
-            <a:spLocks noGrp="1"/>
-          </p:cNvSpPr>
-          <p:nvPr>
-            <p:ph type="body" idx="1"/>
-          </p:nvPr>
-        </p:nvSpPr>
-        <p:spPr>
-          <a:xfrm>
-            <a:off x="311700" y="1152475"/>
-            <a:ext cx="8520600" cy="3416400"/>
-          </a:xfrm>
-          <a:prstGeom prst="rect">
-            <a:avLst/>
-          </a:prstGeom>
-        </p:spPr>
-        <p:txBody>
-          <a:bodyPr spcFirstLastPara="1" wrap="square" lIns="91425" tIns="91425" rIns="91425" bIns="91425" anchor="t" anchorCtr="0">
-            <a:normAutofit/>
-          </a:bodyPr>
-          <a:lstStyle>
-            <a:lvl1pPr marL="457200" lvl="0" indent="-342900">
-              <a:spcBef>
-                <a:spcPts val="0"/>
-              </a:spcBef>
-              <a:spcAft>
-                <a:spcPts val="0"/>
-              </a:spcAft>
-              <a:buSzPts val="1800"/>
-              <a:buChar char="●"/>
-              <a:defRPr/>
-            </a:lvl1pPr>
-            <a:lvl2pPr marL="914400" lvl="1" indent="-317500">
-              <a:spcBef>
-                <a:spcPts val="0"/>
-              </a:spcBef>
-              <a:spcAft>
-                <a:spcPts val="0"/>
-              </a:spcAft>
-              <a:buSzPts val="1400"/>
-              <a:buChar char="○"/>
-              <a:defRPr/>
-            </a:lvl2pPr>
-            <a:lvl3pPr marL="1371600" lvl="2" indent="-317500">
-              <a:spcBef>
-                <a:spcPts val="0"/>
-              </a:spcBef>
-              <a:spcAft>
-                <a:spcPts val="0"/>
-              </a:spcAft>
-              <a:buSzPts val="1400"/>
-              <a:buChar char="■"/>
-              <a:defRPr/>
-            </a:lvl3pPr>
-            <a:lvl4pPr marL="1828800" lvl="3" indent="-317500">
-              <a:spcBef>
-                <a:spcPts val="0"/>
-              </a:spcBef>
-              <a:spcAft>
-                <a:spcPts val="0"/>
-              </a:spcAft>
-              <a:buSzPts val="1400"/>
-              <a:buChar char="●"/>
-              <a:defRPr/>
-            </a:lvl4pPr>
-            <a:lvl5pPr marL="2286000" lvl="4" indent="-317500">
-              <a:spcBef>
-                <a:spcPts val="0"/>
-              </a:spcBef>
-              <a:spcAft>
-                <a:spcPts val="0"/>
-              </a:spcAft>
-              <a:buSzPts val="1400"/>
-              <a:buChar char="○"/>
-              <a:defRPr/>
-            </a:lvl5pPr>
-            <a:lvl6pPr marL="2743200" lvl="5" indent="-317500">
-              <a:spcBef>
-                <a:spcPts val="0"/>
-              </a:spcBef>
-              <a:spcAft>
-                <a:spcPts val="0"/>
-              </a:spcAft>
-              <a:buSzPts val="1400"/>
-              <a:buChar char="■"/>
-              <a:defRPr/>
-            </a:lvl6pPr>
-            <a:lvl7pPr marL="3200400" lvl="6" indent="-317500">
-              <a:spcBef>
-                <a:spcPts val="0"/>
-              </a:spcBef>
-              <a:spcAft>
-                <a:spcPts val="0"/>
-              </a:spcAft>
-              <a:buSzPts val="1400"/>
-              <a:buChar char="●"/>
-              <a:defRPr/>
-            </a:lvl7pPr>
-            <a:lvl8pPr marL="3657600" lvl="7" indent="-317500">
-              <a:spcBef>
-                <a:spcPts val="0"/>
-              </a:spcBef>
-              <a:spcAft>
-                <a:spcPts val="0"/>
-              </a:spcAft>
-              <a:buSzPts val="1400"/>
-              <a:buChar char="○"/>
-              <a:defRPr/>
-            </a:lvl8pPr>
-            <a:lvl9pPr marL="4114800" lvl="8" indent="-317500">
-              <a:spcBef>
-                <a:spcPts val="0"/>
-              </a:spcBef>
-              <a:spcAft>
-                <a:spcPts val="0"/>
-              </a:spcAft>
-              <a:buSzPts val="1400"/>
-              <a:buChar char="■"/>
-              <a:defRPr/>
-            </a:lvl9pPr>
-          </a:lstStyle>
-          <a:p>
-            <a:endParaRPr/>
-          </a:p>
-        </p:txBody>
-      </p:sp>
-      <p:sp>
-        <p:nvSpPr>
-          <p:cNvPr id="19" name="Google Shape;19;p4"/>
-          <p:cNvSpPr txBox="1">
-            <a:spLocks noGrp="1"/>
-          </p:cNvSpPr>
-          <p:nvPr>
-            <p:ph type="sldNum" idx="12"/>
-          </p:nvPr>
-        </p:nvSpPr>
-        <p:spPr>
-          <a:xfrm>
-            <a:off x="8472458" y="4663217"/>
-            <a:ext cx="548700" cy="393600"/>
-          </a:xfrm>
-          <a:prstGeom prst="rect">
-            <a:avLst/>
-          </a:prstGeom>
-        </p:spPr>
-        <p:txBody>
-          <a:bodyPr spcFirstLastPara="1" wrap="square" lIns="91425" tIns="91425" rIns="91425" bIns="91425" anchor="ctr" anchorCtr="0">
-            <a:normAutofit/>
-          </a:bodyPr>
-          <a:lstStyle>
-            <a:lvl1pPr lvl="0">
-              <a:buNone/>
-              <a:defRPr/>
-            </a:lvl1pPr>
-            <a:lvl2pPr lvl="1">
-              <a:buNone/>
-              <a:defRPr/>
-            </a:lvl2pPr>
-            <a:lvl3pPr lvl="2">
-              <a:buNone/>
-              <a:defRPr/>
-            </a:lvl3pPr>
-            <a:lvl4pPr lvl="3">
-              <a:buNone/>
-              <a:defRPr/>
-            </a:lvl4pPr>
-            <a:lvl5pPr lvl="4">
-              <a:buNone/>
-              <a:defRPr/>
-            </a:lvl5pPr>
-            <a:lvl6pPr lvl="5">
-              <a:buNone/>
-              <a:defRPr/>
-            </a:lvl6pPr>
-            <a:lvl7pPr lvl="6">
-              <a:buNone/>
-              <a:defRPr/>
-            </a:lvl7pPr>
-            <a:lvl8pPr lvl="7">
-              <a:buNone/>
-              <a:defRPr/>
-            </a:lvl8pPr>
-            <a:lvl9pPr lvl="8">
-              <a:buNone/>
-              <a:defRPr/>
-            </a:lvl9pPr>
-          </a:lstStyle>
-          <a:p>
-            <a:pPr marL="0" lvl="0" indent="0" algn="r" rtl="0">
-              <a:spcBef>
-                <a:spcPts val="0"/>
-              </a:spcBef>
-              <a:spcAft>
-                <a:spcPts val="0"/>
-              </a:spcAft>
-              <a:buNone/>
-            </a:pPr>
-            <a:fld id="{00000000-1234-1234-1234-123412341234}" type="slidenum">
-              <a:rPr lang="en"/>
-              <a:t>‹#›</a:t>
-            </a:fld>
-            <a:endParaRPr/>
-          </a:p>
-        </p:txBody>
-      </p:sp>
-    </p:spTree>
-  </p:cSld>
-  <p:clrMapOvr>
-    <a:masterClrMapping/>
-  </p:clrMapOvr>
-</p:sldLayout>
-</file>
-
-<file path=ppt/slideLayouts/slideLayout4.xml><?xml version="1.0" encoding="utf-8"?>
-<p:sldLayout xmlns:a="http://schemas.openxmlformats.org/drawingml/2006/main" xmlns:r="http://schemas.openxmlformats.org/officeDocument/2006/relationships" xmlns:p="http://schemas.openxmlformats.org/presentationml/2006/main" matchingName="Title and two columns" type="twoColTx">
-  <p:cSld name="TITLE_AND_TWO_COLUMNS">
-    <p:spTree>
-      <p:nvGrpSpPr>
-        <p:cNvPr id="1" name="Shape 20"/>
-        <p:cNvGrpSpPr/>
-        <p:nvPr/>
-      </p:nvGrpSpPr>
-      <p:grpSpPr>
-        <a:xfrm>
-          <a:off x="0" y="0"/>
-          <a:ext cx="0" cy="0"/>
-          <a:chOff x="0" y="0"/>
-          <a:chExt cx="0" cy="0"/>
-        </a:xfrm>
-      </p:grpSpPr>
-      <p:sp>
-        <p:nvSpPr>
-          <p:cNvPr id="21" name="Google Shape;21;p5"/>
-          <p:cNvSpPr txBox="1">
-            <a:spLocks noGrp="1"/>
-          </p:cNvSpPr>
-          <p:nvPr>
-            <p:ph type="title"/>
-          </p:nvPr>
-        </p:nvSpPr>
-        <p:spPr>
-          <a:xfrm>
-            <a:off x="311700" y="445025"/>
-            <a:ext cx="8520600" cy="572700"/>
-          </a:xfrm>
-          <a:prstGeom prst="rect">
-            <a:avLst/>
-          </a:prstGeom>
-        </p:spPr>
-        <p:txBody>
-          <a:bodyPr spcFirstLastPara="1" wrap="square" lIns="91425" tIns="91425" rIns="91425" bIns="91425" anchor="t" anchorCtr="0">
-            <a:normAutofit/>
-          </a:bodyPr>
-          <a:lstStyle>
-            <a:lvl1pPr lvl="0">
-              <a:spcBef>
-                <a:spcPts val="0"/>
-              </a:spcBef>
-              <a:spcAft>
-                <a:spcPts val="0"/>
-              </a:spcAft>
-              <a:buSzPts val="2800"/>
-              <a:buNone/>
-              <a:defRPr/>
-            </a:lvl1pPr>
-            <a:lvl2pPr lvl="1">
-              <a:spcBef>
-                <a:spcPts val="0"/>
-              </a:spcBef>
-              <a:spcAft>
-                <a:spcPts val="0"/>
-              </a:spcAft>
-              <a:buSzPts val="2800"/>
-              <a:buNone/>
-              <a:defRPr/>
-            </a:lvl2pPr>
-            <a:lvl3pPr lvl="2">
-              <a:spcBef>
-                <a:spcPts val="0"/>
-              </a:spcBef>
-              <a:spcAft>
-                <a:spcPts val="0"/>
-              </a:spcAft>
-              <a:buSzPts val="2800"/>
-              <a:buNone/>
-              <a:defRPr/>
-            </a:lvl3pPr>
-            <a:lvl4pPr lvl="3">
-              <a:spcBef>
-                <a:spcPts val="0"/>
-              </a:spcBef>
-              <a:spcAft>
-                <a:spcPts val="0"/>
-              </a:spcAft>
-              <a:buSzPts val="2800"/>
-              <a:buNone/>
-              <a:defRPr/>
-            </a:lvl4pPr>
-            <a:lvl5pPr lvl="4">
-              <a:spcBef>
-                <a:spcPts val="0"/>
-              </a:spcBef>
-              <a:spcAft>
-                <a:spcPts val="0"/>
-              </a:spcAft>
-              <a:buSzPts val="2800"/>
-              <a:buNone/>
-              <a:defRPr/>
-            </a:lvl5pPr>
-            <a:lvl6pPr lvl="5">
-              <a:spcBef>
-                <a:spcPts val="0"/>
-              </a:spcBef>
-              <a:spcAft>
-                <a:spcPts val="0"/>
-              </a:spcAft>
-              <a:buSzPts val="2800"/>
-              <a:buNone/>
-              <a:defRPr/>
-            </a:lvl6pPr>
-            <a:lvl7pPr lvl="6">
-              <a:spcBef>
-                <a:spcPts val="0"/>
-              </a:spcBef>
-              <a:spcAft>
-                <a:spcPts val="0"/>
-              </a:spcAft>
-              <a:buSzPts val="2800"/>
-              <a:buNone/>
-              <a:defRPr/>
-            </a:lvl7pPr>
-            <a:lvl8pPr lvl="7">
-              <a:spcBef>
-                <a:spcPts val="0"/>
-              </a:spcBef>
-              <a:spcAft>
-                <a:spcPts val="0"/>
-              </a:spcAft>
-              <a:buSzPts val="2800"/>
-              <a:buNone/>
-              <a:defRPr/>
-            </a:lvl8pPr>
-            <a:lvl9pPr lvl="8">
-              <a:spcBef>
-                <a:spcPts val="0"/>
-              </a:spcBef>
-              <a:spcAft>
-                <a:spcPts val="0"/>
-              </a:spcAft>
-              <a:buSzPts val="2800"/>
-              <a:buNone/>
-              <a:defRPr/>
-            </a:lvl9pPr>
-          </a:lstStyle>
-          <a:p>
-            <a:endParaRPr/>
-          </a:p>
-        </p:txBody>
-      </p:sp>
-      <p:sp>
-        <p:nvSpPr>
-          <p:cNvPr id="22" name="Google Shape;22;p5"/>
-          <p:cNvSpPr txBox="1">
-            <a:spLocks noGrp="1"/>
-          </p:cNvSpPr>
-          <p:nvPr>
-            <p:ph type="body" idx="1"/>
-          </p:nvPr>
-        </p:nvSpPr>
-        <p:spPr>
-          <a:xfrm>
-            <a:off x="311700" y="1152475"/>
-            <a:ext cx="3999900" cy="3416400"/>
-          </a:xfrm>
-          <a:prstGeom prst="rect">
-            <a:avLst/>
-          </a:prstGeom>
-        </p:spPr>
-        <p:txBody>
-          <a:bodyPr spcFirstLastPara="1" wrap="square" lIns="91425" tIns="91425" rIns="91425" bIns="91425" anchor="t" anchorCtr="0">
-            <a:normAutofit/>
-          </a:bodyPr>
-          <a:lstStyle>
-            <a:lvl1pPr marL="457200" lvl="0" indent="-317500">
-              <a:spcBef>
-                <a:spcPts val="0"/>
-              </a:spcBef>
-              <a:spcAft>
-                <a:spcPts val="0"/>
-              </a:spcAft>
-              <a:buSzPts val="1400"/>
-              <a:buChar char="●"/>
-              <a:defRPr sz="1400"/>
-            </a:lvl1pPr>
-            <a:lvl2pPr marL="914400" lvl="1" indent="-304800">
-              <a:spcBef>
-                <a:spcPts val="0"/>
-              </a:spcBef>
-              <a:spcAft>
-                <a:spcPts val="0"/>
-              </a:spcAft>
-              <a:buSzPts val="1200"/>
-              <a:buChar char="○"/>
-              <a:defRPr sz="1200"/>
-            </a:lvl2pPr>
-            <a:lvl3pPr marL="1371600" lvl="2" indent="-304800">
-              <a:spcBef>
-                <a:spcPts val="0"/>
-              </a:spcBef>
-              <a:spcAft>
-                <a:spcPts val="0"/>
-              </a:spcAft>
-              <a:buSzPts val="1200"/>
-              <a:buChar char="■"/>
-              <a:defRPr sz="1200"/>
-            </a:lvl3pPr>
-            <a:lvl4pPr marL="1828800" lvl="3" indent="-304800">
-              <a:spcBef>
-                <a:spcPts val="0"/>
-              </a:spcBef>
-              <a:spcAft>
-                <a:spcPts val="0"/>
-              </a:spcAft>
-              <a:buSzPts val="1200"/>
-              <a:buChar char="●"/>
-              <a:defRPr sz="1200"/>
-            </a:lvl4pPr>
-            <a:lvl5pPr marL="2286000" lvl="4" indent="-304800">
-              <a:spcBef>
-                <a:spcPts val="0"/>
-              </a:spcBef>
-              <a:spcAft>
-                <a:spcPts val="0"/>
-              </a:spcAft>
-              <a:buSzPts val="1200"/>
-              <a:buChar char="○"/>
-              <a:defRPr sz="1200"/>
-            </a:lvl5pPr>
-            <a:lvl6pPr marL="2743200" lvl="5" indent="-304800">
-              <a:spcBef>
-                <a:spcPts val="0"/>
-              </a:spcBef>
-              <a:spcAft>
-                <a:spcPts val="0"/>
-              </a:spcAft>
-              <a:buSzPts val="1200"/>
-              <a:buChar char="■"/>
-              <a:defRPr sz="1200"/>
-            </a:lvl6pPr>
-            <a:lvl7pPr marL="3200400" lvl="6" indent="-304800">
-              <a:spcBef>
-                <a:spcPts val="0"/>
-              </a:spcBef>
-              <a:spcAft>
-                <a:spcPts val="0"/>
-              </a:spcAft>
-              <a:buSzPts val="1200"/>
-              <a:buChar char="●"/>
-              <a:defRPr sz="1200"/>
-            </a:lvl7pPr>
-            <a:lvl8pPr marL="3657600" lvl="7" indent="-304800">
-              <a:spcBef>
-                <a:spcPts val="0"/>
-              </a:spcBef>
-              <a:spcAft>
-                <a:spcPts val="0"/>
-              </a:spcAft>
-              <a:buSzPts val="1200"/>
-              <a:buChar char="○"/>
-              <a:defRPr sz="1200"/>
-            </a:lvl8pPr>
-            <a:lvl9pPr marL="4114800" lvl="8" indent="-304800">
-              <a:spcBef>
-                <a:spcPts val="0"/>
-              </a:spcBef>
-              <a:spcAft>
-                <a:spcPts val="0"/>
-              </a:spcAft>
-              <a:buSzPts val="1200"/>
-              <a:buChar char="■"/>
-              <a:defRPr sz="1200"/>
-            </a:lvl9pPr>
-          </a:lstStyle>
-          <a:p>
-            <a:endParaRPr/>
-          </a:p>
-        </p:txBody>
-      </p:sp>
-      <p:sp>
-        <p:nvSpPr>
-          <p:cNvPr id="23" name="Google Shape;23;p5"/>
-          <p:cNvSpPr txBox="1">
-            <a:spLocks noGrp="1"/>
-          </p:cNvSpPr>
-          <p:nvPr>
-            <p:ph type="body" idx="2"/>
-          </p:nvPr>
-        </p:nvSpPr>
-        <p:spPr>
-          <a:xfrm>
-            <a:off x="4832400" y="1152475"/>
-            <a:ext cx="3999900" cy="3416400"/>
-          </a:xfrm>
-          <a:prstGeom prst="rect">
-            <a:avLst/>
-          </a:prstGeom>
-        </p:spPr>
-        <p:txBody>
-          <a:bodyPr spcFirstLastPara="1" wrap="square" lIns="91425" tIns="91425" rIns="91425" bIns="91425" anchor="t" anchorCtr="0">
-            <a:normAutofit/>
-          </a:bodyPr>
-          <a:lstStyle>
-            <a:lvl1pPr marL="457200" lvl="0" indent="-317500">
-              <a:spcBef>
-                <a:spcPts val="0"/>
-              </a:spcBef>
-              <a:spcAft>
-                <a:spcPts val="0"/>
-              </a:spcAft>
-              <a:buSzPts val="1400"/>
-              <a:buChar char="●"/>
-              <a:defRPr sz="1400"/>
-            </a:lvl1pPr>
-            <a:lvl2pPr marL="914400" lvl="1" indent="-304800">
-              <a:spcBef>
-                <a:spcPts val="0"/>
-              </a:spcBef>
-              <a:spcAft>
-                <a:spcPts val="0"/>
-              </a:spcAft>
-              <a:buSzPts val="1200"/>
-              <a:buChar char="○"/>
-              <a:defRPr sz="1200"/>
-            </a:lvl2pPr>
-            <a:lvl3pPr marL="1371600" lvl="2" indent="-304800">
-              <a:spcBef>
-                <a:spcPts val="0"/>
-              </a:spcBef>
-              <a:spcAft>
-                <a:spcPts val="0"/>
-              </a:spcAft>
-              <a:buSzPts val="1200"/>
-              <a:buChar char="■"/>
-              <a:defRPr sz="1200"/>
-            </a:lvl3pPr>
-            <a:lvl4pPr marL="1828800" lvl="3" indent="-304800">
-              <a:spcBef>
-                <a:spcPts val="0"/>
-              </a:spcBef>
-              <a:spcAft>
-                <a:spcPts val="0"/>
-              </a:spcAft>
-              <a:buSzPts val="1200"/>
-              <a:buChar char="●"/>
-              <a:defRPr sz="1200"/>
-            </a:lvl4pPr>
-            <a:lvl5pPr marL="2286000" lvl="4" indent="-304800">
-              <a:spcBef>
-                <a:spcPts val="0"/>
-              </a:spcBef>
-              <a:spcAft>
-                <a:spcPts val="0"/>
-              </a:spcAft>
-              <a:buSzPts val="1200"/>
-              <a:buChar char="○"/>
-              <a:defRPr sz="1200"/>
-            </a:lvl5pPr>
-            <a:lvl6pPr marL="2743200" lvl="5" indent="-304800">
-              <a:spcBef>
-                <a:spcPts val="0"/>
-              </a:spcBef>
-              <a:spcAft>
-                <a:spcPts val="0"/>
-              </a:spcAft>
-              <a:buSzPts val="1200"/>
-              <a:buChar char="■"/>
-              <a:defRPr sz="1200"/>
-            </a:lvl6pPr>
-            <a:lvl7pPr marL="3200400" lvl="6" indent="-304800">
-              <a:spcBef>
-                <a:spcPts val="0"/>
-              </a:spcBef>
-              <a:spcAft>
-                <a:spcPts val="0"/>
-              </a:spcAft>
-              <a:buSzPts val="1200"/>
-              <a:buChar char="●"/>
-              <a:defRPr sz="1200"/>
-            </a:lvl7pPr>
-            <a:lvl8pPr marL="3657600" lvl="7" indent="-304800">
-              <a:spcBef>
-                <a:spcPts val="0"/>
-              </a:spcBef>
-              <a:spcAft>
-                <a:spcPts val="0"/>
-              </a:spcAft>
-              <a:buSzPts val="1200"/>
-              <a:buChar char="○"/>
-              <a:defRPr sz="1200"/>
-            </a:lvl8pPr>
-            <a:lvl9pPr marL="4114800" lvl="8" indent="-304800">
-              <a:spcBef>
-                <a:spcPts val="0"/>
-              </a:spcBef>
-              <a:spcAft>
-                <a:spcPts val="0"/>
-              </a:spcAft>
-              <a:buSzPts val="1200"/>
-              <a:buChar char="■"/>
-              <a:defRPr sz="1200"/>
-            </a:lvl9pPr>
-          </a:lstStyle>
-          <a:p>
-            <a:endParaRPr/>
-          </a:p>
-        </p:txBody>
-      </p:sp>
-      <p:sp>
-        <p:nvSpPr>
-          <p:cNvPr id="24" name="Google Shape;24;p5"/>
-          <p:cNvSpPr txBox="1">
-            <a:spLocks noGrp="1"/>
-          </p:cNvSpPr>
-          <p:nvPr>
-            <p:ph type="sldNum" idx="12"/>
-          </p:nvPr>
-        </p:nvSpPr>
-        <p:spPr>
-          <a:xfrm>
-            <a:off x="8472458" y="4663217"/>
-            <a:ext cx="548700" cy="393600"/>
-          </a:xfrm>
-          <a:prstGeom prst="rect">
-            <a:avLst/>
-          </a:prstGeom>
-        </p:spPr>
-        <p:txBody>
-          <a:bodyPr spcFirstLastPara="1" wrap="square" lIns="91425" tIns="91425" rIns="91425" bIns="91425" anchor="ctr" anchorCtr="0">
-            <a:normAutofit/>
-          </a:bodyPr>
-          <a:lstStyle>
-            <a:lvl1pPr lvl="0">
-              <a:buNone/>
-              <a:defRPr/>
-            </a:lvl1pPr>
-            <a:lvl2pPr lvl="1">
-              <a:buNone/>
-              <a:defRPr/>
-            </a:lvl2pPr>
-            <a:lvl3pPr lvl="2">
-              <a:buNone/>
-              <a:defRPr/>
-            </a:lvl3pPr>
-            <a:lvl4pPr lvl="3">
-              <a:buNone/>
-              <a:defRPr/>
-            </a:lvl4pPr>
-            <a:lvl5pPr lvl="4">
-              <a:buNone/>
-              <a:defRPr/>
-            </a:lvl5pPr>
-            <a:lvl6pPr lvl="5">
-              <a:buNone/>
-              <a:defRPr/>
-            </a:lvl6pPr>
-            <a:lvl7pPr lvl="6">
-              <a:buNone/>
-              <a:defRPr/>
-            </a:lvl7pPr>
-            <a:lvl8pPr lvl="7">
-              <a:buNone/>
-              <a:defRPr/>
-            </a:lvl8pPr>
-            <a:lvl9pPr lvl="8">
-              <a:buNone/>
-              <a:defRPr/>
-            </a:lvl9pPr>
-          </a:lstStyle>
-          <a:p>
-            <a:pPr marL="0" lvl="0" indent="0" algn="r" rtl="0">
-              <a:spcBef>
-                <a:spcPts val="0"/>
-              </a:spcBef>
-              <a:spcAft>
-                <a:spcPts val="0"/>
-              </a:spcAft>
-              <a:buNone/>
-            </a:pPr>
-            <a:fld id="{00000000-1234-1234-1234-123412341234}" type="slidenum">
-              <a:rPr lang="en"/>
-              <a:t>‹#›</a:t>
-            </a:fld>
-            <a:endParaRPr/>
-          </a:p>
-        </p:txBody>
-      </p:sp>
-    </p:spTree>
-  </p:cSld>
-  <p:clrMapOvr>
-    <a:masterClrMapping/>
-  </p:clrMapOvr>
-</p:sldLayout>
-</file>
-
-<file path=ppt/slideLayouts/slideLayout5.xml><?xml version="1.0" encoding="utf-8"?>
-<p:sldLayout xmlns:a="http://schemas.openxmlformats.org/drawingml/2006/main" xmlns:r="http://schemas.openxmlformats.org/officeDocument/2006/relationships" xmlns:p="http://schemas.openxmlformats.org/presentationml/2006/main" matchingName="Title only" type="titleOnly">
-  <p:cSld name="TITLE_ONLY">
-    <p:spTree>
-      <p:nvGrpSpPr>
-        <p:cNvPr id="1" name="Shape 25"/>
-        <p:cNvGrpSpPr/>
-        <p:nvPr/>
-      </p:nvGrpSpPr>
-      <p:grpSpPr>
-        <a:xfrm>
-          <a:off x="0" y="0"/>
-          <a:ext cx="0" cy="0"/>
-          <a:chOff x="0" y="0"/>
-          <a:chExt cx="0" cy="0"/>
-        </a:xfrm>
-      </p:grpSpPr>
-      <p:sp>
-        <p:nvSpPr>
-          <p:cNvPr id="26" name="Google Shape;26;p6"/>
-          <p:cNvSpPr txBox="1">
-            <a:spLocks noGrp="1"/>
-          </p:cNvSpPr>
-          <p:nvPr>
-            <p:ph type="title"/>
-          </p:nvPr>
-        </p:nvSpPr>
-        <p:spPr>
-          <a:xfrm>
-            <a:off x="311700" y="445025"/>
-            <a:ext cx="8520600" cy="572700"/>
-          </a:xfrm>
-          <a:prstGeom prst="rect">
-            <a:avLst/>
-          </a:prstGeom>
-        </p:spPr>
-        <p:txBody>
-          <a:bodyPr spcFirstLastPara="1" wrap="square" lIns="91425" tIns="91425" rIns="91425" bIns="91425" anchor="t" anchorCtr="0">
-            <a:normAutofit/>
-          </a:bodyPr>
-          <a:lstStyle>
-            <a:lvl1pPr lvl="0">
-              <a:spcBef>
-                <a:spcPts val="0"/>
-              </a:spcBef>
-              <a:spcAft>
-                <a:spcPts val="0"/>
-              </a:spcAft>
-              <a:buSzPts val="2800"/>
-              <a:buNone/>
-              <a:defRPr/>
-            </a:lvl1pPr>
-            <a:lvl2pPr lvl="1">
-              <a:spcBef>
-                <a:spcPts val="0"/>
-              </a:spcBef>
-              <a:spcAft>
-                <a:spcPts val="0"/>
-              </a:spcAft>
-              <a:buSzPts val="2800"/>
-              <a:buNone/>
-              <a:defRPr/>
-            </a:lvl2pPr>
-            <a:lvl3pPr lvl="2">
-              <a:spcBef>
-                <a:spcPts val="0"/>
-              </a:spcBef>
-              <a:spcAft>
-                <a:spcPts val="0"/>
-              </a:spcAft>
-              <a:buSzPts val="2800"/>
-              <a:buNone/>
-              <a:defRPr/>
-            </a:lvl3pPr>
-            <a:lvl4pPr lvl="3">
-              <a:spcBef>
-                <a:spcPts val="0"/>
-              </a:spcBef>
-              <a:spcAft>
-                <a:spcPts val="0"/>
-              </a:spcAft>
-              <a:buSzPts val="2800"/>
-              <a:buNone/>
-              <a:defRPr/>
-            </a:lvl4pPr>
-            <a:lvl5pPr lvl="4">
-              <a:spcBef>
-                <a:spcPts val="0"/>
-              </a:spcBef>
-              <a:spcAft>
-                <a:spcPts val="0"/>
-              </a:spcAft>
-              <a:buSzPts val="2800"/>
-              <a:buNone/>
-              <a:defRPr/>
-            </a:lvl5pPr>
-            <a:lvl6pPr lvl="5">
-              <a:spcBef>
-                <a:spcPts val="0"/>
-              </a:spcBef>
-              <a:spcAft>
-                <a:spcPts val="0"/>
-              </a:spcAft>
-              <a:buSzPts val="2800"/>
-              <a:buNone/>
-              <a:defRPr/>
-            </a:lvl6pPr>
-            <a:lvl7pPr lvl="6">
-              <a:spcBef>
-                <a:spcPts val="0"/>
-              </a:spcBef>
-              <a:spcAft>
-                <a:spcPts val="0"/>
-              </a:spcAft>
-              <a:buSzPts val="2800"/>
-              <a:buNone/>
-              <a:defRPr/>
-            </a:lvl7pPr>
-            <a:lvl8pPr lvl="7">
-              <a:spcBef>
-                <a:spcPts val="0"/>
-              </a:spcBef>
-              <a:spcAft>
-                <a:spcPts val="0"/>
-              </a:spcAft>
-              <a:buSzPts val="2800"/>
-              <a:buNone/>
-              <a:defRPr/>
-            </a:lvl8pPr>
-            <a:lvl9pPr lvl="8">
-              <a:spcBef>
-                <a:spcPts val="0"/>
-              </a:spcBef>
-              <a:spcAft>
-                <a:spcPts val="0"/>
-              </a:spcAft>
-              <a:buSzPts val="2800"/>
-              <a:buNone/>
-              <a:defRPr/>
-            </a:lvl9pPr>
-          </a:lstStyle>
-          <a:p>
-            <a:endParaRPr/>
-          </a:p>
-        </p:txBody>
-      </p:sp>
-      <p:sp>
-        <p:nvSpPr>
-          <p:cNvPr id="27" name="Google Shape;27;p6"/>
-          <p:cNvSpPr txBox="1">
-            <a:spLocks noGrp="1"/>
-          </p:cNvSpPr>
-          <p:nvPr>
-            <p:ph type="sldNum" idx="12"/>
-          </p:nvPr>
-        </p:nvSpPr>
-        <p:spPr>
-          <a:xfrm>
-            <a:off x="8472458" y="4663217"/>
-            <a:ext cx="548700" cy="393600"/>
-          </a:xfrm>
-          <a:prstGeom prst="rect">
-            <a:avLst/>
-          </a:prstGeom>
-        </p:spPr>
-        <p:txBody>
-          <a:bodyPr spcFirstLastPara="1" wrap="square" lIns="91425" tIns="91425" rIns="91425" bIns="91425" anchor="ctr" anchorCtr="0">
-            <a:normAutofit/>
-          </a:bodyPr>
-          <a:lstStyle>
-            <a:lvl1pPr lvl="0">
-              <a:buNone/>
-              <a:defRPr/>
-            </a:lvl1pPr>
-            <a:lvl2pPr lvl="1">
-              <a:buNone/>
-              <a:defRPr/>
-            </a:lvl2pPr>
-            <a:lvl3pPr lvl="2">
-              <a:buNone/>
-              <a:defRPr/>
-            </a:lvl3pPr>
-            <a:lvl4pPr lvl="3">
-              <a:buNone/>
-              <a:defRPr/>
-            </a:lvl4pPr>
-            <a:lvl5pPr lvl="4">
-              <a:buNone/>
-              <a:defRPr/>
-            </a:lvl5pPr>
-            <a:lvl6pPr lvl="5">
-              <a:buNone/>
-              <a:defRPr/>
-            </a:lvl6pPr>
-            <a:lvl7pPr lvl="6">
-              <a:buNone/>
-              <a:defRPr/>
-            </a:lvl7pPr>
-            <a:lvl8pPr lvl="7">
-              <a:buNone/>
-              <a:defRPr/>
-            </a:lvl8pPr>
-            <a:lvl9pPr lvl="8">
-              <a:buNone/>
-              <a:defRPr/>
-            </a:lvl9pPr>
-          </a:lstStyle>
-          <a:p>
-            <a:pPr marL="0" lvl="0" indent="0" algn="r" rtl="0">
-              <a:spcBef>
-                <a:spcPts val="0"/>
-              </a:spcBef>
-              <a:spcAft>
-                <a:spcPts val="0"/>
-              </a:spcAft>
-              <a:buNone/>
-            </a:pPr>
-            <a:fld id="{00000000-1234-1234-1234-123412341234}" type="slidenum">
-              <a:rPr lang="en"/>
-              <a:t>‹#›</a:t>
-            </a:fld>
-            <a:endParaRPr/>
-          </a:p>
-        </p:txBody>
-      </p:sp>
-    </p:spTree>
-  </p:cSld>
-  <p:clrMapOvr>
-    <a:masterClrMapping/>
-  </p:clrMapOvr>
-</p:sldLayout>
-</file>
-
-<file path=ppt/slideLayouts/slideLayout6.xml><?xml version="1.0" encoding="utf-8"?>
-<p:sldLayout xmlns:a="http://schemas.openxmlformats.org/drawingml/2006/main" xmlns:r="http://schemas.openxmlformats.org/officeDocument/2006/relationships" xmlns:p="http://schemas.openxmlformats.org/presentationml/2006/main" matchingName="One column text">
-  <p:cSld name="ONE_COLUMN_TEXT">
-    <p:spTree>
-      <p:nvGrpSpPr>
-        <p:cNvPr id="1" name="Shape 28"/>
-        <p:cNvGrpSpPr/>
-        <p:nvPr/>
-      </p:nvGrpSpPr>
-      <p:grpSpPr>
-        <a:xfrm>
-          <a:off x="0" y="0"/>
-          <a:ext cx="0" cy="0"/>
-          <a:chOff x="0" y="0"/>
-          <a:chExt cx="0" cy="0"/>
-        </a:xfrm>
-      </p:grpSpPr>
-      <p:sp>
-        <p:nvSpPr>
-          <p:cNvPr id="29" name="Google Shape;29;p7"/>
-          <p:cNvSpPr txBox="1">
-            <a:spLocks noGrp="1"/>
-          </p:cNvSpPr>
-          <p:nvPr>
-            <p:ph type="title"/>
-          </p:nvPr>
-        </p:nvSpPr>
-        <p:spPr>
-          <a:xfrm>
-            <a:off x="311700" y="555600"/>
-            <a:ext cx="2808000" cy="755700"/>
-          </a:xfrm>
-          <a:prstGeom prst="rect">
-            <a:avLst/>
-          </a:prstGeom>
-        </p:spPr>
-        <p:txBody>
-          <a:bodyPr spcFirstLastPara="1" wrap="square" lIns="91425" tIns="91425" rIns="91425" bIns="91425" anchor="b" anchorCtr="0">
-            <a:normAutofit/>
-          </a:bodyPr>
-          <a:lstStyle>
-            <a:lvl1pPr lvl="0">
-              <a:spcBef>
-                <a:spcPts val="0"/>
-              </a:spcBef>
-              <a:spcAft>
-                <a:spcPts val="0"/>
-              </a:spcAft>
-              <a:buSzPts val="2400"/>
-              <a:buNone/>
-              <a:defRPr sz="2400"/>
-            </a:lvl1pPr>
-            <a:lvl2pPr lvl="1">
-              <a:spcBef>
-                <a:spcPts val="0"/>
-              </a:spcBef>
-              <a:spcAft>
-                <a:spcPts val="0"/>
-              </a:spcAft>
-              <a:buSzPts val="2400"/>
-              <a:buNone/>
-              <a:defRPr sz="2400"/>
-            </a:lvl2pPr>
-            <a:lvl3pPr lvl="2">
-              <a:spcBef>
-                <a:spcPts val="0"/>
-              </a:spcBef>
-              <a:spcAft>
-                <a:spcPts val="0"/>
-              </a:spcAft>
-              <a:buSzPts val="2400"/>
-              <a:buNone/>
-              <a:defRPr sz="2400"/>
-            </a:lvl3pPr>
-            <a:lvl4pPr lvl="3">
-              <a:spcBef>
-                <a:spcPts val="0"/>
-              </a:spcBef>
-              <a:spcAft>
-                <a:spcPts val="0"/>
-              </a:spcAft>
-              <a:buSzPts val="2400"/>
-              <a:buNone/>
-              <a:defRPr sz="2400"/>
-            </a:lvl4pPr>
-            <a:lvl5pPr lvl="4">
-              <a:spcBef>
-                <a:spcPts val="0"/>
-              </a:spcBef>
-              <a:spcAft>
-                <a:spcPts val="0"/>
-              </a:spcAft>
-              <a:buSzPts val="2400"/>
-              <a:buNone/>
-              <a:defRPr sz="2400"/>
-            </a:lvl5pPr>
-            <a:lvl6pPr lvl="5">
-              <a:spcBef>
-                <a:spcPts val="0"/>
-              </a:spcBef>
-              <a:spcAft>
-                <a:spcPts val="0"/>
-              </a:spcAft>
-              <a:buSzPts val="2400"/>
-              <a:buNone/>
-              <a:defRPr sz="2400"/>
-            </a:lvl6pPr>
-            <a:lvl7pPr lvl="6">
-              <a:spcBef>
-                <a:spcPts val="0"/>
-              </a:spcBef>
-              <a:spcAft>
-                <a:spcPts val="0"/>
-              </a:spcAft>
-              <a:buSzPts val="2400"/>
-              <a:buNone/>
-              <a:defRPr sz="2400"/>
-            </a:lvl7pPr>
-            <a:lvl8pPr lvl="7">
-              <a:spcBef>
-                <a:spcPts val="0"/>
-              </a:spcBef>
-              <a:spcAft>
-                <a:spcPts val="0"/>
-              </a:spcAft>
-              <a:buSzPts val="2400"/>
-              <a:buNone/>
-              <a:defRPr sz="2400"/>
-            </a:lvl8pPr>
-            <a:lvl9pPr lvl="8">
-              <a:spcBef>
-                <a:spcPts val="0"/>
-              </a:spcBef>
-              <a:spcAft>
-                <a:spcPts val="0"/>
-              </a:spcAft>
-              <a:buSzPts val="2400"/>
-              <a:buNone/>
-              <a:defRPr sz="2400"/>
-            </a:lvl9pPr>
-          </a:lstStyle>
-          <a:p>
-            <a:endParaRPr/>
-          </a:p>
-        </p:txBody>
-      </p:sp>
-      <p:sp>
-        <p:nvSpPr>
-          <p:cNvPr id="30" name="Google Shape;30;p7"/>
-          <p:cNvSpPr txBox="1">
-            <a:spLocks noGrp="1"/>
-          </p:cNvSpPr>
-          <p:nvPr>
-            <p:ph type="body" idx="1"/>
-          </p:nvPr>
-        </p:nvSpPr>
-        <p:spPr>
-          <a:xfrm>
-            <a:off x="311700" y="1389600"/>
-            <a:ext cx="2808000" cy="3179400"/>
-          </a:xfrm>
-          <a:prstGeom prst="rect">
-            <a:avLst/>
-          </a:prstGeom>
-        </p:spPr>
-        <p:txBody>
-          <a:bodyPr spcFirstLastPara="1" wrap="square" lIns="91425" tIns="91425" rIns="91425" bIns="91425" anchor="t" anchorCtr="0">
-            <a:normAutofit/>
-          </a:bodyPr>
-          <a:lstStyle>
-            <a:lvl1pPr marL="457200" lvl="0" indent="-304800">
-              <a:spcBef>
-                <a:spcPts val="0"/>
-              </a:spcBef>
-              <a:spcAft>
-                <a:spcPts val="0"/>
-              </a:spcAft>
-              <a:buSzPts val="1200"/>
-              <a:buChar char="●"/>
-              <a:defRPr sz="1200"/>
-            </a:lvl1pPr>
-            <a:lvl2pPr marL="914400" lvl="1" indent="-304800">
-              <a:spcBef>
-                <a:spcPts val="0"/>
-              </a:spcBef>
-              <a:spcAft>
-                <a:spcPts val="0"/>
-              </a:spcAft>
-              <a:buSzPts val="1200"/>
-              <a:buChar char="○"/>
-              <a:defRPr sz="1200"/>
-            </a:lvl2pPr>
-            <a:lvl3pPr marL="1371600" lvl="2" indent="-304800">
-              <a:spcBef>
-                <a:spcPts val="0"/>
-              </a:spcBef>
-              <a:spcAft>
-                <a:spcPts val="0"/>
-              </a:spcAft>
-              <a:buSzPts val="1200"/>
-              <a:buChar char="■"/>
-              <a:defRPr sz="1200"/>
-            </a:lvl3pPr>
-            <a:lvl4pPr marL="1828800" lvl="3" indent="-304800">
-              <a:spcBef>
-                <a:spcPts val="0"/>
-              </a:spcBef>
-              <a:spcAft>
-                <a:spcPts val="0"/>
-              </a:spcAft>
-              <a:buSzPts val="1200"/>
-              <a:buChar char="●"/>
-              <a:defRPr sz="1200"/>
-            </a:lvl4pPr>
-            <a:lvl5pPr marL="2286000" lvl="4" indent="-304800">
-              <a:spcBef>
-                <a:spcPts val="0"/>
-              </a:spcBef>
-              <a:spcAft>
-                <a:spcPts val="0"/>
-              </a:spcAft>
-              <a:buSzPts val="1200"/>
-              <a:buChar char="○"/>
-              <a:defRPr sz="1200"/>
-            </a:lvl5pPr>
-            <a:lvl6pPr marL="2743200" lvl="5" indent="-304800">
-              <a:spcBef>
-                <a:spcPts val="0"/>
-              </a:spcBef>
-              <a:spcAft>
-                <a:spcPts val="0"/>
-              </a:spcAft>
-              <a:buSzPts val="1200"/>
-              <a:buChar char="■"/>
-              <a:defRPr sz="1200"/>
-            </a:lvl6pPr>
-            <a:lvl7pPr marL="3200400" lvl="6" indent="-304800">
-              <a:spcBef>
-                <a:spcPts val="0"/>
-              </a:spcBef>
-              <a:spcAft>
-                <a:spcPts val="0"/>
-              </a:spcAft>
-              <a:buSzPts val="1200"/>
-              <a:buChar char="●"/>
-              <a:defRPr sz="1200"/>
-            </a:lvl7pPr>
-            <a:lvl8pPr marL="3657600" lvl="7" indent="-304800">
-              <a:spcBef>
-                <a:spcPts val="0"/>
-              </a:spcBef>
-              <a:spcAft>
-                <a:spcPts val="0"/>
-              </a:spcAft>
-              <a:buSzPts val="1200"/>
-              <a:buChar char="○"/>
-              <a:defRPr sz="1200"/>
-            </a:lvl8pPr>
-            <a:lvl9pPr marL="4114800" lvl="8" indent="-304800">
-              <a:spcBef>
-                <a:spcPts val="0"/>
-              </a:spcBef>
-              <a:spcAft>
-                <a:spcPts val="0"/>
-              </a:spcAft>
-              <a:buSzPts val="1200"/>
-              <a:buChar char="■"/>
-              <a:defRPr sz="1200"/>
-            </a:lvl9pPr>
-          </a:lstStyle>
-          <a:p>
-            <a:endParaRPr/>
-          </a:p>
-        </p:txBody>
-      </p:sp>
-      <p:sp>
-        <p:nvSpPr>
-          <p:cNvPr id="31" name="Google Shape;31;p7"/>
-          <p:cNvSpPr txBox="1">
-            <a:spLocks noGrp="1"/>
-          </p:cNvSpPr>
-          <p:nvPr>
-            <p:ph type="sldNum" idx="12"/>
-          </p:nvPr>
-        </p:nvSpPr>
-        <p:spPr>
-          <a:xfrm>
-            <a:off x="8472458" y="4663217"/>
-            <a:ext cx="548700" cy="393600"/>
-          </a:xfrm>
-          <a:prstGeom prst="rect">
-            <a:avLst/>
-          </a:prstGeom>
-        </p:spPr>
-        <p:txBody>
-          <a:bodyPr spcFirstLastPara="1" wrap="square" lIns="91425" tIns="91425" rIns="91425" bIns="91425" anchor="ctr" anchorCtr="0">
-            <a:normAutofit/>
-          </a:bodyPr>
-          <a:lstStyle>
-            <a:lvl1pPr lvl="0">
-              <a:buNone/>
-              <a:defRPr/>
-            </a:lvl1pPr>
-            <a:lvl2pPr lvl="1">
-              <a:buNone/>
-              <a:defRPr/>
-            </a:lvl2pPr>
-            <a:lvl3pPr lvl="2">
-              <a:buNone/>
-              <a:defRPr/>
-            </a:lvl3pPr>
-            <a:lvl4pPr lvl="3">
-              <a:buNone/>
-              <a:defRPr/>
-            </a:lvl4pPr>
-            <a:lvl5pPr lvl="4">
-              <a:buNone/>
-              <a:defRPr/>
-            </a:lvl5pPr>
-            <a:lvl6pPr lvl="5">
-              <a:buNone/>
-              <a:defRPr/>
-            </a:lvl6pPr>
-            <a:lvl7pPr lvl="6">
-              <a:buNone/>
-              <a:defRPr/>
-            </a:lvl7pPr>
-            <a:lvl8pPr lvl="7">
-              <a:buNone/>
-              <a:defRPr/>
-            </a:lvl8pPr>
-            <a:lvl9pPr lvl="8">
-              <a:buNone/>
-              <a:defRPr/>
-            </a:lvl9pPr>
-          </a:lstStyle>
-          <a:p>
-            <a:pPr marL="0" lvl="0" indent="0" algn="r" rtl="0">
-              <a:spcBef>
-                <a:spcPts val="0"/>
-              </a:spcBef>
-              <a:spcAft>
-                <a:spcPts val="0"/>
-              </a:spcAft>
-              <a:buNone/>
-            </a:pPr>
-            <a:fld id="{00000000-1234-1234-1234-123412341234}" type="slidenum">
-              <a:rPr lang="en"/>
-              <a:t>‹#›</a:t>
-            </a:fld>
-            <a:endParaRPr/>
-          </a:p>
-        </p:txBody>
-      </p:sp>
-    </p:spTree>
-  </p:cSld>
-  <p:clrMapOvr>
-    <a:masterClrMapping/>
-  </p:clrMapOvr>
-</p:sldLayout>
-</file>
-
-<file path=ppt/slideLayouts/slideLayout7.xml><?xml version="1.0" encoding="utf-8"?>
-<p:sldLayout xmlns:a="http://schemas.openxmlformats.org/drawingml/2006/main" xmlns:r="http://schemas.openxmlformats.org/officeDocument/2006/relationships" xmlns:p="http://schemas.openxmlformats.org/presentationml/2006/main" matchingName="Main point">
-  <p:cSld name="MAIN_POINT">
-    <p:spTree>
-      <p:nvGrpSpPr>
-        <p:cNvPr id="1" name="Shape 32"/>
-        <p:cNvGrpSpPr/>
-        <p:nvPr/>
-      </p:nvGrpSpPr>
-      <p:grpSpPr>
-        <a:xfrm>
-          <a:off x="0" y="0"/>
-          <a:ext cx="0" cy="0"/>
-          <a:chOff x="0" y="0"/>
-          <a:chExt cx="0" cy="0"/>
-        </a:xfrm>
-      </p:grpSpPr>
-      <p:sp>
-        <p:nvSpPr>
-          <p:cNvPr id="33" name="Google Shape;33;p8"/>
-          <p:cNvSpPr txBox="1">
-            <a:spLocks noGrp="1"/>
-          </p:cNvSpPr>
-          <p:nvPr>
-            <p:ph type="title"/>
-          </p:nvPr>
-        </p:nvSpPr>
-        <p:spPr>
-          <a:xfrm>
-            <a:off x="490250" y="450150"/>
-            <a:ext cx="6367800" cy="4090800"/>
-          </a:xfrm>
-          <a:prstGeom prst="rect">
-            <a:avLst/>
-          </a:prstGeom>
-        </p:spPr>
-        <p:txBody>
-          <a:bodyPr spcFirstLastPara="1" wrap="square" lIns="91425" tIns="91425" rIns="91425" bIns="91425" anchor="ctr" anchorCtr="0">
-            <a:normAutofit/>
-          </a:bodyPr>
-          <a:lstStyle>
-            <a:lvl1pPr lvl="0">
-              <a:spcBef>
-                <a:spcPts val="0"/>
-              </a:spcBef>
-              <a:spcAft>
-                <a:spcPts val="0"/>
-              </a:spcAft>
-              <a:buSzPts val="4800"/>
-              <a:buNone/>
-              <a:defRPr sz="4800"/>
-            </a:lvl1pPr>
-            <a:lvl2pPr lvl="1">
-              <a:spcBef>
-                <a:spcPts val="0"/>
-              </a:spcBef>
-              <a:spcAft>
-                <a:spcPts val="0"/>
-              </a:spcAft>
-              <a:buSzPts val="4800"/>
-              <a:buNone/>
-              <a:defRPr sz="4800"/>
-            </a:lvl2pPr>
-            <a:lvl3pPr lvl="2">
-              <a:spcBef>
-                <a:spcPts val="0"/>
-              </a:spcBef>
-              <a:spcAft>
-                <a:spcPts val="0"/>
-              </a:spcAft>
-              <a:buSzPts val="4800"/>
-              <a:buNone/>
-              <a:defRPr sz="4800"/>
-            </a:lvl3pPr>
-            <a:lvl4pPr lvl="3">
-              <a:spcBef>
-                <a:spcPts val="0"/>
-              </a:spcBef>
-              <a:spcAft>
-                <a:spcPts val="0"/>
-              </a:spcAft>
-              <a:buSzPts val="4800"/>
-              <a:buNone/>
-              <a:defRPr sz="4800"/>
-            </a:lvl4pPr>
-            <a:lvl5pPr lvl="4">
-              <a:spcBef>
-                <a:spcPts val="0"/>
-              </a:spcBef>
-              <a:spcAft>
-                <a:spcPts val="0"/>
-              </a:spcAft>
-              <a:buSzPts val="4800"/>
-              <a:buNone/>
-              <a:defRPr sz="4800"/>
-            </a:lvl5pPr>
-            <a:lvl6pPr lvl="5">
-              <a:spcBef>
-                <a:spcPts val="0"/>
-              </a:spcBef>
-              <a:spcAft>
-                <a:spcPts val="0"/>
-              </a:spcAft>
-              <a:buSzPts val="4800"/>
-              <a:buNone/>
-              <a:defRPr sz="4800"/>
-            </a:lvl6pPr>
-            <a:lvl7pPr lvl="6">
-              <a:spcBef>
-                <a:spcPts val="0"/>
-              </a:spcBef>
-              <a:spcAft>
-                <a:spcPts val="0"/>
-              </a:spcAft>
-              <a:buSzPts val="4800"/>
-              <a:buNone/>
-              <a:defRPr sz="4800"/>
-            </a:lvl7pPr>
-            <a:lvl8pPr lvl="7">
-              <a:spcBef>
-                <a:spcPts val="0"/>
-              </a:spcBef>
-              <a:spcAft>
-                <a:spcPts val="0"/>
-              </a:spcAft>
-              <a:buSzPts val="4800"/>
-              <a:buNone/>
-              <a:defRPr sz="4800"/>
-            </a:lvl8pPr>
-            <a:lvl9pPr lvl="8">
-              <a:spcBef>
-                <a:spcPts val="0"/>
-              </a:spcBef>
-              <a:spcAft>
-                <a:spcPts val="0"/>
-              </a:spcAft>
-              <a:buSzPts val="4800"/>
-              <a:buNone/>
-              <a:defRPr sz="4800"/>
-            </a:lvl9pPr>
-          </a:lstStyle>
-          <a:p>
-            <a:endParaRPr/>
-          </a:p>
-        </p:txBody>
-      </p:sp>
-      <p:sp>
-        <p:nvSpPr>
-          <p:cNvPr id="34" name="Google Shape;34;p8"/>
-          <p:cNvSpPr txBox="1">
-            <a:spLocks noGrp="1"/>
-          </p:cNvSpPr>
-          <p:nvPr>
-            <p:ph type="sldNum" idx="12"/>
-          </p:nvPr>
-        </p:nvSpPr>
-        <p:spPr>
-          <a:xfrm>
-            <a:off x="8472458" y="4663217"/>
-            <a:ext cx="548700" cy="393600"/>
-          </a:xfrm>
-          <a:prstGeom prst="rect">
-            <a:avLst/>
-          </a:prstGeom>
-        </p:spPr>
-        <p:txBody>
-          <a:bodyPr spcFirstLastPara="1" wrap="square" lIns="91425" tIns="91425" rIns="91425" bIns="91425" anchor="ctr" anchorCtr="0">
-            <a:normAutofit/>
-          </a:bodyPr>
-          <a:lstStyle>
-            <a:lvl1pPr lvl="0">
-              <a:buNone/>
-              <a:defRPr/>
-            </a:lvl1pPr>
-            <a:lvl2pPr lvl="1">
-              <a:buNone/>
-              <a:defRPr/>
-            </a:lvl2pPr>
-            <a:lvl3pPr lvl="2">
-              <a:buNone/>
-              <a:defRPr/>
-            </a:lvl3pPr>
-            <a:lvl4pPr lvl="3">
-              <a:buNone/>
-              <a:defRPr/>
-            </a:lvl4pPr>
-            <a:lvl5pPr lvl="4">
-              <a:buNone/>
-              <a:defRPr/>
-            </a:lvl5pPr>
-            <a:lvl6pPr lvl="5">
-              <a:buNone/>
-              <a:defRPr/>
-            </a:lvl6pPr>
-            <a:lvl7pPr lvl="6">
-              <a:buNone/>
-              <a:defRPr/>
-            </a:lvl7pPr>
-            <a:lvl8pPr lvl="7">
-              <a:buNone/>
-              <a:defRPr/>
-            </a:lvl8pPr>
-            <a:lvl9pPr lvl="8">
-              <a:buNone/>
-              <a:defRPr/>
-            </a:lvl9pPr>
-          </a:lstStyle>
-          <a:p>
-            <a:pPr marL="0" lvl="0" indent="0" algn="r" rtl="0">
-              <a:spcBef>
-                <a:spcPts val="0"/>
-              </a:spcBef>
-              <a:spcAft>
-                <a:spcPts val="0"/>
-              </a:spcAft>
-              <a:buNone/>
-            </a:pPr>
-            <a:fld id="{00000000-1234-1234-1234-123412341234}" type="slidenum">
-              <a:rPr lang="en"/>
-              <a:t>‹#›</a:t>
-            </a:fld>
-            <a:endParaRPr/>
-          </a:p>
-        </p:txBody>
-      </p:sp>
-    </p:spTree>
-  </p:cSld>
-  <p:clrMapOvr>
-    <a:masterClrMapping/>
-  </p:clrMapOvr>
-</p:sldLayout>
-</file>
-
-<file path=ppt/slideLayouts/slideLayout8.xml><?xml version="1.0" encoding="utf-8"?>
-<p:sldLayout xmlns:a="http://schemas.openxmlformats.org/drawingml/2006/main" xmlns:r="http://schemas.openxmlformats.org/officeDocument/2006/relationships" xmlns:p="http://schemas.openxmlformats.org/presentationml/2006/main" matchingName="Section title and description">
-  <p:cSld name="SECTION_TITLE_AND_DESCRIPTION">
-    <p:spTree>
-      <p:nvGrpSpPr>
-        <p:cNvPr id="1" name="Shape 35"/>
-        <p:cNvGrpSpPr/>
-        <p:nvPr/>
-      </p:nvGrpSpPr>
-      <p:grpSpPr>
-        <a:xfrm>
-          <a:off x="0" y="0"/>
-          <a:ext cx="0" cy="0"/>
-          <a:chOff x="0" y="0"/>
-          <a:chExt cx="0" cy="0"/>
-        </a:xfrm>
-      </p:grpSpPr>
-      <p:sp>
-        <p:nvSpPr>
-          <p:cNvPr id="36" name="Google Shape;36;p9"/>
-          <p:cNvSpPr/>
-          <p:nvPr/>
-        </p:nvSpPr>
-        <p:spPr>
-          <a:xfrm>
-            <a:off x="4572000" y="-125"/>
-            <a:ext cx="4572000" cy="5143500"/>
-          </a:xfrm>
-          <a:prstGeom prst="rect">
-            <a:avLst/>
-          </a:prstGeom>
-          <a:solidFill>
-            <a:schemeClr val="lt2"/>
-          </a:solidFill>
-          <a:ln>
-            <a:noFill/>
-          </a:ln>
-        </p:spPr>
-        <p:txBody>
-          <a:bodyPr spcFirstLastPara="1" wrap="square" lIns="91425" tIns="91425" rIns="91425" bIns="91425" anchor="ctr" anchorCtr="0">
-            <a:noAutofit/>
-          </a:bodyPr>
-          <a:lstStyle/>
-          <a:p>
-            <a:pPr marL="0" lvl="0" indent="0" algn="l" rtl="0">
-              <a:spcBef>
-                <a:spcPts val="0"/>
-              </a:spcBef>
-              <a:spcAft>
-                <a:spcPts val="0"/>
-              </a:spcAft>
-              <a:buNone/>
-            </a:pPr>
-            <a:endParaRPr/>
-          </a:p>
-        </p:txBody>
-      </p:sp>
-      <p:sp>
-        <p:nvSpPr>
-          <p:cNvPr id="37" name="Google Shape;37;p9"/>
-          <p:cNvSpPr txBox="1">
-            <a:spLocks noGrp="1"/>
-          </p:cNvSpPr>
-          <p:nvPr>
-            <p:ph type="title"/>
-          </p:nvPr>
-        </p:nvSpPr>
-        <p:spPr>
-          <a:xfrm>
-            <a:off x="265500" y="1233175"/>
-            <a:ext cx="4045200" cy="1482300"/>
-          </a:xfrm>
-          <a:prstGeom prst="rect">
-            <a:avLst/>
-          </a:prstGeom>
-        </p:spPr>
-        <p:txBody>
-          <a:bodyPr spcFirstLastPara="1" wrap="square" lIns="91425" tIns="91425" rIns="91425" bIns="91425" anchor="b" anchorCtr="0">
-            <a:normAutofit/>
-          </a:bodyPr>
-          <a:lstStyle>
-            <a:lvl1pPr lvl="0" algn="ctr">
-              <a:spcBef>
-                <a:spcPts val="0"/>
-              </a:spcBef>
-              <a:spcAft>
-                <a:spcPts val="0"/>
-              </a:spcAft>
-              <a:buSzPts val="4200"/>
-              <a:buNone/>
-              <a:defRPr sz="4200"/>
-            </a:lvl1pPr>
-            <a:lvl2pPr lvl="1" algn="ctr">
-              <a:spcBef>
-                <a:spcPts val="0"/>
-              </a:spcBef>
-              <a:spcAft>
-                <a:spcPts val="0"/>
-              </a:spcAft>
-              <a:buSzPts val="4200"/>
-              <a:buNone/>
-              <a:defRPr sz="4200"/>
-            </a:lvl2pPr>
-            <a:lvl3pPr lvl="2" algn="ctr">
-              <a:spcBef>
-                <a:spcPts val="0"/>
-              </a:spcBef>
-              <a:spcAft>
-                <a:spcPts val="0"/>
-              </a:spcAft>
-              <a:buSzPts val="4200"/>
-              <a:buNone/>
-              <a:defRPr sz="4200"/>
-            </a:lvl3pPr>
-            <a:lvl4pPr lvl="3" algn="ctr">
-              <a:spcBef>
-                <a:spcPts val="0"/>
-              </a:spcBef>
-              <a:spcAft>
-                <a:spcPts val="0"/>
-              </a:spcAft>
-              <a:buSzPts val="4200"/>
-              <a:buNone/>
-              <a:defRPr sz="4200"/>
-            </a:lvl4pPr>
-            <a:lvl5pPr lvl="4" algn="ctr">
-              <a:spcBef>
-                <a:spcPts val="0"/>
-              </a:spcBef>
-              <a:spcAft>
-                <a:spcPts val="0"/>
-              </a:spcAft>
-              <a:buSzPts val="4200"/>
-              <a:buNone/>
-              <a:defRPr sz="4200"/>
-            </a:lvl5pPr>
-            <a:lvl6pPr lvl="5" algn="ctr">
-              <a:spcBef>
-                <a:spcPts val="0"/>
-              </a:spcBef>
-              <a:spcAft>
-                <a:spcPts val="0"/>
-              </a:spcAft>
-              <a:buSzPts val="4200"/>
-              <a:buNone/>
-              <a:defRPr sz="4200"/>
-            </a:lvl6pPr>
-            <a:lvl7pPr lvl="6" algn="ctr">
-              <a:spcBef>
-                <a:spcPts val="0"/>
-              </a:spcBef>
-              <a:spcAft>
-                <a:spcPts val="0"/>
-              </a:spcAft>
-              <a:buSzPts val="4200"/>
-              <a:buNone/>
-              <a:defRPr sz="4200"/>
-            </a:lvl7pPr>
-            <a:lvl8pPr lvl="7" algn="ctr">
-              <a:spcBef>
-                <a:spcPts val="0"/>
-              </a:spcBef>
-              <a:spcAft>
-                <a:spcPts val="0"/>
-              </a:spcAft>
-              <a:buSzPts val="4200"/>
-              <a:buNone/>
-              <a:defRPr sz="4200"/>
-            </a:lvl8pPr>
-            <a:lvl9pPr lvl="8" algn="ctr">
-              <a:spcBef>
-                <a:spcPts val="0"/>
-              </a:spcBef>
-              <a:spcAft>
-                <a:spcPts val="0"/>
-              </a:spcAft>
-              <a:buSzPts val="4200"/>
-              <a:buNone/>
-              <a:defRPr sz="4200"/>
-            </a:lvl9pPr>
-          </a:lstStyle>
-          <a:p>
-            <a:endParaRPr/>
-          </a:p>
-        </p:txBody>
-      </p:sp>
-      <p:sp>
-        <p:nvSpPr>
-          <p:cNvPr id="38" name="Google Shape;38;p9"/>
-          <p:cNvSpPr txBox="1">
-            <a:spLocks noGrp="1"/>
-          </p:cNvSpPr>
-          <p:nvPr>
-            <p:ph type="subTitle" idx="1"/>
-          </p:nvPr>
-        </p:nvSpPr>
-        <p:spPr>
-          <a:xfrm>
-            <a:off x="265500" y="2803075"/>
-            <a:ext cx="4045200" cy="1235100"/>
-          </a:xfrm>
-          <a:prstGeom prst="rect">
-            <a:avLst/>
-          </a:prstGeom>
-        </p:spPr>
-        <p:txBody>
-          <a:bodyPr spcFirstLastPara="1" wrap="square" lIns="91425" tIns="91425" rIns="91425" bIns="91425" anchor="t" anchorCtr="0">
-            <a:normAutofit/>
-          </a:bodyPr>
-          <a:lstStyle>
-            <a:lvl1pPr lvl="0" algn="ctr">
-              <a:lnSpc>
-                <a:spcPct val="100000"/>
-              </a:lnSpc>
-              <a:spcBef>
-                <a:spcPts val="0"/>
-              </a:spcBef>
-              <a:spcAft>
-                <a:spcPts val="0"/>
-              </a:spcAft>
-              <a:buSzPts val="2100"/>
-              <a:buNone/>
-              <a:defRPr sz="2100"/>
-            </a:lvl1pPr>
-            <a:lvl2pPr lvl="1" algn="ctr">
-              <a:lnSpc>
-                <a:spcPct val="100000"/>
-              </a:lnSpc>
-              <a:spcBef>
-                <a:spcPts val="0"/>
-              </a:spcBef>
-              <a:spcAft>
-                <a:spcPts val="0"/>
-              </a:spcAft>
-              <a:buSzPts val="2100"/>
-              <a:buNone/>
-              <a:defRPr sz="2100"/>
-            </a:lvl2pPr>
-            <a:lvl3pPr lvl="2" algn="ctr">
-              <a:lnSpc>
-                <a:spcPct val="100000"/>
-              </a:lnSpc>
-              <a:spcBef>
-                <a:spcPts val="0"/>
-              </a:spcBef>
-              <a:spcAft>
-                <a:spcPts val="0"/>
-              </a:spcAft>
-              <a:buSzPts val="2100"/>
-              <a:buNone/>
-              <a:defRPr sz="2100"/>
-            </a:lvl3pPr>
-            <a:lvl4pPr lvl="3" algn="ctr">
-              <a:lnSpc>
-                <a:spcPct val="100000"/>
-              </a:lnSpc>
-              <a:spcBef>
-                <a:spcPts val="0"/>
-              </a:spcBef>
-              <a:spcAft>
-                <a:spcPts val="0"/>
-              </a:spcAft>
-              <a:buSzPts val="2100"/>
-              <a:buNone/>
-              <a:defRPr sz="2100"/>
-            </a:lvl4pPr>
-            <a:lvl5pPr lvl="4" algn="ctr">
-              <a:lnSpc>
-                <a:spcPct val="100000"/>
-              </a:lnSpc>
-              <a:spcBef>
-                <a:spcPts val="0"/>
-              </a:spcBef>
-              <a:spcAft>
-                <a:spcPts val="0"/>
-              </a:spcAft>
-              <a:buSzPts val="2100"/>
-              <a:buNone/>
-              <a:defRPr sz="2100"/>
-            </a:lvl5pPr>
-            <a:lvl6pPr lvl="5" algn="ctr">
-              <a:lnSpc>
-                <a:spcPct val="100000"/>
-              </a:lnSpc>
-              <a:spcBef>
-                <a:spcPts val="0"/>
-              </a:spcBef>
-              <a:spcAft>
-                <a:spcPts val="0"/>
-              </a:spcAft>
-              <a:buSzPts val="2100"/>
-              <a:buNone/>
-              <a:defRPr sz="2100"/>
-            </a:lvl6pPr>
-            <a:lvl7pPr lvl="6" algn="ctr">
-              <a:lnSpc>
-                <a:spcPct val="100000"/>
-              </a:lnSpc>
-              <a:spcBef>
-                <a:spcPts val="0"/>
-              </a:spcBef>
-              <a:spcAft>
-                <a:spcPts val="0"/>
-              </a:spcAft>
-              <a:buSzPts val="2100"/>
-              <a:buNone/>
-              <a:defRPr sz="2100"/>
-            </a:lvl7pPr>
-            <a:lvl8pPr lvl="7" algn="ctr">
-              <a:lnSpc>
-                <a:spcPct val="100000"/>
-              </a:lnSpc>
-              <a:spcBef>
-                <a:spcPts val="0"/>
-              </a:spcBef>
-              <a:spcAft>
-                <a:spcPts val="0"/>
-              </a:spcAft>
-              <a:buSzPts val="2100"/>
-              <a:buNone/>
-              <a:defRPr sz="2100"/>
-            </a:lvl8pPr>
-            <a:lvl9pPr lvl="8" algn="ctr">
-              <a:lnSpc>
-                <a:spcPct val="100000"/>
-              </a:lnSpc>
-              <a:spcBef>
-                <a:spcPts val="0"/>
-              </a:spcBef>
-              <a:spcAft>
-                <a:spcPts val="0"/>
-              </a:spcAft>
-              <a:buSzPts val="2100"/>
-              <a:buNone/>
-              <a:defRPr sz="2100"/>
-            </a:lvl9pPr>
-          </a:lstStyle>
-          <a:p>
-            <a:endParaRPr/>
-          </a:p>
-        </p:txBody>
-      </p:sp>
-      <p:sp>
-        <p:nvSpPr>
-          <p:cNvPr id="39" name="Google Shape;39;p9"/>
-          <p:cNvSpPr txBox="1">
-            <a:spLocks noGrp="1"/>
-          </p:cNvSpPr>
-          <p:nvPr>
-            <p:ph type="body" idx="2"/>
-          </p:nvPr>
-        </p:nvSpPr>
-        <p:spPr>
-          <a:xfrm>
-            <a:off x="4939500" y="724075"/>
-            <a:ext cx="3837000" cy="3695100"/>
-          </a:xfrm>
-          <a:prstGeom prst="rect">
-            <a:avLst/>
-          </a:prstGeom>
-        </p:spPr>
-        <p:txBody>
-          <a:bodyPr spcFirstLastPara="1" wrap="square" lIns="91425" tIns="91425" rIns="91425" bIns="91425" anchor="ctr" anchorCtr="0">
-            <a:normAutofit/>
-          </a:bodyPr>
-          <a:lstStyle>
-            <a:lvl1pPr marL="457200" lvl="0" indent="-342900">
-              <a:spcBef>
-                <a:spcPts val="0"/>
-              </a:spcBef>
-              <a:spcAft>
-                <a:spcPts val="0"/>
-              </a:spcAft>
-              <a:buSzPts val="1800"/>
-              <a:buChar char="●"/>
-              <a:defRPr/>
-            </a:lvl1pPr>
-            <a:lvl2pPr marL="914400" lvl="1" indent="-317500">
-              <a:spcBef>
-                <a:spcPts val="0"/>
-              </a:spcBef>
-              <a:spcAft>
-                <a:spcPts val="0"/>
-              </a:spcAft>
-              <a:buSzPts val="1400"/>
-              <a:buChar char="○"/>
-              <a:defRPr/>
-            </a:lvl2pPr>
-            <a:lvl3pPr marL="1371600" lvl="2" indent="-317500">
-              <a:spcBef>
-                <a:spcPts val="0"/>
-              </a:spcBef>
-              <a:spcAft>
-                <a:spcPts val="0"/>
-              </a:spcAft>
-              <a:buSzPts val="1400"/>
-              <a:buChar char="■"/>
-              <a:defRPr/>
-            </a:lvl3pPr>
-            <a:lvl4pPr marL="1828800" lvl="3" indent="-317500">
-              <a:spcBef>
-                <a:spcPts val="0"/>
-              </a:spcBef>
-              <a:spcAft>
-                <a:spcPts val="0"/>
-              </a:spcAft>
-              <a:buSzPts val="1400"/>
-              <a:buChar char="●"/>
-              <a:defRPr/>
-            </a:lvl4pPr>
-            <a:lvl5pPr marL="2286000" lvl="4" indent="-317500">
-              <a:spcBef>
-                <a:spcPts val="0"/>
-              </a:spcBef>
-              <a:spcAft>
-                <a:spcPts val="0"/>
-              </a:spcAft>
-              <a:buSzPts val="1400"/>
-              <a:buChar char="○"/>
-              <a:defRPr/>
-            </a:lvl5pPr>
-            <a:lvl6pPr marL="2743200" lvl="5" indent="-317500">
-              <a:spcBef>
-                <a:spcPts val="0"/>
-              </a:spcBef>
-              <a:spcAft>
-                <a:spcPts val="0"/>
-              </a:spcAft>
-              <a:buSzPts val="1400"/>
-              <a:buChar char="■"/>
-              <a:defRPr/>
-            </a:lvl6pPr>
-            <a:lvl7pPr marL="3200400" lvl="6" indent="-317500">
-              <a:spcBef>
-                <a:spcPts val="0"/>
-              </a:spcBef>
-              <a:spcAft>
-                <a:spcPts val="0"/>
-              </a:spcAft>
-              <a:buSzPts val="1400"/>
-              <a:buChar char="●"/>
-              <a:defRPr/>
-            </a:lvl7pPr>
-            <a:lvl8pPr marL="3657600" lvl="7" indent="-317500">
-              <a:spcBef>
-                <a:spcPts val="0"/>
-              </a:spcBef>
-              <a:spcAft>
-                <a:spcPts val="0"/>
-              </a:spcAft>
-              <a:buSzPts val="1400"/>
-              <a:buChar char="○"/>
-              <a:defRPr/>
-            </a:lvl8pPr>
-            <a:lvl9pPr marL="4114800" lvl="8" indent="-317500">
-              <a:spcBef>
-                <a:spcPts val="0"/>
-              </a:spcBef>
-              <a:spcAft>
-                <a:spcPts val="0"/>
-              </a:spcAft>
-              <a:buSzPts val="1400"/>
-              <a:buChar char="■"/>
-              <a:defRPr/>
-            </a:lvl9pPr>
-          </a:lstStyle>
-          <a:p>
-            <a:endParaRPr/>
-          </a:p>
-        </p:txBody>
-      </p:sp>
-      <p:sp>
-        <p:nvSpPr>
-          <p:cNvPr id="40" name="Google Shape;40;p9"/>
-          <p:cNvSpPr txBox="1">
-            <a:spLocks noGrp="1"/>
-          </p:cNvSpPr>
-          <p:nvPr>
-            <p:ph type="sldNum" idx="12"/>
-          </p:nvPr>
-        </p:nvSpPr>
-        <p:spPr>
-          <a:xfrm>
-            <a:off x="8472458" y="4663217"/>
-            <a:ext cx="548700" cy="393600"/>
-          </a:xfrm>
-          <a:prstGeom prst="rect">
-            <a:avLst/>
-          </a:prstGeom>
-        </p:spPr>
-        <p:txBody>
-          <a:bodyPr spcFirstLastPara="1" wrap="square" lIns="91425" tIns="91425" rIns="91425" bIns="91425" anchor="ctr" anchorCtr="0">
-            <a:normAutofit/>
-          </a:bodyPr>
-          <a:lstStyle>
-            <a:lvl1pPr lvl="0">
-              <a:buNone/>
-              <a:defRPr/>
-            </a:lvl1pPr>
-            <a:lvl2pPr lvl="1">
-              <a:buNone/>
-              <a:defRPr/>
-            </a:lvl2pPr>
-            <a:lvl3pPr lvl="2">
-              <a:buNone/>
-              <a:defRPr/>
-            </a:lvl3pPr>
-            <a:lvl4pPr lvl="3">
-              <a:buNone/>
-              <a:defRPr/>
-            </a:lvl4pPr>
-            <a:lvl5pPr lvl="4">
-              <a:buNone/>
-              <a:defRPr/>
-            </a:lvl5pPr>
-            <a:lvl6pPr lvl="5">
-              <a:buNone/>
-              <a:defRPr/>
-            </a:lvl6pPr>
-            <a:lvl7pPr lvl="6">
-              <a:buNone/>
-              <a:defRPr/>
-            </a:lvl7pPr>
-            <a:lvl8pPr lvl="7">
-              <a:buNone/>
-              <a:defRPr/>
-            </a:lvl8pPr>
-            <a:lvl9pPr lvl="8">
-              <a:buNone/>
-              <a:defRPr/>
-            </a:lvl9pPr>
-          </a:lstStyle>
-          <a:p>
-            <a:pPr marL="0" lvl="0" indent="0" algn="r" rtl="0">
-              <a:spcBef>
-                <a:spcPts val="0"/>
-              </a:spcBef>
-              <a:spcAft>
-                <a:spcPts val="0"/>
-              </a:spcAft>
-              <a:buNone/>
-            </a:pPr>
-            <a:fld id="{00000000-1234-1234-1234-123412341234}" type="slidenum">
-              <a:rPr lang="en"/>
-              <a:t>‹#›</a:t>
-            </a:fld>
-            <a:endParaRPr/>
-          </a:p>
-        </p:txBody>
-      </p:sp>
-    </p:spTree>
-  </p:cSld>
-  <p:clrMapOvr>
-    <a:masterClrMapping/>
-  </p:clrMapOvr>
-</p:sldLayout>
-</file>
-
-<file path=ppt/slideLayouts/slideLayout9.xml><?xml version="1.0" encoding="utf-8"?>
-<p:sldLayout xmlns:a="http://schemas.openxmlformats.org/drawingml/2006/main" xmlns:r="http://schemas.openxmlformats.org/officeDocument/2006/relationships" xmlns:p="http://schemas.openxmlformats.org/presentationml/2006/main" matchingName="Caption">
-  <p:cSld name="CAPTION_ONLY">
-    <p:spTree>
-      <p:nvGrpSpPr>
-        <p:cNvPr id="1" name="Shape 41"/>
-        <p:cNvGrpSpPr/>
-        <p:nvPr/>
-      </p:nvGrpSpPr>
-      <p:grpSpPr>
-        <a:xfrm>
-          <a:off x="0" y="0"/>
-          <a:ext cx="0" cy="0"/>
-          <a:chOff x="0" y="0"/>
-          <a:chExt cx="0" cy="0"/>
-        </a:xfrm>
-      </p:grpSpPr>
-      <p:sp>
-        <p:nvSpPr>
-          <p:cNvPr id="42" name="Google Shape;42;p10"/>
-          <p:cNvSpPr txBox="1">
-            <a:spLocks noGrp="1"/>
-          </p:cNvSpPr>
-          <p:nvPr>
-            <p:ph type="body" idx="1"/>
-          </p:nvPr>
-        </p:nvSpPr>
-        <p:spPr>
-          <a:xfrm>
-            <a:off x="311700" y="4230575"/>
-            <a:ext cx="5998800" cy="605100"/>
-          </a:xfrm>
-          <a:prstGeom prst="rect">
-            <a:avLst/>
-          </a:prstGeom>
-        </p:spPr>
-        <p:txBody>
-          <a:bodyPr spcFirstLastPara="1" wrap="square" lIns="91425" tIns="91425" rIns="91425" bIns="91425" anchor="ctr" anchorCtr="0">
-            <a:normAutofit/>
-          </a:bodyPr>
-          <a:lstStyle>
-            <a:lvl1pPr marL="457200" lvl="0" indent="-228600">
-              <a:lnSpc>
-                <a:spcPct val="100000"/>
-              </a:lnSpc>
-              <a:spcBef>
-                <a:spcPts val="0"/>
-              </a:spcBef>
-              <a:spcAft>
-                <a:spcPts val="0"/>
-              </a:spcAft>
-              <a:buSzPts val="1800"/>
-              <a:buNone/>
-              <a:defRPr/>
-            </a:lvl1pPr>
-          </a:lstStyle>
-          <a:p>
-            <a:endParaRPr/>
-          </a:p>
-        </p:txBody>
-      </p:sp>
-      <p:sp>
-        <p:nvSpPr>
-          <p:cNvPr id="43" name="Google Shape;43;p10"/>
           <p:cNvSpPr txBox="1">
             <a:spLocks noGrp="1"/>
           </p:cNvSpPr>
@@ -5628,16 +5395,15 @@
   <p:clrMap bg1="lt1" tx1="dk1" bg2="dk2" tx2="lt2" accent1="accent1" accent2="accent2" accent3="accent3" accent4="accent4" accent5="accent5" accent6="accent6" hlink="hlink" folHlink="folHlink"/>
   <p:sldLayoutIdLst>
     <p:sldLayoutId id="2147483648" r:id="rId1"/>
-    <p:sldLayoutId id="2147483649" r:id="rId2"/>
-    <p:sldLayoutId id="2147483650" r:id="rId3"/>
-    <p:sldLayoutId id="2147483651" r:id="rId4"/>
-    <p:sldLayoutId id="2147483652" r:id="rId5"/>
-    <p:sldLayoutId id="2147483653" r:id="rId6"/>
-    <p:sldLayoutId id="2147483654" r:id="rId7"/>
-    <p:sldLayoutId id="2147483655" r:id="rId8"/>
-    <p:sldLayoutId id="2147483656" r:id="rId9"/>
-    <p:sldLayoutId id="2147483657" r:id="rId10"/>
-    <p:sldLayoutId id="2147483658" r:id="rId11"/>
+    <p:sldLayoutId id="2147483650" r:id="rId2"/>
+    <p:sldLayoutId id="2147483651" r:id="rId3"/>
+    <p:sldLayoutId id="2147483652" r:id="rId4"/>
+    <p:sldLayoutId id="2147483653" r:id="rId5"/>
+    <p:sldLayoutId id="2147483654" r:id="rId6"/>
+    <p:sldLayoutId id="2147483655" r:id="rId7"/>
+    <p:sldLayoutId id="2147483656" r:id="rId8"/>
+    <p:sldLayoutId id="2147483657" r:id="rId9"/>
+    <p:sldLayoutId id="2147483658" r:id="rId10"/>
   </p:sldLayoutIdLst>
   <p:hf sldNum="0" hdr="0" ftr="0" dt="0"/>
   <p:txStyles>
@@ -6684,58 +6450,6 @@
           <a:chExt cx="0" cy="0"/>
         </a:xfrm>
       </p:grpSpPr>
-      <p:cxnSp>
-        <p:nvCxnSpPr>
-          <p:cNvPr id="65" name="Google Shape;65;p14"/>
-          <p:cNvCxnSpPr/>
-          <p:nvPr/>
-        </p:nvCxnSpPr>
-        <p:spPr>
-          <a:xfrm>
-            <a:off x="919950" y="650300"/>
-            <a:ext cx="7296000" cy="11400"/>
-          </a:xfrm>
-          <a:prstGeom prst="straightConnector1">
-            <a:avLst/>
-          </a:prstGeom>
-          <a:noFill/>
-          <a:ln w="9525" cap="flat" cmpd="sng">
-            <a:solidFill>
-              <a:schemeClr val="dk2"/>
-            </a:solidFill>
-            <a:prstDash val="solid"/>
-            <a:round/>
-            <a:headEnd type="none" w="med" len="med"/>
-            <a:tailEnd type="none" w="med" len="med"/>
-          </a:ln>
-        </p:spPr>
-      </p:cxnSp>
-      <p:cxnSp>
-        <p:nvCxnSpPr>
-          <p:cNvPr id="66" name="Google Shape;66;p14"/>
-          <p:cNvCxnSpPr/>
-          <p:nvPr/>
-        </p:nvCxnSpPr>
-        <p:spPr>
-          <a:xfrm>
-            <a:off x="919950" y="4796825"/>
-            <a:ext cx="7296000" cy="11400"/>
-          </a:xfrm>
-          <a:prstGeom prst="straightConnector1">
-            <a:avLst/>
-          </a:prstGeom>
-          <a:noFill/>
-          <a:ln w="9525" cap="flat" cmpd="sng">
-            <a:solidFill>
-              <a:schemeClr val="dk2"/>
-            </a:solidFill>
-            <a:prstDash val="solid"/>
-            <a:round/>
-            <a:headEnd type="none" w="med" len="med"/>
-            <a:tailEnd type="none" w="med" len="med"/>
-          </a:ln>
-        </p:spPr>
-      </p:cxnSp>
       <p:sp>
         <p:nvSpPr>
           <p:cNvPr id="67" name="Google Shape;67;p14"/>
@@ -6788,63 +6502,13 @@
       </p:sp>
       <p:sp>
         <p:nvSpPr>
-          <p:cNvPr id="68" name="Google Shape;68;p14"/>
-          <p:cNvSpPr txBox="1"/>
-          <p:nvPr/>
-        </p:nvSpPr>
-        <p:spPr>
-          <a:xfrm>
-            <a:off x="919950" y="200000"/>
-            <a:ext cx="7296000" cy="461700"/>
-          </a:xfrm>
-          <a:prstGeom prst="rect">
-            <a:avLst/>
-          </a:prstGeom>
-          <a:noFill/>
-          <a:ln>
-            <a:noFill/>
-          </a:ln>
-        </p:spPr>
-        <p:txBody>
-          <a:bodyPr spcFirstLastPara="1" wrap="square" lIns="91425" tIns="91425" rIns="91425" bIns="91425" anchor="t" anchorCtr="0">
-            <a:spAutoFit/>
-          </a:bodyPr>
-          <a:lstStyle/>
-          <a:p>
-            <a:pPr marL="0" lvl="0" indent="0" algn="l" rtl="0">
-              <a:spcBef>
-                <a:spcPts val="0"/>
-              </a:spcBef>
-              <a:spcAft>
-                <a:spcPts val="0"/>
-              </a:spcAft>
-              <a:buNone/>
-            </a:pPr>
-            <a:r>
-              <a:rPr lang="en" sz="1800">
-                <a:solidFill>
-                  <a:schemeClr val="dk2"/>
-                </a:solidFill>
-              </a:rPr>
-              <a:t>Title</a:t>
-            </a:r>
-            <a:endParaRPr sz="1800">
-              <a:solidFill>
-                <a:schemeClr val="dk2"/>
-              </a:solidFill>
-            </a:endParaRPr>
-          </a:p>
-        </p:txBody>
-      </p:sp>
-      <p:sp>
-        <p:nvSpPr>
           <p:cNvPr id="69" name="Google Shape;69;p14"/>
           <p:cNvSpPr txBox="1"/>
           <p:nvPr/>
         </p:nvSpPr>
         <p:spPr>
           <a:xfrm>
-            <a:off x="1048025" y="1286650"/>
+            <a:off x="504000" y="928404"/>
             <a:ext cx="2523600" cy="431100"/>
           </a:xfrm>
           <a:prstGeom prst="rect">
@@ -6893,6 +6557,130 @@
           </a:p>
         </p:txBody>
       </p:sp>
+      <p:cxnSp>
+        <p:nvCxnSpPr>
+          <p:cNvPr id="2" name="Google Shape;65;p14">
+            <a:extLst>
+              <a:ext uri="{FF2B5EF4-FFF2-40B4-BE49-F238E27FC236}">
+                <a16:creationId xmlns:a16="http://schemas.microsoft.com/office/drawing/2014/main" id="{9B71F8AA-9237-0A4F-F1AF-77CBA780C189}"/>
+              </a:ext>
+            </a:extLst>
+          </p:cNvPr>
+          <p:cNvCxnSpPr>
+            <a:cxnSpLocks/>
+          </p:cNvCxnSpPr>
+          <p:nvPr/>
+        </p:nvCxnSpPr>
+        <p:spPr>
+          <a:xfrm>
+            <a:off x="504000" y="564048"/>
+            <a:ext cx="7992000" cy="15383"/>
+          </a:xfrm>
+          <a:prstGeom prst="straightConnector1">
+            <a:avLst/>
+          </a:prstGeom>
+          <a:noFill/>
+          <a:ln w="9525" cap="flat" cmpd="sng">
+            <a:solidFill>
+              <a:schemeClr val="dk2"/>
+            </a:solidFill>
+            <a:prstDash val="solid"/>
+            <a:round/>
+            <a:headEnd type="none" w="med" len="med"/>
+            <a:tailEnd type="none" w="med" len="med"/>
+          </a:ln>
+        </p:spPr>
+      </p:cxnSp>
+      <p:sp>
+        <p:nvSpPr>
+          <p:cNvPr id="3" name="Google Shape;68;p14">
+            <a:extLst>
+              <a:ext uri="{FF2B5EF4-FFF2-40B4-BE49-F238E27FC236}">
+                <a16:creationId xmlns:a16="http://schemas.microsoft.com/office/drawing/2014/main" id="{1C4A51F9-06D7-ECB1-5E84-D85C911BF0A5}"/>
+              </a:ext>
+            </a:extLst>
+          </p:cNvPr>
+          <p:cNvSpPr txBox="1"/>
+          <p:nvPr/>
+        </p:nvSpPr>
+        <p:spPr>
+          <a:xfrm>
+            <a:off x="504000" y="215075"/>
+            <a:ext cx="7296000" cy="430857"/>
+          </a:xfrm>
+          <a:prstGeom prst="rect">
+            <a:avLst/>
+          </a:prstGeom>
+          <a:noFill/>
+          <a:ln>
+            <a:noFill/>
+          </a:ln>
+        </p:spPr>
+        <p:txBody>
+          <a:bodyPr spcFirstLastPara="1" wrap="square" lIns="91425" tIns="91425" rIns="91425" bIns="91425" anchor="t" anchorCtr="0">
+            <a:spAutoFit/>
+          </a:bodyPr>
+          <a:lstStyle/>
+          <a:p>
+            <a:pPr marL="0" lvl="0" indent="0" algn="l" rtl="0">
+              <a:spcBef>
+                <a:spcPts val="0"/>
+              </a:spcBef>
+              <a:spcAft>
+                <a:spcPts val="0"/>
+              </a:spcAft>
+              <a:buNone/>
+            </a:pPr>
+            <a:r>
+              <a:rPr lang="en" sz="1600" dirty="0">
+                <a:solidFill>
+                  <a:schemeClr val="dk2"/>
+                </a:solidFill>
+              </a:rPr>
+              <a:t>Title</a:t>
+            </a:r>
+            <a:endParaRPr sz="1600" dirty="0">
+              <a:solidFill>
+                <a:schemeClr val="dk2"/>
+              </a:solidFill>
+            </a:endParaRPr>
+          </a:p>
+        </p:txBody>
+      </p:sp>
+      <p:cxnSp>
+        <p:nvCxnSpPr>
+          <p:cNvPr id="4" name="Google Shape;65;p14">
+            <a:extLst>
+              <a:ext uri="{FF2B5EF4-FFF2-40B4-BE49-F238E27FC236}">
+                <a16:creationId xmlns:a16="http://schemas.microsoft.com/office/drawing/2014/main" id="{E875ACA6-078A-B14A-18BC-215EDB0D3C4B}"/>
+              </a:ext>
+            </a:extLst>
+          </p:cNvPr>
+          <p:cNvCxnSpPr>
+            <a:cxnSpLocks/>
+          </p:cNvCxnSpPr>
+          <p:nvPr/>
+        </p:nvCxnSpPr>
+        <p:spPr>
+          <a:xfrm>
+            <a:off x="504000" y="4928117"/>
+            <a:ext cx="7992000" cy="15383"/>
+          </a:xfrm>
+          <a:prstGeom prst="straightConnector1">
+            <a:avLst/>
+          </a:prstGeom>
+          <a:noFill/>
+          <a:ln w="9525" cap="flat" cmpd="sng">
+            <a:solidFill>
+              <a:schemeClr val="dk2"/>
+            </a:solidFill>
+            <a:prstDash val="solid"/>
+            <a:round/>
+            <a:headEnd type="none" w="med" len="med"/>
+            <a:tailEnd type="none" w="med" len="med"/>
+          </a:ln>
+        </p:spPr>
+      </p:cxnSp>
     </p:spTree>
   </p:cSld>
   <p:clrMapOvr>
@@ -6909,7 +6697,7 @@
         <p:cNvPr id="1" name="Shape 64">
           <a:extLst>
             <a:ext uri="{FF2B5EF4-FFF2-40B4-BE49-F238E27FC236}">
-              <a16:creationId xmlns:a16="http://schemas.microsoft.com/office/drawing/2014/main" id="{9B7FCB06-3BB2-A12A-621C-F43E4E3E3AC5}"/>
+              <a16:creationId xmlns:a16="http://schemas.microsoft.com/office/drawing/2014/main" id="{D8E95731-A2AA-815D-9F40-D3FE61A3CD03}"/>
             </a:ext>
           </a:extLst>
         </p:cNvPr>
@@ -6929,17 +6717,19 @@
           <p:cNvPr id="65" name="Google Shape;65;p14">
             <a:extLst>
               <a:ext uri="{FF2B5EF4-FFF2-40B4-BE49-F238E27FC236}">
-                <a16:creationId xmlns:a16="http://schemas.microsoft.com/office/drawing/2014/main" id="{2A358689-70C1-8E38-54BD-1C8981A54816}"/>
+                <a16:creationId xmlns:a16="http://schemas.microsoft.com/office/drawing/2014/main" id="{4F2E7523-90A4-7D8C-3E06-599FBFCF0E95}"/>
               </a:ext>
             </a:extLst>
           </p:cNvPr>
-          <p:cNvCxnSpPr/>
+          <p:cNvCxnSpPr>
+            <a:cxnSpLocks/>
+          </p:cNvCxnSpPr>
           <p:nvPr/>
         </p:nvCxnSpPr>
         <p:spPr>
           <a:xfrm>
-            <a:off x="919950" y="650300"/>
-            <a:ext cx="7296000" cy="11400"/>
+            <a:off x="504000" y="564048"/>
+            <a:ext cx="7992000" cy="15383"/>
           </a:xfrm>
           <a:prstGeom prst="straightConnector1">
             <a:avLst/>
@@ -6956,44 +6746,12 @@
           </a:ln>
         </p:spPr>
       </p:cxnSp>
-      <p:cxnSp>
-        <p:nvCxnSpPr>
-          <p:cNvPr id="66" name="Google Shape;66;p14">
-            <a:extLst>
-              <a:ext uri="{FF2B5EF4-FFF2-40B4-BE49-F238E27FC236}">
-                <a16:creationId xmlns:a16="http://schemas.microsoft.com/office/drawing/2014/main" id="{C1494B12-0C1E-B04F-EA22-F921DBDCBC37}"/>
-              </a:ext>
-            </a:extLst>
-          </p:cNvPr>
-          <p:cNvCxnSpPr/>
-          <p:nvPr/>
-        </p:nvCxnSpPr>
-        <p:spPr>
-          <a:xfrm>
-            <a:off x="919950" y="4796825"/>
-            <a:ext cx="7296000" cy="11400"/>
-          </a:xfrm>
-          <a:prstGeom prst="straightConnector1">
-            <a:avLst/>
-          </a:prstGeom>
-          <a:noFill/>
-          <a:ln w="9525" cap="flat" cmpd="sng">
-            <a:solidFill>
-              <a:schemeClr val="dk2"/>
-            </a:solidFill>
-            <a:prstDash val="solid"/>
-            <a:round/>
-            <a:headEnd type="none" w="med" len="med"/>
-            <a:tailEnd type="none" w="med" len="med"/>
-          </a:ln>
-        </p:spPr>
-      </p:cxnSp>
       <p:sp>
         <p:nvSpPr>
           <p:cNvPr id="67" name="Google Shape;67;p14">
             <a:extLst>
               <a:ext uri="{FF2B5EF4-FFF2-40B4-BE49-F238E27FC236}">
-                <a16:creationId xmlns:a16="http://schemas.microsoft.com/office/drawing/2014/main" id="{BA5BD85B-A358-FD11-4CA0-3A52D75D0A02}"/>
+                <a16:creationId xmlns:a16="http://schemas.microsoft.com/office/drawing/2014/main" id="{B3C45D3A-44CD-6CC8-BB36-C83A28C55638}"/>
               </a:ext>
             </a:extLst>
           </p:cNvPr>
@@ -7037,7 +6795,7 @@
           <p:cNvPr id="68" name="Google Shape;68;p14">
             <a:extLst>
               <a:ext uri="{FF2B5EF4-FFF2-40B4-BE49-F238E27FC236}">
-                <a16:creationId xmlns:a16="http://schemas.microsoft.com/office/drawing/2014/main" id="{1F646B08-9D98-E31B-3D4F-826D51F0CEBD}"/>
+                <a16:creationId xmlns:a16="http://schemas.microsoft.com/office/drawing/2014/main" id="{C2D74493-E221-68E2-F7A0-1146EB25CD01}"/>
               </a:ext>
             </a:extLst>
           </p:cNvPr>
@@ -7046,8 +6804,8 @@
         </p:nvSpPr>
         <p:spPr>
           <a:xfrm>
-            <a:off x="919950" y="200000"/>
-            <a:ext cx="7296000" cy="461700"/>
+            <a:off x="504000" y="133173"/>
+            <a:ext cx="7296000" cy="430857"/>
           </a:xfrm>
           <a:prstGeom prst="rect">
             <a:avLst/>
@@ -7073,14 +6831,14 @@
               <a:buNone/>
             </a:pPr>
             <a:r>
-              <a:rPr lang="en" sz="1800">
+              <a:rPr lang="en" sz="1600" dirty="0">
                 <a:solidFill>
                   <a:schemeClr val="dk2"/>
                 </a:solidFill>
               </a:rPr>
               <a:t>Title</a:t>
             </a:r>
-            <a:endParaRPr sz="1800">
+            <a:endParaRPr sz="1600" dirty="0">
               <a:solidFill>
                 <a:schemeClr val="dk2"/>
               </a:solidFill>
@@ -7093,7 +6851,7 @@
           <p:cNvPr id="69" name="Google Shape;69;p14">
             <a:extLst>
               <a:ext uri="{FF2B5EF4-FFF2-40B4-BE49-F238E27FC236}">
-                <a16:creationId xmlns:a16="http://schemas.microsoft.com/office/drawing/2014/main" id="{A786102C-E349-4AE5-4CA4-7BFD9BAB0AEA}"/>
+                <a16:creationId xmlns:a16="http://schemas.microsoft.com/office/drawing/2014/main" id="{A38A25B7-6AAA-AFCA-C5BD-555287EB100F}"/>
               </a:ext>
             </a:extLst>
           </p:cNvPr>
@@ -7102,8 +6860,8 @@
         </p:nvSpPr>
         <p:spPr>
           <a:xfrm>
-            <a:off x="4557713" y="2958167"/>
-            <a:ext cx="3575930" cy="432396"/>
+            <a:off x="4683192" y="3383904"/>
+            <a:ext cx="3812807" cy="397001"/>
           </a:xfrm>
           <a:prstGeom prst="rect">
             <a:avLst/>
@@ -7136,14 +6894,14 @@
               <a:buChar char="●"/>
             </a:pPr>
             <a:r>
-              <a:rPr lang="en-US" dirty="0" err="1">
+              <a:rPr lang="en-US" sz="1200" dirty="0" err="1">
                 <a:solidFill>
                   <a:schemeClr val="dk2"/>
                 </a:solidFill>
               </a:rPr>
               <a:t>SummaryPoints</a:t>
             </a:r>
-            <a:endParaRPr dirty="0">
+            <a:endParaRPr sz="1200" dirty="0">
               <a:solidFill>
                 <a:schemeClr val="dk2"/>
               </a:solidFill>
@@ -7156,7 +6914,7 @@
           <p:cNvPr id="2" name="Google Shape;132;p19">
             <a:extLst>
               <a:ext uri="{FF2B5EF4-FFF2-40B4-BE49-F238E27FC236}">
-                <a16:creationId xmlns:a16="http://schemas.microsoft.com/office/drawing/2014/main" id="{43A206B9-EA37-8FE1-E092-A16AE373ACC5}"/>
+                <a16:creationId xmlns:a16="http://schemas.microsoft.com/office/drawing/2014/main" id="{EF7DA16C-D6AF-8A1F-4DDD-B9358B69EFBB}"/>
               </a:ext>
             </a:extLst>
           </p:cNvPr>
@@ -7165,8 +6923,8 @@
         </p:nvSpPr>
         <p:spPr>
           <a:xfrm>
-            <a:off x="4481593" y="2611402"/>
-            <a:ext cx="2331600" cy="415500"/>
+            <a:off x="4683193" y="3014602"/>
+            <a:ext cx="3812806" cy="369302"/>
           </a:xfrm>
           <a:prstGeom prst="rect">
             <a:avLst/>
@@ -7192,14 +6950,14 @@
               <a:buNone/>
             </a:pPr>
             <a:r>
-              <a:rPr lang="ko-KR" altLang="en-US" sz="1500" b="1" dirty="0">
+              <a:rPr lang="ko-KR" altLang="en-US" sz="1200" b="1" dirty="0">
                 <a:solidFill>
                   <a:schemeClr val="dk2"/>
                 </a:solidFill>
               </a:rPr>
               <a:t>제안서 요약 포인트</a:t>
             </a:r>
-            <a:endParaRPr sz="1500" b="1" dirty="0">
+            <a:endParaRPr sz="1200" b="1" dirty="0">
               <a:solidFill>
                 <a:schemeClr val="dk2"/>
               </a:solidFill>
@@ -7212,7 +6970,7 @@
           <p:cNvPr id="3" name="Google Shape;132;p19">
             <a:extLst>
               <a:ext uri="{FF2B5EF4-FFF2-40B4-BE49-F238E27FC236}">
-                <a16:creationId xmlns:a16="http://schemas.microsoft.com/office/drawing/2014/main" id="{C74E99D4-7321-6A3E-8240-9F71B5FDE9A6}"/>
+                <a16:creationId xmlns:a16="http://schemas.microsoft.com/office/drawing/2014/main" id="{B143588D-56B4-8F62-BCA4-4CF1FB94A2B3}"/>
               </a:ext>
             </a:extLst>
           </p:cNvPr>
@@ -7221,8 +6979,8 @@
         </p:nvSpPr>
         <p:spPr>
           <a:xfrm>
-            <a:off x="4567950" y="974136"/>
-            <a:ext cx="2331600" cy="415500"/>
+            <a:off x="4683193" y="1002936"/>
+            <a:ext cx="3812806" cy="369302"/>
           </a:xfrm>
           <a:prstGeom prst="rect">
             <a:avLst/>
@@ -7248,7 +7006,7 @@
               <a:buNone/>
             </a:pPr>
             <a:r>
-              <a:rPr lang="ko-KR" altLang="en-US" b="1" dirty="0">
+              <a:rPr lang="ko-KR" altLang="en-US" sz="1200" b="1" dirty="0">
                 <a:solidFill>
                   <a:schemeClr val="dk2"/>
                 </a:solidFill>
@@ -7256,14 +7014,14 @@
               <a:t>고객의 </a:t>
             </a:r>
             <a:r>
-              <a:rPr lang="en-US" altLang="ko-KR" b="1" dirty="0">
+              <a:rPr lang="en-US" altLang="ko-KR" sz="1200" b="1" dirty="0">
                 <a:solidFill>
                   <a:schemeClr val="dk2"/>
                 </a:solidFill>
               </a:rPr>
               <a:t>Value</a:t>
             </a:r>
-            <a:endParaRPr b="1" dirty="0">
+            <a:endParaRPr sz="1200" b="1" dirty="0">
               <a:solidFill>
                 <a:schemeClr val="dk2"/>
               </a:solidFill>
@@ -7276,7 +7034,7 @@
           <p:cNvPr id="4" name="Google Shape;69;p14">
             <a:extLst>
               <a:ext uri="{FF2B5EF4-FFF2-40B4-BE49-F238E27FC236}">
-                <a16:creationId xmlns:a16="http://schemas.microsoft.com/office/drawing/2014/main" id="{5C3929C8-9078-8450-5156-7E6EBF206F23}"/>
+                <a16:creationId xmlns:a16="http://schemas.microsoft.com/office/drawing/2014/main" id="{CAE4CE28-BA46-FB2E-CC46-36B62C73FC56}"/>
               </a:ext>
             </a:extLst>
           </p:cNvPr>
@@ -7285,8 +7043,8 @@
         </p:nvSpPr>
         <p:spPr>
           <a:xfrm>
-            <a:off x="4572000" y="1425665"/>
-            <a:ext cx="3575930" cy="432396"/>
+            <a:off x="4683192" y="1384614"/>
+            <a:ext cx="3812807" cy="397001"/>
           </a:xfrm>
           <a:prstGeom prst="rect">
             <a:avLst/>
@@ -7319,14 +7077,14 @@
               <a:buChar char="●"/>
             </a:pPr>
             <a:r>
-              <a:rPr lang="en-US" dirty="0" err="1">
+              <a:rPr lang="en-US" sz="1200" dirty="0" err="1">
                 <a:solidFill>
                   <a:schemeClr val="dk2"/>
                 </a:solidFill>
               </a:rPr>
               <a:t>ClientValue</a:t>
             </a:r>
-            <a:endParaRPr dirty="0">
+            <a:endParaRPr sz="1200" dirty="0">
               <a:solidFill>
                 <a:schemeClr val="dk2"/>
               </a:solidFill>
@@ -7339,7 +7097,7 @@
           <p:cNvPr id="5" name="Google Shape;119;p18">
             <a:extLst>
               <a:ext uri="{FF2B5EF4-FFF2-40B4-BE49-F238E27FC236}">
-                <a16:creationId xmlns:a16="http://schemas.microsoft.com/office/drawing/2014/main" id="{DD278B7B-D1DA-8AA5-1DDB-95E03E540BC5}"/>
+                <a16:creationId xmlns:a16="http://schemas.microsoft.com/office/drawing/2014/main" id="{0437B5E6-14F9-A04F-9750-07B7AD1145E0}"/>
               </a:ext>
             </a:extLst>
           </p:cNvPr>
@@ -7348,8 +7106,8 @@
         </p:nvSpPr>
         <p:spPr>
           <a:xfrm>
-            <a:off x="865616" y="1389636"/>
-            <a:ext cx="3575931" cy="2740853"/>
+            <a:off x="865617" y="1454436"/>
+            <a:ext cx="3317584" cy="2779164"/>
           </a:xfrm>
           <a:prstGeom prst="rect">
             <a:avLst/>
@@ -7395,7 +7153,7 @@
           <p:cNvPr id="6" name="Google Shape;132;p19">
             <a:extLst>
               <a:ext uri="{FF2B5EF4-FFF2-40B4-BE49-F238E27FC236}">
-                <a16:creationId xmlns:a16="http://schemas.microsoft.com/office/drawing/2014/main" id="{1FAB3DC4-3CD6-A6EB-1EDE-869CB838FF70}"/>
+                <a16:creationId xmlns:a16="http://schemas.microsoft.com/office/drawing/2014/main" id="{B9C76E40-6D55-6D19-6E73-C4C0F7BD8067}"/>
               </a:ext>
             </a:extLst>
           </p:cNvPr>
@@ -7404,7 +7162,7 @@
         </p:nvSpPr>
         <p:spPr>
           <a:xfrm>
-            <a:off x="865616" y="1013011"/>
+            <a:off x="865616" y="1069779"/>
             <a:ext cx="3575930" cy="415500"/>
           </a:xfrm>
           <a:prstGeom prst="rect">
@@ -7438,10 +7196,170 @@
           </a:p>
         </p:txBody>
       </p:sp>
+      <p:sp>
+        <p:nvSpPr>
+          <p:cNvPr id="7" name="Google Shape;69;p14">
+            <a:extLst>
+              <a:ext uri="{FF2B5EF4-FFF2-40B4-BE49-F238E27FC236}">
+                <a16:creationId xmlns:a16="http://schemas.microsoft.com/office/drawing/2014/main" id="{A164D850-28ED-FCD6-26F7-251AFA7A5B44}"/>
+              </a:ext>
+            </a:extLst>
+          </p:cNvPr>
+          <p:cNvSpPr txBox="1"/>
+          <p:nvPr/>
+        </p:nvSpPr>
+        <p:spPr>
+          <a:xfrm>
+            <a:off x="512868" y="571739"/>
+            <a:ext cx="7287132" cy="432396"/>
+          </a:xfrm>
+          <a:prstGeom prst="rect">
+            <a:avLst/>
+          </a:prstGeom>
+          <a:noFill/>
+          <a:ln>
+            <a:noFill/>
+          </a:ln>
+        </p:spPr>
+        <p:txBody>
+          <a:bodyPr spcFirstLastPara="1" wrap="square" lIns="91425" tIns="91425" rIns="91425" bIns="91425" anchor="t" anchorCtr="0">
+            <a:spAutoFit/>
+          </a:bodyPr>
+          <a:lstStyle/>
+          <a:p>
+            <a:pPr marL="35560" marR="0" lvl="0" algn="l" rtl="0">
+              <a:lnSpc>
+                <a:spcPct val="115000"/>
+              </a:lnSpc>
+              <a:spcBef>
+                <a:spcPts val="0"/>
+              </a:spcBef>
+              <a:spcAft>
+                <a:spcPts val="0"/>
+              </a:spcAft>
+              <a:buClr>
+                <a:schemeClr val="dk2"/>
+              </a:buClr>
+              <a:buSzPts val="1600"/>
+            </a:pPr>
+            <a:r>
+              <a:rPr lang="en-US" dirty="0" err="1">
+                <a:solidFill>
+                  <a:schemeClr val="dk2"/>
+                </a:solidFill>
+              </a:rPr>
+              <a:t>middleText</a:t>
+            </a:r>
+            <a:endParaRPr dirty="0">
+              <a:solidFill>
+                <a:schemeClr val="dk2"/>
+              </a:solidFill>
+            </a:endParaRPr>
+          </a:p>
+        </p:txBody>
+      </p:sp>
+      <p:cxnSp>
+        <p:nvCxnSpPr>
+          <p:cNvPr id="10" name="Google Shape;65;p14">
+            <a:extLst>
+              <a:ext uri="{FF2B5EF4-FFF2-40B4-BE49-F238E27FC236}">
+                <a16:creationId xmlns:a16="http://schemas.microsoft.com/office/drawing/2014/main" id="{6F56845D-1CF7-9395-2C75-AE555E6AF320}"/>
+              </a:ext>
+            </a:extLst>
+          </p:cNvPr>
+          <p:cNvCxnSpPr>
+            <a:cxnSpLocks/>
+          </p:cNvCxnSpPr>
+          <p:nvPr/>
+        </p:nvCxnSpPr>
+        <p:spPr>
+          <a:xfrm>
+            <a:off x="504000" y="4928117"/>
+            <a:ext cx="7992000" cy="15383"/>
+          </a:xfrm>
+          <a:prstGeom prst="straightConnector1">
+            <a:avLst/>
+          </a:prstGeom>
+          <a:noFill/>
+          <a:ln w="9525" cap="flat" cmpd="sng">
+            <a:solidFill>
+              <a:schemeClr val="dk2"/>
+            </a:solidFill>
+            <a:prstDash val="solid"/>
+            <a:round/>
+            <a:headEnd type="none" w="med" len="med"/>
+            <a:tailEnd type="none" w="med" len="med"/>
+          </a:ln>
+        </p:spPr>
+      </p:cxnSp>
+      <p:sp>
+        <p:nvSpPr>
+          <p:cNvPr id="11" name="Google Shape;310;p44">
+            <a:extLst>
+              <a:ext uri="{FF2B5EF4-FFF2-40B4-BE49-F238E27FC236}">
+                <a16:creationId xmlns:a16="http://schemas.microsoft.com/office/drawing/2014/main" id="{C0E7AAF4-1995-ED49-54D3-508930C3F3AA}"/>
+              </a:ext>
+            </a:extLst>
+          </p:cNvPr>
+          <p:cNvSpPr/>
+          <p:nvPr/>
+        </p:nvSpPr>
+        <p:spPr>
+          <a:xfrm>
+            <a:off x="4259321" y="1922861"/>
+            <a:ext cx="342900" cy="1695450"/>
+          </a:xfrm>
+          <a:prstGeom prst="rightArrow">
+            <a:avLst>
+              <a:gd name="adj1" fmla="val 50000"/>
+              <a:gd name="adj2" fmla="val 100000"/>
+            </a:avLst>
+          </a:prstGeom>
+          <a:solidFill>
+            <a:schemeClr val="tx1">
+              <a:lumMod val="50000"/>
+              <a:lumOff val="50000"/>
+            </a:schemeClr>
+          </a:solidFill>
+          <a:ln w="12700" cap="flat" cmpd="sng">
+            <a:noFill/>
+            <a:prstDash val="solid"/>
+            <a:miter lim="800000"/>
+            <a:headEnd type="none" w="sm" len="sm"/>
+            <a:tailEnd type="none" w="sm" len="sm"/>
+          </a:ln>
+        </p:spPr>
+        <p:txBody>
+          <a:bodyPr spcFirstLastPara="1" wrap="square" lIns="91425" tIns="45700" rIns="91425" bIns="45700" anchor="ctr" anchorCtr="0">
+            <a:noAutofit/>
+          </a:bodyPr>
+          <a:lstStyle/>
+          <a:p>
+            <a:pPr marL="0" marR="0" lvl="0" indent="0" algn="l" rtl="0">
+              <a:spcBef>
+                <a:spcPts val="0"/>
+              </a:spcBef>
+              <a:spcAft>
+                <a:spcPts val="0"/>
+              </a:spcAft>
+              <a:buNone/>
+            </a:pPr>
+            <a:endParaRPr sz="1800">
+              <a:solidFill>
+                <a:schemeClr val="dk1"/>
+              </a:solidFill>
+              <a:latin typeface="Verdana"/>
+              <a:ea typeface="Verdana"/>
+              <a:cs typeface="Verdana"/>
+              <a:sym typeface="Verdana"/>
+            </a:endParaRPr>
+          </a:p>
+        </p:txBody>
+      </p:sp>
     </p:spTree>
     <p:extLst>
       <p:ext uri="{BB962C8B-B14F-4D97-AF65-F5344CB8AC3E}">
-        <p14:creationId xmlns:p14="http://schemas.microsoft.com/office/powerpoint/2010/main" val="3862813673"/>
+        <p14:creationId xmlns:p14="http://schemas.microsoft.com/office/powerpoint/2010/main" val="1214954637"/>
       </p:ext>
     </p:extLst>
   </p:cSld>
@@ -7468,58 +7386,6 @@
           <a:chExt cx="0" cy="0"/>
         </a:xfrm>
       </p:grpSpPr>
-      <p:cxnSp>
-        <p:nvCxnSpPr>
-          <p:cNvPr id="74" name="Google Shape;74;p15"/>
-          <p:cNvCxnSpPr/>
-          <p:nvPr/>
-        </p:nvCxnSpPr>
-        <p:spPr>
-          <a:xfrm>
-            <a:off x="919950" y="650300"/>
-            <a:ext cx="7296000" cy="11400"/>
-          </a:xfrm>
-          <a:prstGeom prst="straightConnector1">
-            <a:avLst/>
-          </a:prstGeom>
-          <a:noFill/>
-          <a:ln w="9525" cap="flat" cmpd="sng">
-            <a:solidFill>
-              <a:schemeClr val="dk2"/>
-            </a:solidFill>
-            <a:prstDash val="solid"/>
-            <a:round/>
-            <a:headEnd type="none" w="med" len="med"/>
-            <a:tailEnd type="none" w="med" len="med"/>
-          </a:ln>
-        </p:spPr>
-      </p:cxnSp>
-      <p:cxnSp>
-        <p:nvCxnSpPr>
-          <p:cNvPr id="75" name="Google Shape;75;p15"/>
-          <p:cNvCxnSpPr/>
-          <p:nvPr/>
-        </p:nvCxnSpPr>
-        <p:spPr>
-          <a:xfrm>
-            <a:off x="919950" y="4796825"/>
-            <a:ext cx="7296000" cy="11400"/>
-          </a:xfrm>
-          <a:prstGeom prst="straightConnector1">
-            <a:avLst/>
-          </a:prstGeom>
-          <a:noFill/>
-          <a:ln w="9525" cap="flat" cmpd="sng">
-            <a:solidFill>
-              <a:schemeClr val="dk2"/>
-            </a:solidFill>
-            <a:prstDash val="solid"/>
-            <a:round/>
-            <a:headEnd type="none" w="med" len="med"/>
-            <a:tailEnd type="none" w="med" len="med"/>
-          </a:ln>
-        </p:spPr>
-      </p:cxnSp>
       <p:sp>
         <p:nvSpPr>
           <p:cNvPr id="76" name="Google Shape;76;p15"/>
@@ -7563,106 +7429,6 @@
               <a:t>project_understanding</a:t>
             </a:r>
             <a:endParaRPr sz="1000" dirty="0">
-              <a:solidFill>
-                <a:schemeClr val="dk2"/>
-              </a:solidFill>
-            </a:endParaRPr>
-          </a:p>
-        </p:txBody>
-      </p:sp>
-      <p:sp>
-        <p:nvSpPr>
-          <p:cNvPr id="77" name="Google Shape;77;p15"/>
-          <p:cNvSpPr txBox="1"/>
-          <p:nvPr/>
-        </p:nvSpPr>
-        <p:spPr>
-          <a:xfrm>
-            <a:off x="919950" y="200000"/>
-            <a:ext cx="7296000" cy="461700"/>
-          </a:xfrm>
-          <a:prstGeom prst="rect">
-            <a:avLst/>
-          </a:prstGeom>
-          <a:noFill/>
-          <a:ln>
-            <a:noFill/>
-          </a:ln>
-        </p:spPr>
-        <p:txBody>
-          <a:bodyPr spcFirstLastPara="1" wrap="square" lIns="91425" tIns="91425" rIns="91425" bIns="91425" anchor="t" anchorCtr="0">
-            <a:spAutoFit/>
-          </a:bodyPr>
-          <a:lstStyle/>
-          <a:p>
-            <a:pPr marL="0" lvl="0" indent="0" algn="l" rtl="0">
-              <a:spcBef>
-                <a:spcPts val="0"/>
-              </a:spcBef>
-              <a:spcAft>
-                <a:spcPts val="0"/>
-              </a:spcAft>
-              <a:buNone/>
-            </a:pPr>
-            <a:r>
-              <a:rPr lang="en" sz="1800">
-                <a:solidFill>
-                  <a:schemeClr val="dk2"/>
-                </a:solidFill>
-              </a:rPr>
-              <a:t>Title</a:t>
-            </a:r>
-            <a:endParaRPr sz="1800">
-              <a:solidFill>
-                <a:schemeClr val="dk2"/>
-              </a:solidFill>
-            </a:endParaRPr>
-          </a:p>
-        </p:txBody>
-      </p:sp>
-      <p:sp>
-        <p:nvSpPr>
-          <p:cNvPr id="78" name="Google Shape;78;p15"/>
-          <p:cNvSpPr txBox="1"/>
-          <p:nvPr/>
-        </p:nvSpPr>
-        <p:spPr>
-          <a:xfrm>
-            <a:off x="919950" y="661700"/>
-            <a:ext cx="7296000" cy="431100"/>
-          </a:xfrm>
-          <a:prstGeom prst="rect">
-            <a:avLst/>
-          </a:prstGeom>
-          <a:noFill/>
-          <a:ln>
-            <a:noFill/>
-          </a:ln>
-        </p:spPr>
-        <p:txBody>
-          <a:bodyPr spcFirstLastPara="1" wrap="square" lIns="91425" tIns="91425" rIns="91425" bIns="91425" anchor="t" anchorCtr="0">
-            <a:spAutoFit/>
-          </a:bodyPr>
-          <a:lstStyle/>
-          <a:p>
-            <a:pPr marL="0" lvl="0" indent="0" algn="l" rtl="0">
-              <a:spcBef>
-                <a:spcPts val="0"/>
-              </a:spcBef>
-              <a:spcAft>
-                <a:spcPts val="0"/>
-              </a:spcAft>
-              <a:buNone/>
-            </a:pPr>
-            <a:r>
-              <a:rPr lang="en" sz="1600">
-                <a:solidFill>
-                  <a:schemeClr val="dk2"/>
-                </a:solidFill>
-              </a:rPr>
-              <a:t>MiddleText</a:t>
-            </a:r>
-            <a:endParaRPr sz="1600">
               <a:solidFill>
                 <a:schemeClr val="dk2"/>
               </a:solidFill>
@@ -7889,6 +7655,192 @@
           </a:p>
         </p:txBody>
       </p:sp>
+      <p:cxnSp>
+        <p:nvCxnSpPr>
+          <p:cNvPr id="4" name="Google Shape;65;p14">
+            <a:extLst>
+              <a:ext uri="{FF2B5EF4-FFF2-40B4-BE49-F238E27FC236}">
+                <a16:creationId xmlns:a16="http://schemas.microsoft.com/office/drawing/2014/main" id="{BE423EB8-802C-FD17-4FF8-F9B9194B8232}"/>
+              </a:ext>
+            </a:extLst>
+          </p:cNvPr>
+          <p:cNvCxnSpPr>
+            <a:cxnSpLocks/>
+          </p:cNvCxnSpPr>
+          <p:nvPr/>
+        </p:nvCxnSpPr>
+        <p:spPr>
+          <a:xfrm>
+            <a:off x="504000" y="564048"/>
+            <a:ext cx="7992000" cy="15383"/>
+          </a:xfrm>
+          <a:prstGeom prst="straightConnector1">
+            <a:avLst/>
+          </a:prstGeom>
+          <a:noFill/>
+          <a:ln w="9525" cap="flat" cmpd="sng">
+            <a:solidFill>
+              <a:schemeClr val="dk2"/>
+            </a:solidFill>
+            <a:prstDash val="solid"/>
+            <a:round/>
+            <a:headEnd type="none" w="med" len="med"/>
+            <a:tailEnd type="none" w="med" len="med"/>
+          </a:ln>
+        </p:spPr>
+      </p:cxnSp>
+      <p:sp>
+        <p:nvSpPr>
+          <p:cNvPr id="5" name="Google Shape;68;p14">
+            <a:extLst>
+              <a:ext uri="{FF2B5EF4-FFF2-40B4-BE49-F238E27FC236}">
+                <a16:creationId xmlns:a16="http://schemas.microsoft.com/office/drawing/2014/main" id="{2F3FF017-D48F-8094-DF38-495E776CADB5}"/>
+              </a:ext>
+            </a:extLst>
+          </p:cNvPr>
+          <p:cNvSpPr txBox="1"/>
+          <p:nvPr/>
+        </p:nvSpPr>
+        <p:spPr>
+          <a:xfrm>
+            <a:off x="504000" y="133173"/>
+            <a:ext cx="7296000" cy="430857"/>
+          </a:xfrm>
+          <a:prstGeom prst="rect">
+            <a:avLst/>
+          </a:prstGeom>
+          <a:noFill/>
+          <a:ln>
+            <a:noFill/>
+          </a:ln>
+        </p:spPr>
+        <p:txBody>
+          <a:bodyPr spcFirstLastPara="1" wrap="square" lIns="91425" tIns="91425" rIns="91425" bIns="91425" anchor="t" anchorCtr="0">
+            <a:spAutoFit/>
+          </a:bodyPr>
+          <a:lstStyle/>
+          <a:p>
+            <a:pPr marL="0" lvl="0" indent="0" algn="l" rtl="0">
+              <a:spcBef>
+                <a:spcPts val="0"/>
+              </a:spcBef>
+              <a:spcAft>
+                <a:spcPts val="0"/>
+              </a:spcAft>
+              <a:buNone/>
+            </a:pPr>
+            <a:r>
+              <a:rPr lang="en" sz="1600" dirty="0">
+                <a:solidFill>
+                  <a:schemeClr val="dk2"/>
+                </a:solidFill>
+              </a:rPr>
+              <a:t>Title</a:t>
+            </a:r>
+            <a:endParaRPr sz="1600" dirty="0">
+              <a:solidFill>
+                <a:schemeClr val="dk2"/>
+              </a:solidFill>
+            </a:endParaRPr>
+          </a:p>
+        </p:txBody>
+      </p:sp>
+      <p:sp>
+        <p:nvSpPr>
+          <p:cNvPr id="6" name="Google Shape;69;p14">
+            <a:extLst>
+              <a:ext uri="{FF2B5EF4-FFF2-40B4-BE49-F238E27FC236}">
+                <a16:creationId xmlns:a16="http://schemas.microsoft.com/office/drawing/2014/main" id="{136F6552-4EBA-0253-21EE-BC98F2B28D3D}"/>
+              </a:ext>
+            </a:extLst>
+          </p:cNvPr>
+          <p:cNvSpPr txBox="1"/>
+          <p:nvPr/>
+        </p:nvSpPr>
+        <p:spPr>
+          <a:xfrm>
+            <a:off x="512868" y="571739"/>
+            <a:ext cx="7287132" cy="432396"/>
+          </a:xfrm>
+          <a:prstGeom prst="rect">
+            <a:avLst/>
+          </a:prstGeom>
+          <a:noFill/>
+          <a:ln>
+            <a:noFill/>
+          </a:ln>
+        </p:spPr>
+        <p:txBody>
+          <a:bodyPr spcFirstLastPara="1" wrap="square" lIns="91425" tIns="91425" rIns="91425" bIns="91425" anchor="t" anchorCtr="0">
+            <a:spAutoFit/>
+          </a:bodyPr>
+          <a:lstStyle/>
+          <a:p>
+            <a:pPr marL="35560" marR="0" lvl="0" algn="l" rtl="0">
+              <a:lnSpc>
+                <a:spcPct val="115000"/>
+              </a:lnSpc>
+              <a:spcBef>
+                <a:spcPts val="0"/>
+              </a:spcBef>
+              <a:spcAft>
+                <a:spcPts val="0"/>
+              </a:spcAft>
+              <a:buClr>
+                <a:schemeClr val="dk2"/>
+              </a:buClr>
+              <a:buSzPts val="1600"/>
+            </a:pPr>
+            <a:r>
+              <a:rPr lang="en-US" dirty="0" err="1">
+                <a:solidFill>
+                  <a:schemeClr val="dk2"/>
+                </a:solidFill>
+              </a:rPr>
+              <a:t>middleText</a:t>
+            </a:r>
+            <a:endParaRPr dirty="0">
+              <a:solidFill>
+                <a:schemeClr val="dk2"/>
+              </a:solidFill>
+            </a:endParaRPr>
+          </a:p>
+        </p:txBody>
+      </p:sp>
+      <p:cxnSp>
+        <p:nvCxnSpPr>
+          <p:cNvPr id="7" name="Google Shape;65;p14">
+            <a:extLst>
+              <a:ext uri="{FF2B5EF4-FFF2-40B4-BE49-F238E27FC236}">
+                <a16:creationId xmlns:a16="http://schemas.microsoft.com/office/drawing/2014/main" id="{48DFE170-8EF9-63E1-2FC8-D4BA7A690911}"/>
+              </a:ext>
+            </a:extLst>
+          </p:cNvPr>
+          <p:cNvCxnSpPr>
+            <a:cxnSpLocks/>
+          </p:cNvCxnSpPr>
+          <p:nvPr/>
+        </p:nvCxnSpPr>
+        <p:spPr>
+          <a:xfrm>
+            <a:off x="504000" y="4928117"/>
+            <a:ext cx="7992000" cy="15383"/>
+          </a:xfrm>
+          <a:prstGeom prst="straightConnector1">
+            <a:avLst/>
+          </a:prstGeom>
+          <a:noFill/>
+          <a:ln w="9525" cap="flat" cmpd="sng">
+            <a:solidFill>
+              <a:schemeClr val="dk2"/>
+            </a:solidFill>
+            <a:prstDash val="solid"/>
+            <a:round/>
+            <a:headEnd type="none" w="med" len="med"/>
+            <a:tailEnd type="none" w="med" len="med"/>
+          </a:ln>
+        </p:spPr>
+      </p:cxnSp>
     </p:spTree>
   </p:cSld>
   <p:clrMapOvr>
@@ -7914,58 +7866,6 @@
           <a:chExt cx="0" cy="0"/>
         </a:xfrm>
       </p:grpSpPr>
-      <p:cxnSp>
-        <p:nvCxnSpPr>
-          <p:cNvPr id="87" name="Google Shape;87;p16"/>
-          <p:cNvCxnSpPr/>
-          <p:nvPr/>
-        </p:nvCxnSpPr>
-        <p:spPr>
-          <a:xfrm>
-            <a:off x="919950" y="650300"/>
-            <a:ext cx="7296000" cy="11400"/>
-          </a:xfrm>
-          <a:prstGeom prst="straightConnector1">
-            <a:avLst/>
-          </a:prstGeom>
-          <a:noFill/>
-          <a:ln w="9525" cap="flat" cmpd="sng">
-            <a:solidFill>
-              <a:schemeClr val="dk2"/>
-            </a:solidFill>
-            <a:prstDash val="solid"/>
-            <a:round/>
-            <a:headEnd type="none" w="med" len="med"/>
-            <a:tailEnd type="none" w="med" len="med"/>
-          </a:ln>
-        </p:spPr>
-      </p:cxnSp>
-      <p:cxnSp>
-        <p:nvCxnSpPr>
-          <p:cNvPr id="88" name="Google Shape;88;p16"/>
-          <p:cNvCxnSpPr/>
-          <p:nvPr/>
-        </p:nvCxnSpPr>
-        <p:spPr>
-          <a:xfrm>
-            <a:off x="919950" y="4796825"/>
-            <a:ext cx="7296000" cy="11400"/>
-          </a:xfrm>
-          <a:prstGeom prst="straightConnector1">
-            <a:avLst/>
-          </a:prstGeom>
-          <a:noFill/>
-          <a:ln w="9525" cap="flat" cmpd="sng">
-            <a:solidFill>
-              <a:schemeClr val="dk2"/>
-            </a:solidFill>
-            <a:prstDash val="solid"/>
-            <a:round/>
-            <a:headEnd type="none" w="med" len="med"/>
-            <a:tailEnd type="none" w="med" len="med"/>
-          </a:ln>
-        </p:spPr>
-      </p:cxnSp>
       <p:sp>
         <p:nvSpPr>
           <p:cNvPr id="89" name="Google Shape;89;p16"/>
@@ -8009,106 +7909,6 @@
               <a:t>client_needs_summary</a:t>
             </a:r>
             <a:endParaRPr sz="1000" dirty="0">
-              <a:solidFill>
-                <a:schemeClr val="dk2"/>
-              </a:solidFill>
-            </a:endParaRPr>
-          </a:p>
-        </p:txBody>
-      </p:sp>
-      <p:sp>
-        <p:nvSpPr>
-          <p:cNvPr id="90" name="Google Shape;90;p16"/>
-          <p:cNvSpPr txBox="1"/>
-          <p:nvPr/>
-        </p:nvSpPr>
-        <p:spPr>
-          <a:xfrm>
-            <a:off x="919950" y="200000"/>
-            <a:ext cx="7296000" cy="461700"/>
-          </a:xfrm>
-          <a:prstGeom prst="rect">
-            <a:avLst/>
-          </a:prstGeom>
-          <a:noFill/>
-          <a:ln>
-            <a:noFill/>
-          </a:ln>
-        </p:spPr>
-        <p:txBody>
-          <a:bodyPr spcFirstLastPara="1" wrap="square" lIns="91425" tIns="91425" rIns="91425" bIns="91425" anchor="t" anchorCtr="0">
-            <a:spAutoFit/>
-          </a:bodyPr>
-          <a:lstStyle/>
-          <a:p>
-            <a:pPr marL="0" lvl="0" indent="0" algn="l" rtl="0">
-              <a:spcBef>
-                <a:spcPts val="0"/>
-              </a:spcBef>
-              <a:spcAft>
-                <a:spcPts val="0"/>
-              </a:spcAft>
-              <a:buNone/>
-            </a:pPr>
-            <a:r>
-              <a:rPr lang="en" sz="1800">
-                <a:solidFill>
-                  <a:schemeClr val="dk2"/>
-                </a:solidFill>
-              </a:rPr>
-              <a:t>Title</a:t>
-            </a:r>
-            <a:endParaRPr sz="1800">
-              <a:solidFill>
-                <a:schemeClr val="dk2"/>
-              </a:solidFill>
-            </a:endParaRPr>
-          </a:p>
-        </p:txBody>
-      </p:sp>
-      <p:sp>
-        <p:nvSpPr>
-          <p:cNvPr id="91" name="Google Shape;91;p16"/>
-          <p:cNvSpPr txBox="1"/>
-          <p:nvPr/>
-        </p:nvSpPr>
-        <p:spPr>
-          <a:xfrm>
-            <a:off x="919950" y="661700"/>
-            <a:ext cx="7296000" cy="431100"/>
-          </a:xfrm>
-          <a:prstGeom prst="rect">
-            <a:avLst/>
-          </a:prstGeom>
-          <a:noFill/>
-          <a:ln>
-            <a:noFill/>
-          </a:ln>
-        </p:spPr>
-        <p:txBody>
-          <a:bodyPr spcFirstLastPara="1" wrap="square" lIns="91425" tIns="91425" rIns="91425" bIns="91425" anchor="t" anchorCtr="0">
-            <a:spAutoFit/>
-          </a:bodyPr>
-          <a:lstStyle/>
-          <a:p>
-            <a:pPr marL="0" lvl="0" indent="0" algn="l" rtl="0">
-              <a:spcBef>
-                <a:spcPts val="0"/>
-              </a:spcBef>
-              <a:spcAft>
-                <a:spcPts val="0"/>
-              </a:spcAft>
-              <a:buNone/>
-            </a:pPr>
-            <a:r>
-              <a:rPr lang="en" sz="1600">
-                <a:solidFill>
-                  <a:schemeClr val="dk2"/>
-                </a:solidFill>
-              </a:rPr>
-              <a:t>MiddleText</a:t>
-            </a:r>
-            <a:endParaRPr sz="1600">
               <a:solidFill>
                 <a:schemeClr val="dk2"/>
               </a:solidFill>
@@ -8424,6 +8224,192 @@
           </a:p>
         </p:txBody>
       </p:sp>
+      <p:cxnSp>
+        <p:nvCxnSpPr>
+          <p:cNvPr id="4" name="Google Shape;65;p14">
+            <a:extLst>
+              <a:ext uri="{FF2B5EF4-FFF2-40B4-BE49-F238E27FC236}">
+                <a16:creationId xmlns:a16="http://schemas.microsoft.com/office/drawing/2014/main" id="{A754F9CE-09BF-A01D-EB2D-B3C3E36BCF0D}"/>
+              </a:ext>
+            </a:extLst>
+          </p:cNvPr>
+          <p:cNvCxnSpPr>
+            <a:cxnSpLocks/>
+          </p:cNvCxnSpPr>
+          <p:nvPr/>
+        </p:nvCxnSpPr>
+        <p:spPr>
+          <a:xfrm>
+            <a:off x="504000" y="564048"/>
+            <a:ext cx="7992000" cy="15383"/>
+          </a:xfrm>
+          <a:prstGeom prst="straightConnector1">
+            <a:avLst/>
+          </a:prstGeom>
+          <a:noFill/>
+          <a:ln w="9525" cap="flat" cmpd="sng">
+            <a:solidFill>
+              <a:schemeClr val="dk2"/>
+            </a:solidFill>
+            <a:prstDash val="solid"/>
+            <a:round/>
+            <a:headEnd type="none" w="med" len="med"/>
+            <a:tailEnd type="none" w="med" len="med"/>
+          </a:ln>
+        </p:spPr>
+      </p:cxnSp>
+      <p:sp>
+        <p:nvSpPr>
+          <p:cNvPr id="5" name="Google Shape;68;p14">
+            <a:extLst>
+              <a:ext uri="{FF2B5EF4-FFF2-40B4-BE49-F238E27FC236}">
+                <a16:creationId xmlns:a16="http://schemas.microsoft.com/office/drawing/2014/main" id="{ABE7FA74-6F45-F6C2-0B95-537A5A093F09}"/>
+              </a:ext>
+            </a:extLst>
+          </p:cNvPr>
+          <p:cNvSpPr txBox="1"/>
+          <p:nvPr/>
+        </p:nvSpPr>
+        <p:spPr>
+          <a:xfrm>
+            <a:off x="504000" y="133173"/>
+            <a:ext cx="7296000" cy="430857"/>
+          </a:xfrm>
+          <a:prstGeom prst="rect">
+            <a:avLst/>
+          </a:prstGeom>
+          <a:noFill/>
+          <a:ln>
+            <a:noFill/>
+          </a:ln>
+        </p:spPr>
+        <p:txBody>
+          <a:bodyPr spcFirstLastPara="1" wrap="square" lIns="91425" tIns="91425" rIns="91425" bIns="91425" anchor="t" anchorCtr="0">
+            <a:spAutoFit/>
+          </a:bodyPr>
+          <a:lstStyle/>
+          <a:p>
+            <a:pPr marL="0" lvl="0" indent="0" algn="l" rtl="0">
+              <a:spcBef>
+                <a:spcPts val="0"/>
+              </a:spcBef>
+              <a:spcAft>
+                <a:spcPts val="0"/>
+              </a:spcAft>
+              <a:buNone/>
+            </a:pPr>
+            <a:r>
+              <a:rPr lang="en" sz="1600" dirty="0">
+                <a:solidFill>
+                  <a:schemeClr val="dk2"/>
+                </a:solidFill>
+              </a:rPr>
+              <a:t>Title</a:t>
+            </a:r>
+            <a:endParaRPr sz="1600" dirty="0">
+              <a:solidFill>
+                <a:schemeClr val="dk2"/>
+              </a:solidFill>
+            </a:endParaRPr>
+          </a:p>
+        </p:txBody>
+      </p:sp>
+      <p:sp>
+        <p:nvSpPr>
+          <p:cNvPr id="6" name="Google Shape;69;p14">
+            <a:extLst>
+              <a:ext uri="{FF2B5EF4-FFF2-40B4-BE49-F238E27FC236}">
+                <a16:creationId xmlns:a16="http://schemas.microsoft.com/office/drawing/2014/main" id="{D6F4CB69-A3B3-8AF6-2A0E-465298B1448F}"/>
+              </a:ext>
+            </a:extLst>
+          </p:cNvPr>
+          <p:cNvSpPr txBox="1"/>
+          <p:nvPr/>
+        </p:nvSpPr>
+        <p:spPr>
+          <a:xfrm>
+            <a:off x="512868" y="571739"/>
+            <a:ext cx="7287132" cy="432396"/>
+          </a:xfrm>
+          <a:prstGeom prst="rect">
+            <a:avLst/>
+          </a:prstGeom>
+          <a:noFill/>
+          <a:ln>
+            <a:noFill/>
+          </a:ln>
+        </p:spPr>
+        <p:txBody>
+          <a:bodyPr spcFirstLastPara="1" wrap="square" lIns="91425" tIns="91425" rIns="91425" bIns="91425" anchor="t" anchorCtr="0">
+            <a:spAutoFit/>
+          </a:bodyPr>
+          <a:lstStyle/>
+          <a:p>
+            <a:pPr marL="35560" marR="0" lvl="0" algn="l" rtl="0">
+              <a:lnSpc>
+                <a:spcPct val="115000"/>
+              </a:lnSpc>
+              <a:spcBef>
+                <a:spcPts val="0"/>
+              </a:spcBef>
+              <a:spcAft>
+                <a:spcPts val="0"/>
+              </a:spcAft>
+              <a:buClr>
+                <a:schemeClr val="dk2"/>
+              </a:buClr>
+              <a:buSzPts val="1600"/>
+            </a:pPr>
+            <a:r>
+              <a:rPr lang="en-US" dirty="0" err="1">
+                <a:solidFill>
+                  <a:schemeClr val="dk2"/>
+                </a:solidFill>
+              </a:rPr>
+              <a:t>middleText</a:t>
+            </a:r>
+            <a:endParaRPr dirty="0">
+              <a:solidFill>
+                <a:schemeClr val="dk2"/>
+              </a:solidFill>
+            </a:endParaRPr>
+          </a:p>
+        </p:txBody>
+      </p:sp>
+      <p:cxnSp>
+        <p:nvCxnSpPr>
+          <p:cNvPr id="7" name="Google Shape;65;p14">
+            <a:extLst>
+              <a:ext uri="{FF2B5EF4-FFF2-40B4-BE49-F238E27FC236}">
+                <a16:creationId xmlns:a16="http://schemas.microsoft.com/office/drawing/2014/main" id="{DE9B1730-31D2-B649-4A33-4717482E00AD}"/>
+              </a:ext>
+            </a:extLst>
+          </p:cNvPr>
+          <p:cNvCxnSpPr>
+            <a:cxnSpLocks/>
+          </p:cNvCxnSpPr>
+          <p:nvPr/>
+        </p:nvCxnSpPr>
+        <p:spPr>
+          <a:xfrm>
+            <a:off x="504000" y="4928117"/>
+            <a:ext cx="7992000" cy="15383"/>
+          </a:xfrm>
+          <a:prstGeom prst="straightConnector1">
+            <a:avLst/>
+          </a:prstGeom>
+          <a:noFill/>
+          <a:ln w="9525" cap="flat" cmpd="sng">
+            <a:solidFill>
+              <a:schemeClr val="dk2"/>
+            </a:solidFill>
+            <a:prstDash val="solid"/>
+            <a:round/>
+            <a:headEnd type="none" w="med" len="med"/>
+            <a:tailEnd type="none" w="med" len="med"/>
+          </a:ln>
+        </p:spPr>
+      </p:cxnSp>
     </p:spTree>
   </p:cSld>
   <p:clrMapOvr>
@@ -8449,58 +8435,6 @@
           <a:chExt cx="0" cy="0"/>
         </a:xfrm>
       </p:grpSpPr>
-      <p:cxnSp>
-        <p:nvCxnSpPr>
-          <p:cNvPr id="100" name="Google Shape;100;p17"/>
-          <p:cNvCxnSpPr/>
-          <p:nvPr/>
-        </p:nvCxnSpPr>
-        <p:spPr>
-          <a:xfrm>
-            <a:off x="919950" y="650300"/>
-            <a:ext cx="7296000" cy="11400"/>
-          </a:xfrm>
-          <a:prstGeom prst="straightConnector1">
-            <a:avLst/>
-          </a:prstGeom>
-          <a:noFill/>
-          <a:ln w="9525" cap="flat" cmpd="sng">
-            <a:solidFill>
-              <a:schemeClr val="dk2"/>
-            </a:solidFill>
-            <a:prstDash val="solid"/>
-            <a:round/>
-            <a:headEnd type="none" w="med" len="med"/>
-            <a:tailEnd type="none" w="med" len="med"/>
-          </a:ln>
-        </p:spPr>
-      </p:cxnSp>
-      <p:cxnSp>
-        <p:nvCxnSpPr>
-          <p:cNvPr id="101" name="Google Shape;101;p17"/>
-          <p:cNvCxnSpPr/>
-          <p:nvPr/>
-        </p:nvCxnSpPr>
-        <p:spPr>
-          <a:xfrm>
-            <a:off x="919950" y="4796825"/>
-            <a:ext cx="7296000" cy="11400"/>
-          </a:xfrm>
-          <a:prstGeom prst="straightConnector1">
-            <a:avLst/>
-          </a:prstGeom>
-          <a:noFill/>
-          <a:ln w="9525" cap="flat" cmpd="sng">
-            <a:solidFill>
-              <a:schemeClr val="dk2"/>
-            </a:solidFill>
-            <a:prstDash val="solid"/>
-            <a:round/>
-            <a:headEnd type="none" w="med" len="med"/>
-            <a:tailEnd type="none" w="med" len="med"/>
-          </a:ln>
-        </p:spPr>
-      </p:cxnSp>
       <p:sp>
         <p:nvSpPr>
           <p:cNvPr id="102" name="Google Shape;102;p17"/>
@@ -8544,106 +8478,6 @@
               <a:t>market_analysis_market_overview</a:t>
             </a:r>
             <a:endParaRPr sz="1000">
-              <a:solidFill>
-                <a:schemeClr val="dk2"/>
-              </a:solidFill>
-            </a:endParaRPr>
-          </a:p>
-        </p:txBody>
-      </p:sp>
-      <p:sp>
-        <p:nvSpPr>
-          <p:cNvPr id="103" name="Google Shape;103;p17"/>
-          <p:cNvSpPr txBox="1"/>
-          <p:nvPr/>
-        </p:nvSpPr>
-        <p:spPr>
-          <a:xfrm>
-            <a:off x="919950" y="200000"/>
-            <a:ext cx="7296000" cy="461700"/>
-          </a:xfrm>
-          <a:prstGeom prst="rect">
-            <a:avLst/>
-          </a:prstGeom>
-          <a:noFill/>
-          <a:ln>
-            <a:noFill/>
-          </a:ln>
-        </p:spPr>
-        <p:txBody>
-          <a:bodyPr spcFirstLastPara="1" wrap="square" lIns="91425" tIns="91425" rIns="91425" bIns="91425" anchor="t" anchorCtr="0">
-            <a:spAutoFit/>
-          </a:bodyPr>
-          <a:lstStyle/>
-          <a:p>
-            <a:pPr marL="0" lvl="0" indent="0" algn="l" rtl="0">
-              <a:spcBef>
-                <a:spcPts val="0"/>
-              </a:spcBef>
-              <a:spcAft>
-                <a:spcPts val="0"/>
-              </a:spcAft>
-              <a:buNone/>
-            </a:pPr>
-            <a:r>
-              <a:rPr lang="en" sz="1800">
-                <a:solidFill>
-                  <a:schemeClr val="dk2"/>
-                </a:solidFill>
-              </a:rPr>
-              <a:t>Title</a:t>
-            </a:r>
-            <a:endParaRPr sz="1800">
-              <a:solidFill>
-                <a:schemeClr val="dk2"/>
-              </a:solidFill>
-            </a:endParaRPr>
-          </a:p>
-        </p:txBody>
-      </p:sp>
-      <p:sp>
-        <p:nvSpPr>
-          <p:cNvPr id="104" name="Google Shape;104;p17"/>
-          <p:cNvSpPr txBox="1"/>
-          <p:nvPr/>
-        </p:nvSpPr>
-        <p:spPr>
-          <a:xfrm>
-            <a:off x="919950" y="661700"/>
-            <a:ext cx="7296000" cy="431100"/>
-          </a:xfrm>
-          <a:prstGeom prst="rect">
-            <a:avLst/>
-          </a:prstGeom>
-          <a:noFill/>
-          <a:ln>
-            <a:noFill/>
-          </a:ln>
-        </p:spPr>
-        <p:txBody>
-          <a:bodyPr spcFirstLastPara="1" wrap="square" lIns="91425" tIns="91425" rIns="91425" bIns="91425" anchor="t" anchorCtr="0">
-            <a:spAutoFit/>
-          </a:bodyPr>
-          <a:lstStyle/>
-          <a:p>
-            <a:pPr marL="0" lvl="0" indent="0" algn="l" rtl="0">
-              <a:spcBef>
-                <a:spcPts val="0"/>
-              </a:spcBef>
-              <a:spcAft>
-                <a:spcPts val="0"/>
-              </a:spcAft>
-              <a:buNone/>
-            </a:pPr>
-            <a:r>
-              <a:rPr lang="en" sz="1600">
-                <a:solidFill>
-                  <a:schemeClr val="dk2"/>
-                </a:solidFill>
-              </a:rPr>
-              <a:t>MiddleText</a:t>
-            </a:r>
-            <a:endParaRPr sz="1600">
               <a:solidFill>
                 <a:schemeClr val="dk2"/>
               </a:solidFill>
@@ -8805,6 +8639,192 @@
           </a:p>
         </p:txBody>
       </p:sp>
+      <p:cxnSp>
+        <p:nvCxnSpPr>
+          <p:cNvPr id="2" name="Google Shape;65;p14">
+            <a:extLst>
+              <a:ext uri="{FF2B5EF4-FFF2-40B4-BE49-F238E27FC236}">
+                <a16:creationId xmlns:a16="http://schemas.microsoft.com/office/drawing/2014/main" id="{71C12402-D6FB-0B34-E2DA-6A43BFAA1402}"/>
+              </a:ext>
+            </a:extLst>
+          </p:cNvPr>
+          <p:cNvCxnSpPr>
+            <a:cxnSpLocks/>
+          </p:cNvCxnSpPr>
+          <p:nvPr/>
+        </p:nvCxnSpPr>
+        <p:spPr>
+          <a:xfrm>
+            <a:off x="504000" y="564048"/>
+            <a:ext cx="7992000" cy="15383"/>
+          </a:xfrm>
+          <a:prstGeom prst="straightConnector1">
+            <a:avLst/>
+          </a:prstGeom>
+          <a:noFill/>
+          <a:ln w="9525" cap="flat" cmpd="sng">
+            <a:solidFill>
+              <a:schemeClr val="dk2"/>
+            </a:solidFill>
+            <a:prstDash val="solid"/>
+            <a:round/>
+            <a:headEnd type="none" w="med" len="med"/>
+            <a:tailEnd type="none" w="med" len="med"/>
+          </a:ln>
+        </p:spPr>
+      </p:cxnSp>
+      <p:sp>
+        <p:nvSpPr>
+          <p:cNvPr id="3" name="Google Shape;68;p14">
+            <a:extLst>
+              <a:ext uri="{FF2B5EF4-FFF2-40B4-BE49-F238E27FC236}">
+                <a16:creationId xmlns:a16="http://schemas.microsoft.com/office/drawing/2014/main" id="{43A06984-AB5F-3F1B-FC75-EEFE9C380324}"/>
+              </a:ext>
+            </a:extLst>
+          </p:cNvPr>
+          <p:cNvSpPr txBox="1"/>
+          <p:nvPr/>
+        </p:nvSpPr>
+        <p:spPr>
+          <a:xfrm>
+            <a:off x="504000" y="133173"/>
+            <a:ext cx="7296000" cy="430857"/>
+          </a:xfrm>
+          <a:prstGeom prst="rect">
+            <a:avLst/>
+          </a:prstGeom>
+          <a:noFill/>
+          <a:ln>
+            <a:noFill/>
+          </a:ln>
+        </p:spPr>
+        <p:txBody>
+          <a:bodyPr spcFirstLastPara="1" wrap="square" lIns="91425" tIns="91425" rIns="91425" bIns="91425" anchor="t" anchorCtr="0">
+            <a:spAutoFit/>
+          </a:bodyPr>
+          <a:lstStyle/>
+          <a:p>
+            <a:pPr marL="0" lvl="0" indent="0" algn="l" rtl="0">
+              <a:spcBef>
+                <a:spcPts val="0"/>
+              </a:spcBef>
+              <a:spcAft>
+                <a:spcPts val="0"/>
+              </a:spcAft>
+              <a:buNone/>
+            </a:pPr>
+            <a:r>
+              <a:rPr lang="en" sz="1600" dirty="0">
+                <a:solidFill>
+                  <a:schemeClr val="dk2"/>
+                </a:solidFill>
+              </a:rPr>
+              <a:t>Title</a:t>
+            </a:r>
+            <a:endParaRPr sz="1600" dirty="0">
+              <a:solidFill>
+                <a:schemeClr val="dk2"/>
+              </a:solidFill>
+            </a:endParaRPr>
+          </a:p>
+        </p:txBody>
+      </p:sp>
+      <p:sp>
+        <p:nvSpPr>
+          <p:cNvPr id="4" name="Google Shape;69;p14">
+            <a:extLst>
+              <a:ext uri="{FF2B5EF4-FFF2-40B4-BE49-F238E27FC236}">
+                <a16:creationId xmlns:a16="http://schemas.microsoft.com/office/drawing/2014/main" id="{BD12BD99-6150-C4A7-7204-500D7A9F2A6B}"/>
+              </a:ext>
+            </a:extLst>
+          </p:cNvPr>
+          <p:cNvSpPr txBox="1"/>
+          <p:nvPr/>
+        </p:nvSpPr>
+        <p:spPr>
+          <a:xfrm>
+            <a:off x="512868" y="571739"/>
+            <a:ext cx="7287132" cy="432396"/>
+          </a:xfrm>
+          <a:prstGeom prst="rect">
+            <a:avLst/>
+          </a:prstGeom>
+          <a:noFill/>
+          <a:ln>
+            <a:noFill/>
+          </a:ln>
+        </p:spPr>
+        <p:txBody>
+          <a:bodyPr spcFirstLastPara="1" wrap="square" lIns="91425" tIns="91425" rIns="91425" bIns="91425" anchor="t" anchorCtr="0">
+            <a:spAutoFit/>
+          </a:bodyPr>
+          <a:lstStyle/>
+          <a:p>
+            <a:pPr marL="35560" marR="0" lvl="0" algn="l" rtl="0">
+              <a:lnSpc>
+                <a:spcPct val="115000"/>
+              </a:lnSpc>
+              <a:spcBef>
+                <a:spcPts val="0"/>
+              </a:spcBef>
+              <a:spcAft>
+                <a:spcPts val="0"/>
+              </a:spcAft>
+              <a:buClr>
+                <a:schemeClr val="dk2"/>
+              </a:buClr>
+              <a:buSzPts val="1600"/>
+            </a:pPr>
+            <a:r>
+              <a:rPr lang="en-US" dirty="0" err="1">
+                <a:solidFill>
+                  <a:schemeClr val="dk2"/>
+                </a:solidFill>
+              </a:rPr>
+              <a:t>middleText</a:t>
+            </a:r>
+            <a:endParaRPr dirty="0">
+              <a:solidFill>
+                <a:schemeClr val="dk2"/>
+              </a:solidFill>
+            </a:endParaRPr>
+          </a:p>
+        </p:txBody>
+      </p:sp>
+      <p:cxnSp>
+        <p:nvCxnSpPr>
+          <p:cNvPr id="5" name="Google Shape;65;p14">
+            <a:extLst>
+              <a:ext uri="{FF2B5EF4-FFF2-40B4-BE49-F238E27FC236}">
+                <a16:creationId xmlns:a16="http://schemas.microsoft.com/office/drawing/2014/main" id="{89FC8035-E203-B8D1-995F-A47CE18EFB11}"/>
+              </a:ext>
+            </a:extLst>
+          </p:cNvPr>
+          <p:cNvCxnSpPr>
+            <a:cxnSpLocks/>
+          </p:cNvCxnSpPr>
+          <p:nvPr/>
+        </p:nvCxnSpPr>
+        <p:spPr>
+          <a:xfrm>
+            <a:off x="504000" y="4928117"/>
+            <a:ext cx="7992000" cy="15383"/>
+          </a:xfrm>
+          <a:prstGeom prst="straightConnector1">
+            <a:avLst/>
+          </a:prstGeom>
+          <a:noFill/>
+          <a:ln w="9525" cap="flat" cmpd="sng">
+            <a:solidFill>
+              <a:schemeClr val="dk2"/>
+            </a:solidFill>
+            <a:prstDash val="solid"/>
+            <a:round/>
+            <a:headEnd type="none" w="med" len="med"/>
+            <a:tailEnd type="none" w="med" len="med"/>
+          </a:ln>
+        </p:spPr>
+      </p:cxnSp>
     </p:spTree>
   </p:cSld>
   <p:clrMapOvr>
@@ -8830,58 +8850,6 @@
           <a:chExt cx="0" cy="0"/>
         </a:xfrm>
       </p:grpSpPr>
-      <p:cxnSp>
-        <p:nvCxnSpPr>
-          <p:cNvPr id="112" name="Google Shape;112;p18"/>
-          <p:cNvCxnSpPr/>
-          <p:nvPr/>
-        </p:nvCxnSpPr>
-        <p:spPr>
-          <a:xfrm>
-            <a:off x="919950" y="650300"/>
-            <a:ext cx="7296000" cy="11400"/>
-          </a:xfrm>
-          <a:prstGeom prst="straightConnector1">
-            <a:avLst/>
-          </a:prstGeom>
-          <a:noFill/>
-          <a:ln w="9525" cap="flat" cmpd="sng">
-            <a:solidFill>
-              <a:schemeClr val="dk2"/>
-            </a:solidFill>
-            <a:prstDash val="solid"/>
-            <a:round/>
-            <a:headEnd type="none" w="med" len="med"/>
-            <a:tailEnd type="none" w="med" len="med"/>
-          </a:ln>
-        </p:spPr>
-      </p:cxnSp>
-      <p:cxnSp>
-        <p:nvCxnSpPr>
-          <p:cNvPr id="113" name="Google Shape;113;p18"/>
-          <p:cNvCxnSpPr/>
-          <p:nvPr/>
-        </p:nvCxnSpPr>
-        <p:spPr>
-          <a:xfrm>
-            <a:off x="919950" y="4796825"/>
-            <a:ext cx="7296000" cy="11400"/>
-          </a:xfrm>
-          <a:prstGeom prst="straightConnector1">
-            <a:avLst/>
-          </a:prstGeom>
-          <a:noFill/>
-          <a:ln w="9525" cap="flat" cmpd="sng">
-            <a:solidFill>
-              <a:schemeClr val="dk2"/>
-            </a:solidFill>
-            <a:prstDash val="solid"/>
-            <a:round/>
-            <a:headEnd type="none" w="med" len="med"/>
-            <a:tailEnd type="none" w="med" len="med"/>
-          </a:ln>
-        </p:spPr>
-      </p:cxnSp>
       <p:sp>
         <p:nvSpPr>
           <p:cNvPr id="114" name="Google Shape;114;p18"/>
@@ -8925,106 +8893,6 @@
               <a:t>growth_trend_analysis</a:t>
             </a:r>
             <a:endParaRPr sz="1000">
-              <a:solidFill>
-                <a:schemeClr val="dk2"/>
-              </a:solidFill>
-            </a:endParaRPr>
-          </a:p>
-        </p:txBody>
-      </p:sp>
-      <p:sp>
-        <p:nvSpPr>
-          <p:cNvPr id="115" name="Google Shape;115;p18"/>
-          <p:cNvSpPr txBox="1"/>
-          <p:nvPr/>
-        </p:nvSpPr>
-        <p:spPr>
-          <a:xfrm>
-            <a:off x="919950" y="200000"/>
-            <a:ext cx="7296000" cy="461700"/>
-          </a:xfrm>
-          <a:prstGeom prst="rect">
-            <a:avLst/>
-          </a:prstGeom>
-          <a:noFill/>
-          <a:ln>
-            <a:noFill/>
-          </a:ln>
-        </p:spPr>
-        <p:txBody>
-          <a:bodyPr spcFirstLastPara="1" wrap="square" lIns="91425" tIns="91425" rIns="91425" bIns="91425" anchor="t" anchorCtr="0">
-            <a:spAutoFit/>
-          </a:bodyPr>
-          <a:lstStyle/>
-          <a:p>
-            <a:pPr marL="0" lvl="0" indent="0" algn="l" rtl="0">
-              <a:spcBef>
-                <a:spcPts val="0"/>
-              </a:spcBef>
-              <a:spcAft>
-                <a:spcPts val="0"/>
-              </a:spcAft>
-              <a:buNone/>
-            </a:pPr>
-            <a:r>
-              <a:rPr lang="en" sz="1800">
-                <a:solidFill>
-                  <a:schemeClr val="dk2"/>
-                </a:solidFill>
-              </a:rPr>
-              <a:t>Title</a:t>
-            </a:r>
-            <a:endParaRPr sz="1800">
-              <a:solidFill>
-                <a:schemeClr val="dk2"/>
-              </a:solidFill>
-            </a:endParaRPr>
-          </a:p>
-        </p:txBody>
-      </p:sp>
-      <p:sp>
-        <p:nvSpPr>
-          <p:cNvPr id="116" name="Google Shape;116;p18"/>
-          <p:cNvSpPr txBox="1"/>
-          <p:nvPr/>
-        </p:nvSpPr>
-        <p:spPr>
-          <a:xfrm>
-            <a:off x="919950" y="661700"/>
-            <a:ext cx="7296000" cy="431100"/>
-          </a:xfrm>
-          <a:prstGeom prst="rect">
-            <a:avLst/>
-          </a:prstGeom>
-          <a:noFill/>
-          <a:ln>
-            <a:noFill/>
-          </a:ln>
-        </p:spPr>
-        <p:txBody>
-          <a:bodyPr spcFirstLastPara="1" wrap="square" lIns="91425" tIns="91425" rIns="91425" bIns="91425" anchor="t" anchorCtr="0">
-            <a:spAutoFit/>
-          </a:bodyPr>
-          <a:lstStyle/>
-          <a:p>
-            <a:pPr marL="0" lvl="0" indent="0" algn="l" rtl="0">
-              <a:spcBef>
-                <a:spcPts val="0"/>
-              </a:spcBef>
-              <a:spcAft>
-                <a:spcPts val="0"/>
-              </a:spcAft>
-              <a:buNone/>
-            </a:pPr>
-            <a:r>
-              <a:rPr lang="en" sz="1600">
-                <a:solidFill>
-                  <a:schemeClr val="dk2"/>
-                </a:solidFill>
-              </a:rPr>
-              <a:t>MiddleText</a:t>
-            </a:r>
-            <a:endParaRPr sz="1600">
               <a:solidFill>
                 <a:schemeClr val="dk2"/>
               </a:solidFill>
@@ -9186,6 +9054,192 @@
           </a:p>
         </p:txBody>
       </p:sp>
+      <p:cxnSp>
+        <p:nvCxnSpPr>
+          <p:cNvPr id="2" name="Google Shape;65;p14">
+            <a:extLst>
+              <a:ext uri="{FF2B5EF4-FFF2-40B4-BE49-F238E27FC236}">
+                <a16:creationId xmlns:a16="http://schemas.microsoft.com/office/drawing/2014/main" id="{F116F84F-E057-D9BA-C0E6-048396EAF910}"/>
+              </a:ext>
+            </a:extLst>
+          </p:cNvPr>
+          <p:cNvCxnSpPr>
+            <a:cxnSpLocks/>
+          </p:cNvCxnSpPr>
+          <p:nvPr/>
+        </p:nvCxnSpPr>
+        <p:spPr>
+          <a:xfrm>
+            <a:off x="504000" y="564048"/>
+            <a:ext cx="7992000" cy="15383"/>
+          </a:xfrm>
+          <a:prstGeom prst="straightConnector1">
+            <a:avLst/>
+          </a:prstGeom>
+          <a:noFill/>
+          <a:ln w="9525" cap="flat" cmpd="sng">
+            <a:solidFill>
+              <a:schemeClr val="dk2"/>
+            </a:solidFill>
+            <a:prstDash val="solid"/>
+            <a:round/>
+            <a:headEnd type="none" w="med" len="med"/>
+            <a:tailEnd type="none" w="med" len="med"/>
+          </a:ln>
+        </p:spPr>
+      </p:cxnSp>
+      <p:sp>
+        <p:nvSpPr>
+          <p:cNvPr id="3" name="Google Shape;68;p14">
+            <a:extLst>
+              <a:ext uri="{FF2B5EF4-FFF2-40B4-BE49-F238E27FC236}">
+                <a16:creationId xmlns:a16="http://schemas.microsoft.com/office/drawing/2014/main" id="{9AA0DE4A-0D06-53A9-F1D9-1DB8A150D1D2}"/>
+              </a:ext>
+            </a:extLst>
+          </p:cNvPr>
+          <p:cNvSpPr txBox="1"/>
+          <p:nvPr/>
+        </p:nvSpPr>
+        <p:spPr>
+          <a:xfrm>
+            <a:off x="504000" y="133173"/>
+            <a:ext cx="7296000" cy="430857"/>
+          </a:xfrm>
+          <a:prstGeom prst="rect">
+            <a:avLst/>
+          </a:prstGeom>
+          <a:noFill/>
+          <a:ln>
+            <a:noFill/>
+          </a:ln>
+        </p:spPr>
+        <p:txBody>
+          <a:bodyPr spcFirstLastPara="1" wrap="square" lIns="91425" tIns="91425" rIns="91425" bIns="91425" anchor="t" anchorCtr="0">
+            <a:spAutoFit/>
+          </a:bodyPr>
+          <a:lstStyle/>
+          <a:p>
+            <a:pPr marL="0" lvl="0" indent="0" algn="l" rtl="0">
+              <a:spcBef>
+                <a:spcPts val="0"/>
+              </a:spcBef>
+              <a:spcAft>
+                <a:spcPts val="0"/>
+              </a:spcAft>
+              <a:buNone/>
+            </a:pPr>
+            <a:r>
+              <a:rPr lang="en" sz="1600" dirty="0">
+                <a:solidFill>
+                  <a:schemeClr val="dk2"/>
+                </a:solidFill>
+              </a:rPr>
+              <a:t>Title</a:t>
+            </a:r>
+            <a:endParaRPr sz="1600" dirty="0">
+              <a:solidFill>
+                <a:schemeClr val="dk2"/>
+              </a:solidFill>
+            </a:endParaRPr>
+          </a:p>
+        </p:txBody>
+      </p:sp>
+      <p:sp>
+        <p:nvSpPr>
+          <p:cNvPr id="4" name="Google Shape;69;p14">
+            <a:extLst>
+              <a:ext uri="{FF2B5EF4-FFF2-40B4-BE49-F238E27FC236}">
+                <a16:creationId xmlns:a16="http://schemas.microsoft.com/office/drawing/2014/main" id="{784F47A7-D43D-3EC7-8503-CF861EF99BE6}"/>
+              </a:ext>
+            </a:extLst>
+          </p:cNvPr>
+          <p:cNvSpPr txBox="1"/>
+          <p:nvPr/>
+        </p:nvSpPr>
+        <p:spPr>
+          <a:xfrm>
+            <a:off x="512868" y="571739"/>
+            <a:ext cx="7287132" cy="432396"/>
+          </a:xfrm>
+          <a:prstGeom prst="rect">
+            <a:avLst/>
+          </a:prstGeom>
+          <a:noFill/>
+          <a:ln>
+            <a:noFill/>
+          </a:ln>
+        </p:spPr>
+        <p:txBody>
+          <a:bodyPr spcFirstLastPara="1" wrap="square" lIns="91425" tIns="91425" rIns="91425" bIns="91425" anchor="t" anchorCtr="0">
+            <a:spAutoFit/>
+          </a:bodyPr>
+          <a:lstStyle/>
+          <a:p>
+            <a:pPr marL="35560" marR="0" lvl="0" algn="l" rtl="0">
+              <a:lnSpc>
+                <a:spcPct val="115000"/>
+              </a:lnSpc>
+              <a:spcBef>
+                <a:spcPts val="0"/>
+              </a:spcBef>
+              <a:spcAft>
+                <a:spcPts val="0"/>
+              </a:spcAft>
+              <a:buClr>
+                <a:schemeClr val="dk2"/>
+              </a:buClr>
+              <a:buSzPts val="1600"/>
+            </a:pPr>
+            <a:r>
+              <a:rPr lang="en-US" dirty="0" err="1">
+                <a:solidFill>
+                  <a:schemeClr val="dk2"/>
+                </a:solidFill>
+              </a:rPr>
+              <a:t>middleText</a:t>
+            </a:r>
+            <a:endParaRPr dirty="0">
+              <a:solidFill>
+                <a:schemeClr val="dk2"/>
+              </a:solidFill>
+            </a:endParaRPr>
+          </a:p>
+        </p:txBody>
+      </p:sp>
+      <p:cxnSp>
+        <p:nvCxnSpPr>
+          <p:cNvPr id="5" name="Google Shape;65;p14">
+            <a:extLst>
+              <a:ext uri="{FF2B5EF4-FFF2-40B4-BE49-F238E27FC236}">
+                <a16:creationId xmlns:a16="http://schemas.microsoft.com/office/drawing/2014/main" id="{6DAAFAFB-88C7-A0E2-BA0B-878567D4334A}"/>
+              </a:ext>
+            </a:extLst>
+          </p:cNvPr>
+          <p:cNvCxnSpPr>
+            <a:cxnSpLocks/>
+          </p:cNvCxnSpPr>
+          <p:nvPr/>
+        </p:nvCxnSpPr>
+        <p:spPr>
+          <a:xfrm>
+            <a:off x="504000" y="4928117"/>
+            <a:ext cx="7992000" cy="15383"/>
+          </a:xfrm>
+          <a:prstGeom prst="straightConnector1">
+            <a:avLst/>
+          </a:prstGeom>
+          <a:noFill/>
+          <a:ln w="9525" cap="flat" cmpd="sng">
+            <a:solidFill>
+              <a:schemeClr val="dk2"/>
+            </a:solidFill>
+            <a:prstDash val="solid"/>
+            <a:round/>
+            <a:headEnd type="none" w="med" len="med"/>
+            <a:tailEnd type="none" w="med" len="med"/>
+          </a:ln>
+        </p:spPr>
+      </p:cxnSp>
     </p:spTree>
   </p:cSld>
   <p:clrMapOvr>
@@ -9211,58 +9265,6 @@
           <a:chExt cx="0" cy="0"/>
         </a:xfrm>
       </p:grpSpPr>
-      <p:cxnSp>
-        <p:nvCxnSpPr>
-          <p:cNvPr id="124" name="Google Shape;124;p19"/>
-          <p:cNvCxnSpPr/>
-          <p:nvPr/>
-        </p:nvCxnSpPr>
-        <p:spPr>
-          <a:xfrm>
-            <a:off x="919950" y="650300"/>
-            <a:ext cx="7296000" cy="11400"/>
-          </a:xfrm>
-          <a:prstGeom prst="straightConnector1">
-            <a:avLst/>
-          </a:prstGeom>
-          <a:noFill/>
-          <a:ln w="9525" cap="flat" cmpd="sng">
-            <a:solidFill>
-              <a:schemeClr val="dk2"/>
-            </a:solidFill>
-            <a:prstDash val="solid"/>
-            <a:round/>
-            <a:headEnd type="none" w="med" len="med"/>
-            <a:tailEnd type="none" w="med" len="med"/>
-          </a:ln>
-        </p:spPr>
-      </p:cxnSp>
-      <p:cxnSp>
-        <p:nvCxnSpPr>
-          <p:cNvPr id="125" name="Google Shape;125;p19"/>
-          <p:cNvCxnSpPr/>
-          <p:nvPr/>
-        </p:nvCxnSpPr>
-        <p:spPr>
-          <a:xfrm>
-            <a:off x="919950" y="4796825"/>
-            <a:ext cx="7296000" cy="11400"/>
-          </a:xfrm>
-          <a:prstGeom prst="straightConnector1">
-            <a:avLst/>
-          </a:prstGeom>
-          <a:noFill/>
-          <a:ln w="9525" cap="flat" cmpd="sng">
-            <a:solidFill>
-              <a:schemeClr val="dk2"/>
-            </a:solidFill>
-            <a:prstDash val="solid"/>
-            <a:round/>
-            <a:headEnd type="none" w="med" len="med"/>
-            <a:tailEnd type="none" w="med" len="med"/>
-          </a:ln>
-        </p:spPr>
-      </p:cxnSp>
       <p:sp>
         <p:nvSpPr>
           <p:cNvPr id="126" name="Google Shape;126;p19"/>
@@ -9306,106 +9308,6 @@
               <a:t>industry_drivers_challenges</a:t>
             </a:r>
             <a:endParaRPr sz="1000">
-              <a:solidFill>
-                <a:schemeClr val="dk2"/>
-              </a:solidFill>
-            </a:endParaRPr>
-          </a:p>
-        </p:txBody>
-      </p:sp>
-      <p:sp>
-        <p:nvSpPr>
-          <p:cNvPr id="127" name="Google Shape;127;p19"/>
-          <p:cNvSpPr txBox="1"/>
-          <p:nvPr/>
-        </p:nvSpPr>
-        <p:spPr>
-          <a:xfrm>
-            <a:off x="919950" y="200000"/>
-            <a:ext cx="7296000" cy="461700"/>
-          </a:xfrm>
-          <a:prstGeom prst="rect">
-            <a:avLst/>
-          </a:prstGeom>
-          <a:noFill/>
-          <a:ln>
-            <a:noFill/>
-          </a:ln>
-        </p:spPr>
-        <p:txBody>
-          <a:bodyPr spcFirstLastPara="1" wrap="square" lIns="91425" tIns="91425" rIns="91425" bIns="91425" anchor="t" anchorCtr="0">
-            <a:spAutoFit/>
-          </a:bodyPr>
-          <a:lstStyle/>
-          <a:p>
-            <a:pPr marL="0" lvl="0" indent="0" algn="l" rtl="0">
-              <a:spcBef>
-                <a:spcPts val="0"/>
-              </a:spcBef>
-              <a:spcAft>
-                <a:spcPts val="0"/>
-              </a:spcAft>
-              <a:buNone/>
-            </a:pPr>
-            <a:r>
-              <a:rPr lang="en" sz="1800">
-                <a:solidFill>
-                  <a:schemeClr val="dk2"/>
-                </a:solidFill>
-              </a:rPr>
-              <a:t>Title</a:t>
-            </a:r>
-            <a:endParaRPr sz="1800">
-              <a:solidFill>
-                <a:schemeClr val="dk2"/>
-              </a:solidFill>
-            </a:endParaRPr>
-          </a:p>
-        </p:txBody>
-      </p:sp>
-      <p:sp>
-        <p:nvSpPr>
-          <p:cNvPr id="128" name="Google Shape;128;p19"/>
-          <p:cNvSpPr txBox="1"/>
-          <p:nvPr/>
-        </p:nvSpPr>
-        <p:spPr>
-          <a:xfrm>
-            <a:off x="919950" y="661700"/>
-            <a:ext cx="7296000" cy="431100"/>
-          </a:xfrm>
-          <a:prstGeom prst="rect">
-            <a:avLst/>
-          </a:prstGeom>
-          <a:noFill/>
-          <a:ln>
-            <a:noFill/>
-          </a:ln>
-        </p:spPr>
-        <p:txBody>
-          <a:bodyPr spcFirstLastPara="1" wrap="square" lIns="91425" tIns="91425" rIns="91425" bIns="91425" anchor="t" anchorCtr="0">
-            <a:spAutoFit/>
-          </a:bodyPr>
-          <a:lstStyle/>
-          <a:p>
-            <a:pPr marL="0" lvl="0" indent="0" algn="l" rtl="0">
-              <a:spcBef>
-                <a:spcPts val="0"/>
-              </a:spcBef>
-              <a:spcAft>
-                <a:spcPts val="0"/>
-              </a:spcAft>
-              <a:buNone/>
-            </a:pPr>
-            <a:r>
-              <a:rPr lang="en" sz="1600">
-                <a:solidFill>
-                  <a:schemeClr val="dk2"/>
-                </a:solidFill>
-              </a:rPr>
-              <a:t>MiddleText</a:t>
-            </a:r>
-            <a:endParaRPr sz="1600">
               <a:solidFill>
                 <a:schemeClr val="dk2"/>
               </a:solidFill>
@@ -9721,6 +9623,192 @@
           </a:p>
         </p:txBody>
       </p:sp>
+      <p:cxnSp>
+        <p:nvCxnSpPr>
+          <p:cNvPr id="2" name="Google Shape;65;p14">
+            <a:extLst>
+              <a:ext uri="{FF2B5EF4-FFF2-40B4-BE49-F238E27FC236}">
+                <a16:creationId xmlns:a16="http://schemas.microsoft.com/office/drawing/2014/main" id="{6365323A-A382-7267-56B1-41D114E2E9E8}"/>
+              </a:ext>
+            </a:extLst>
+          </p:cNvPr>
+          <p:cNvCxnSpPr>
+            <a:cxnSpLocks/>
+          </p:cNvCxnSpPr>
+          <p:nvPr/>
+        </p:nvCxnSpPr>
+        <p:spPr>
+          <a:xfrm>
+            <a:off x="504000" y="564048"/>
+            <a:ext cx="7992000" cy="15383"/>
+          </a:xfrm>
+          <a:prstGeom prst="straightConnector1">
+            <a:avLst/>
+          </a:prstGeom>
+          <a:noFill/>
+          <a:ln w="9525" cap="flat" cmpd="sng">
+            <a:solidFill>
+              <a:schemeClr val="dk2"/>
+            </a:solidFill>
+            <a:prstDash val="solid"/>
+            <a:round/>
+            <a:headEnd type="none" w="med" len="med"/>
+            <a:tailEnd type="none" w="med" len="med"/>
+          </a:ln>
+        </p:spPr>
+      </p:cxnSp>
+      <p:sp>
+        <p:nvSpPr>
+          <p:cNvPr id="3" name="Google Shape;68;p14">
+            <a:extLst>
+              <a:ext uri="{FF2B5EF4-FFF2-40B4-BE49-F238E27FC236}">
+                <a16:creationId xmlns:a16="http://schemas.microsoft.com/office/drawing/2014/main" id="{6D9F03DC-7CED-DB9D-5139-15AFB1E296A4}"/>
+              </a:ext>
+            </a:extLst>
+          </p:cNvPr>
+          <p:cNvSpPr txBox="1"/>
+          <p:nvPr/>
+        </p:nvSpPr>
+        <p:spPr>
+          <a:xfrm>
+            <a:off x="504000" y="133173"/>
+            <a:ext cx="7296000" cy="430857"/>
+          </a:xfrm>
+          <a:prstGeom prst="rect">
+            <a:avLst/>
+          </a:prstGeom>
+          <a:noFill/>
+          <a:ln>
+            <a:noFill/>
+          </a:ln>
+        </p:spPr>
+        <p:txBody>
+          <a:bodyPr spcFirstLastPara="1" wrap="square" lIns="91425" tIns="91425" rIns="91425" bIns="91425" anchor="t" anchorCtr="0">
+            <a:spAutoFit/>
+          </a:bodyPr>
+          <a:lstStyle/>
+          <a:p>
+            <a:pPr marL="0" lvl="0" indent="0" algn="l" rtl="0">
+              <a:spcBef>
+                <a:spcPts val="0"/>
+              </a:spcBef>
+              <a:spcAft>
+                <a:spcPts val="0"/>
+              </a:spcAft>
+              <a:buNone/>
+            </a:pPr>
+            <a:r>
+              <a:rPr lang="en" sz="1600" dirty="0">
+                <a:solidFill>
+                  <a:schemeClr val="dk2"/>
+                </a:solidFill>
+              </a:rPr>
+              <a:t>Title</a:t>
+            </a:r>
+            <a:endParaRPr sz="1600" dirty="0">
+              <a:solidFill>
+                <a:schemeClr val="dk2"/>
+              </a:solidFill>
+            </a:endParaRPr>
+          </a:p>
+        </p:txBody>
+      </p:sp>
+      <p:sp>
+        <p:nvSpPr>
+          <p:cNvPr id="4" name="Google Shape;69;p14">
+            <a:extLst>
+              <a:ext uri="{FF2B5EF4-FFF2-40B4-BE49-F238E27FC236}">
+                <a16:creationId xmlns:a16="http://schemas.microsoft.com/office/drawing/2014/main" id="{4C7903D3-4E50-9632-3B57-B66E7FE6B475}"/>
+              </a:ext>
+            </a:extLst>
+          </p:cNvPr>
+          <p:cNvSpPr txBox="1"/>
+          <p:nvPr/>
+        </p:nvSpPr>
+        <p:spPr>
+          <a:xfrm>
+            <a:off x="512868" y="571739"/>
+            <a:ext cx="7287132" cy="432396"/>
+          </a:xfrm>
+          <a:prstGeom prst="rect">
+            <a:avLst/>
+          </a:prstGeom>
+          <a:noFill/>
+          <a:ln>
+            <a:noFill/>
+          </a:ln>
+        </p:spPr>
+        <p:txBody>
+          <a:bodyPr spcFirstLastPara="1" wrap="square" lIns="91425" tIns="91425" rIns="91425" bIns="91425" anchor="t" anchorCtr="0">
+            <a:spAutoFit/>
+          </a:bodyPr>
+          <a:lstStyle/>
+          <a:p>
+            <a:pPr marL="35560" marR="0" lvl="0" algn="l" rtl="0">
+              <a:lnSpc>
+                <a:spcPct val="115000"/>
+              </a:lnSpc>
+              <a:spcBef>
+                <a:spcPts val="0"/>
+              </a:spcBef>
+              <a:spcAft>
+                <a:spcPts val="0"/>
+              </a:spcAft>
+              <a:buClr>
+                <a:schemeClr val="dk2"/>
+              </a:buClr>
+              <a:buSzPts val="1600"/>
+            </a:pPr>
+            <a:r>
+              <a:rPr lang="en-US" dirty="0" err="1">
+                <a:solidFill>
+                  <a:schemeClr val="dk2"/>
+                </a:solidFill>
+              </a:rPr>
+              <a:t>middleText</a:t>
+            </a:r>
+            <a:endParaRPr dirty="0">
+              <a:solidFill>
+                <a:schemeClr val="dk2"/>
+              </a:solidFill>
+            </a:endParaRPr>
+          </a:p>
+        </p:txBody>
+      </p:sp>
+      <p:cxnSp>
+        <p:nvCxnSpPr>
+          <p:cNvPr id="5" name="Google Shape;65;p14">
+            <a:extLst>
+              <a:ext uri="{FF2B5EF4-FFF2-40B4-BE49-F238E27FC236}">
+                <a16:creationId xmlns:a16="http://schemas.microsoft.com/office/drawing/2014/main" id="{0402176B-41D8-534F-907A-79C9FBB68450}"/>
+              </a:ext>
+            </a:extLst>
+          </p:cNvPr>
+          <p:cNvCxnSpPr>
+            <a:cxnSpLocks/>
+          </p:cNvCxnSpPr>
+          <p:nvPr/>
+        </p:nvCxnSpPr>
+        <p:spPr>
+          <a:xfrm>
+            <a:off x="504000" y="4928117"/>
+            <a:ext cx="7992000" cy="15383"/>
+          </a:xfrm>
+          <a:prstGeom prst="straightConnector1">
+            <a:avLst/>
+          </a:prstGeom>
+          <a:noFill/>
+          <a:ln w="9525" cap="flat" cmpd="sng">
+            <a:solidFill>
+              <a:schemeClr val="dk2"/>
+            </a:solidFill>
+            <a:prstDash val="solid"/>
+            <a:round/>
+            <a:headEnd type="none" w="med" len="med"/>
+            <a:tailEnd type="none" w="med" len="med"/>
+          </a:ln>
+        </p:spPr>
+      </p:cxnSp>
     </p:spTree>
   </p:cSld>
   <p:clrMapOvr>
